--- a/PPTs/ProgramacionII_Clase_19.1-2018.pptx
+++ b/PPTs/ProgramacionII_Clase_19.1-2018.pptx
@@ -118,6 +118,11 @@
       </a:defRPr>
     </a:lvl9pPr>
   </p:defaultTextStyle>
+  <p:extLst>
+    <p:ext uri="{EFAFB233-063F-42B5-8137-9DF3F51BA10A}">
+      <p15:sldGuideLst xmlns:p15="http://schemas.microsoft.com/office/powerpoint/2012/main"/>
+    </p:ext>
+  </p:extLst>
 </p:presentation>
 </file>
 
@@ -395,7 +400,7 @@
           <a:p>
             <a:fld id="{78ABE3C1-DBE1-495D-B57B-2849774B866A}" type="datetimeFigureOut">
               <a:rPr lang="en-US" dirty="0"/>
-              <a:t>9/27/2018</a:t>
+              <a:t>10/23/2018</a:t>
             </a:fld>
             <a:endParaRPr lang="en-US" dirty="0"/>
           </a:p>
@@ -804,7 +809,7 @@
           <a:p>
             <a:fld id="{446C117F-5CCF-4837-BE5F-2B92066CAFAF}" type="datetimeFigureOut">
               <a:rPr lang="en-US" dirty="0"/>
-              <a:t>9/27/2018</a:t>
+              <a:t>10/23/2018</a:t>
             </a:fld>
             <a:endParaRPr lang="en-US" dirty="0"/>
           </a:p>
@@ -1135,7 +1140,7 @@
           <a:p>
             <a:fld id="{84EB90BD-B6CE-46B7-997F-7313B992CCDC}" type="datetimeFigureOut">
               <a:rPr lang="en-US" dirty="0"/>
-              <a:t>9/27/2018</a:t>
+              <a:t>10/23/2018</a:t>
             </a:fld>
             <a:endParaRPr lang="en-US" dirty="0"/>
           </a:p>
@@ -1535,7 +1540,7 @@
           <a:p>
             <a:fld id="{CDB9D11F-B188-461D-B23F-39381795C052}" type="datetimeFigureOut">
               <a:rPr lang="en-US" dirty="0"/>
-              <a:t>9/27/2018</a:t>
+              <a:t>10/23/2018</a:t>
             </a:fld>
             <a:endParaRPr lang="en-US" dirty="0"/>
           </a:p>
@@ -2098,7 +2103,7 @@
           <a:p>
             <a:fld id="{52E6D8D9-55A2-4063-B0F3-121F44549695}" type="datetimeFigureOut">
               <a:rPr lang="en-US" dirty="0"/>
-              <a:t>9/27/2018</a:t>
+              <a:t>10/23/2018</a:t>
             </a:fld>
             <a:endParaRPr lang="en-US" dirty="0"/>
           </a:p>
@@ -2774,7 +2779,7 @@
           <a:p>
             <a:fld id="{D4B24536-994D-4021-A283-9F449C0DB509}" type="datetimeFigureOut">
               <a:rPr lang="en-US" dirty="0"/>
-              <a:t>9/27/2018</a:t>
+              <a:t>10/23/2018</a:t>
             </a:fld>
             <a:endParaRPr lang="en-US" dirty="0"/>
           </a:p>
@@ -3682,7 +3687,7 @@
           <a:p>
             <a:fld id="{3CBBBB78-C96F-47B7-AB17-D852CA960AC9}" type="datetimeFigureOut">
               <a:rPr lang="en-US" dirty="0"/>
-              <a:t>9/27/2018</a:t>
+              <a:t>10/23/2018</a:t>
             </a:fld>
             <a:endParaRPr lang="en-US" dirty="0"/>
           </a:p>
@@ -3990,7 +3995,7 @@
           <a:p>
             <a:fld id="{1FA3F48C-C7C6-4055-9F49-3777875E72AE}" type="datetimeFigureOut">
               <a:rPr lang="en-US" dirty="0"/>
-              <a:t>9/27/2018</a:t>
+              <a:t>10/23/2018</a:t>
             </a:fld>
             <a:endParaRPr lang="en-US" dirty="0"/>
           </a:p>
@@ -4249,7 +4254,7 @@
           <a:p>
             <a:fld id="{6178E61D-D431-422C-9764-11DAFE33AB63}" type="datetimeFigureOut">
               <a:rPr lang="en-US" dirty="0"/>
-              <a:t>9/27/2018</a:t>
+              <a:t>10/23/2018</a:t>
             </a:fld>
             <a:endParaRPr lang="en-US" dirty="0"/>
           </a:p>
@@ -4568,7 +4573,7 @@
           <a:p>
             <a:fld id="{12DE42F4-6EEF-4EF7-8ED4-2208F0F89A08}" type="datetimeFigureOut">
               <a:rPr lang="en-US" dirty="0"/>
-              <a:t>9/27/2018</a:t>
+              <a:t>10/23/2018</a:t>
             </a:fld>
             <a:endParaRPr lang="en-US" dirty="0"/>
           </a:p>
@@ -4952,7 +4957,7 @@
           <a:p>
             <a:fld id="{30578ACC-22D6-47C1-A373-4FD133E34F3C}" type="datetimeFigureOut">
               <a:rPr lang="en-US" dirty="0"/>
-              <a:t>9/27/2018</a:t>
+              <a:t>10/23/2018</a:t>
             </a:fld>
             <a:endParaRPr lang="en-US" dirty="0"/>
           </a:p>
@@ -5323,7 +5328,7 @@
           <a:p>
             <a:fld id="{4E5A6C69-6797-4E8A-BF37-F2C3751466E9}" type="datetimeFigureOut">
               <a:rPr lang="en-US" dirty="0"/>
-              <a:t>9/27/2018</a:t>
+              <a:t>10/23/2018</a:t>
             </a:fld>
             <a:endParaRPr lang="en-US" dirty="0"/>
           </a:p>
@@ -5824,7 +5829,7 @@
           <a:p>
             <a:fld id="{D82014A1-A632-4878-A0D3-F52BA7563730}" type="datetimeFigureOut">
               <a:rPr lang="en-US" dirty="0"/>
-              <a:t>9/27/2018</a:t>
+              <a:t>10/23/2018</a:t>
             </a:fld>
             <a:endParaRPr lang="en-US" dirty="0"/>
           </a:p>
@@ -6076,7 +6081,7 @@
           <a:p>
             <a:fld id="{CE99F462-093F-4566-844B-4C71F2739DA5}" type="datetimeFigureOut">
               <a:rPr lang="en-US" dirty="0"/>
-              <a:t>9/27/2018</a:t>
+              <a:t>10/23/2018</a:t>
             </a:fld>
             <a:endParaRPr lang="en-US" dirty="0"/>
           </a:p>
@@ -6234,7 +6239,7 @@
           <a:p>
             <a:fld id="{3D24A7AC-904D-4781-85BA-7D10C17ED021}" type="datetimeFigureOut">
               <a:rPr lang="en-US" dirty="0"/>
-              <a:t>9/27/2018</a:t>
+              <a:t>10/23/2018</a:t>
             </a:fld>
             <a:endParaRPr lang="en-US" dirty="0"/>
           </a:p>
@@ -6619,7 +6624,7 @@
           <a:p>
             <a:fld id="{E331444B-B92B-4E27-8C94-BB93EAF5CB18}" type="datetimeFigureOut">
               <a:rPr lang="en-US" dirty="0"/>
-              <a:t>9/27/2018</a:t>
+              <a:t>10/23/2018</a:t>
             </a:fld>
             <a:endParaRPr lang="en-US" dirty="0"/>
           </a:p>
@@ -7023,7 +7028,7 @@
           <a:p>
             <a:fld id="{363EFA5E-FA76-400D-B3DC-F0BA90E6D107}" type="datetimeFigureOut">
               <a:rPr lang="en-US" dirty="0"/>
-              <a:t>9/27/2018</a:t>
+              <a:t>10/23/2018</a:t>
             </a:fld>
             <a:endParaRPr lang="en-US" dirty="0"/>
           </a:p>
@@ -7262,7 +7267,7 @@
           <a:p>
             <a:fld id="{9D6E9DEC-419B-4CC5-A080-3B06BD5A8291}" type="datetimeFigureOut">
               <a:rPr lang="en-US" dirty="0"/>
-              <a:t>9/27/2018</a:t>
+              <a:t>10/23/2018</a:t>
             </a:fld>
             <a:endParaRPr lang="en-US" dirty="0"/>
           </a:p>
@@ -8588,25 +8593,6 @@
           </a:p>
         </p:txBody>
       </p:sp>
-      <p:sp>
-        <p:nvSpPr>
-          <p:cNvPr id="5" name="Marcador de texto 4"/>
-          <p:cNvSpPr>
-            <a:spLocks noGrp="1"/>
-          </p:cNvSpPr>
-          <p:nvPr>
-            <p:ph type="body" idx="1"/>
-          </p:nvPr>
-        </p:nvSpPr>
-        <p:spPr/>
-        <p:txBody>
-          <a:bodyPr/>
-          <a:lstStyle/>
-          <a:p>
-            <a:endParaRPr lang="es-AR"/>
-          </a:p>
-        </p:txBody>
-      </p:sp>
     </p:spTree>
     <p:extLst>
       <p:ext uri="{BB962C8B-B14F-4D97-AF65-F5344CB8AC3E}">

--- a/PPTs/ProgramacionII_Clase_19.1-2018.pptx
+++ b/PPTs/ProgramacionII_Clase_19.1-2018.pptx
@@ -10,16 +10,17 @@
     <p:sldId id="258" r:id="rId4"/>
     <p:sldId id="259" r:id="rId5"/>
     <p:sldId id="269" r:id="rId6"/>
-    <p:sldId id="268" r:id="rId7"/>
-    <p:sldId id="260" r:id="rId8"/>
-    <p:sldId id="261" r:id="rId9"/>
-    <p:sldId id="270" r:id="rId10"/>
-    <p:sldId id="262" r:id="rId11"/>
-    <p:sldId id="263" r:id="rId12"/>
-    <p:sldId id="265" r:id="rId13"/>
-    <p:sldId id="264" r:id="rId14"/>
-    <p:sldId id="266" r:id="rId15"/>
-    <p:sldId id="267" r:id="rId16"/>
+    <p:sldId id="271" r:id="rId7"/>
+    <p:sldId id="268" r:id="rId8"/>
+    <p:sldId id="260" r:id="rId9"/>
+    <p:sldId id="261" r:id="rId10"/>
+    <p:sldId id="270" r:id="rId11"/>
+    <p:sldId id="262" r:id="rId12"/>
+    <p:sldId id="263" r:id="rId13"/>
+    <p:sldId id="265" r:id="rId14"/>
+    <p:sldId id="264" r:id="rId15"/>
+    <p:sldId id="266" r:id="rId16"/>
+    <p:sldId id="267" r:id="rId17"/>
   </p:sldIdLst>
   <p:sldSz cx="12192000" cy="6858000"/>
   <p:notesSz cx="6858000" cy="9144000"/>
@@ -309,7 +310,7 @@
           </a:lstStyle>
           <a:p>
             <a:r>
-              <a:rPr lang="es-ES" smtClean="0"/>
+              <a:rPr lang="es-ES"/>
               <a:t>Haga clic para modificar el estilo de título del patrón</a:t>
             </a:r>
             <a:endParaRPr lang="en-US" dirty="0"/>
@@ -376,7 +377,7 @@
           </a:lstStyle>
           <a:p>
             <a:r>
-              <a:rPr lang="es-ES" smtClean="0"/>
+              <a:rPr lang="es-ES"/>
               <a:t>Haga clic para modificar el estilo de subtítulo del patrón</a:t>
             </a:r>
             <a:endParaRPr lang="en-US" dirty="0"/>
@@ -400,7 +401,7 @@
           <a:p>
             <a:fld id="{78ABE3C1-DBE1-495D-B57B-2849774B866A}" type="datetimeFigureOut">
               <a:rPr lang="en-US" dirty="0"/>
-              <a:t>10/23/2018</a:t>
+              <a:t>12/17/2021</a:t>
             </a:fld>
             <a:endParaRPr lang="en-US" dirty="0"/>
           </a:p>
@@ -644,7 +645,7 @@
           </a:lstStyle>
           <a:p>
             <a:r>
-              <a:rPr lang="es-ES" smtClean="0"/>
+              <a:rPr lang="es-ES"/>
               <a:t>Haga clic para modificar el estilo de título del patrón</a:t>
             </a:r>
             <a:endParaRPr lang="en-US" dirty="0"/>
@@ -720,7 +721,7 @@
           </a:lstStyle>
           <a:p>
             <a:r>
-              <a:rPr lang="es-ES" smtClean="0"/>
+              <a:rPr lang="es-ES"/>
               <a:t>Haga clic en el icono para agregar una imagen</a:t>
             </a:r>
             <a:endParaRPr lang="en-US" dirty="0"/>
@@ -786,7 +787,7 @@
           <a:p>
             <a:pPr lvl="0"/>
             <a:r>
-              <a:rPr lang="es-ES" smtClean="0"/>
+              <a:rPr lang="es-ES"/>
               <a:t>Haga clic para modificar el estilo de texto del patrón</a:t>
             </a:r>
           </a:p>
@@ -809,7 +810,7 @@
           <a:p>
             <a:fld id="{446C117F-5CCF-4837-BE5F-2B92066CAFAF}" type="datetimeFigureOut">
               <a:rPr lang="en-US" dirty="0"/>
-              <a:t>10/23/2018</a:t>
+              <a:t>12/17/2021</a:t>
             </a:fld>
             <a:endParaRPr lang="en-US" dirty="0"/>
           </a:p>
@@ -1051,7 +1052,7 @@
           </a:lstStyle>
           <a:p>
             <a:r>
-              <a:rPr lang="es-ES" smtClean="0"/>
+              <a:rPr lang="es-ES"/>
               <a:t>Haga clic para modificar el estilo de título del patrón</a:t>
             </a:r>
             <a:endParaRPr lang="en-US" dirty="0"/>
@@ -1117,7 +1118,7 @@
           <a:p>
             <a:pPr lvl="0"/>
             <a:r>
-              <a:rPr lang="es-ES" smtClean="0"/>
+              <a:rPr lang="es-ES"/>
               <a:t>Haga clic para modificar el estilo de texto del patrón</a:t>
             </a:r>
           </a:p>
@@ -1140,7 +1141,7 @@
           <a:p>
             <a:fld id="{84EB90BD-B6CE-46B7-997F-7313B992CCDC}" type="datetimeFigureOut">
               <a:rPr lang="en-US" dirty="0"/>
-              <a:t>10/23/2018</a:t>
+              <a:t>12/17/2021</a:t>
             </a:fld>
             <a:endParaRPr lang="en-US" dirty="0"/>
           </a:p>
@@ -1382,7 +1383,7 @@
           </a:lstStyle>
           <a:p>
             <a:r>
-              <a:rPr lang="es-ES" smtClean="0"/>
+              <a:rPr lang="es-ES"/>
               <a:t>Haga clic para modificar el estilo de título del patrón</a:t>
             </a:r>
             <a:endParaRPr lang="en-US" dirty="0"/>
@@ -1450,7 +1451,7 @@
           <a:p>
             <a:pPr lvl="0"/>
             <a:r>
-              <a:rPr lang="es-ES" smtClean="0"/>
+              <a:rPr lang="es-ES"/>
               <a:t>Haga clic para modificar el estilo de texto del patrón</a:t>
             </a:r>
           </a:p>
@@ -1517,7 +1518,7 @@
           <a:p>
             <a:pPr lvl="0"/>
             <a:r>
-              <a:rPr lang="es-ES" smtClean="0"/>
+              <a:rPr lang="es-ES"/>
               <a:t>Haga clic para modificar el estilo de texto del patrón</a:t>
             </a:r>
           </a:p>
@@ -1540,7 +1541,7 @@
           <a:p>
             <a:fld id="{CDB9D11F-B188-461D-B23F-39381795C052}" type="datetimeFigureOut">
               <a:rPr lang="en-US" dirty="0"/>
-              <a:t>10/23/2018</a:t>
+              <a:t>12/17/2021</a:t>
             </a:fld>
             <a:endParaRPr lang="en-US" dirty="0"/>
           </a:p>
@@ -2014,7 +2015,7 @@
           </a:lstStyle>
           <a:p>
             <a:r>
-              <a:rPr lang="es-ES" smtClean="0"/>
+              <a:rPr lang="es-ES"/>
               <a:t>Haga clic para modificar el estilo de título del patrón</a:t>
             </a:r>
             <a:endParaRPr lang="en-US" dirty="0"/>
@@ -2080,7 +2081,7 @@
           <a:p>
             <a:pPr lvl="0"/>
             <a:r>
-              <a:rPr lang="es-ES" smtClean="0"/>
+              <a:rPr lang="es-ES"/>
               <a:t>Haga clic para modificar el estilo de texto del patrón</a:t>
             </a:r>
           </a:p>
@@ -2103,7 +2104,7 @@
           <a:p>
             <a:fld id="{52E6D8D9-55A2-4063-B0F3-121F44549695}" type="datetimeFigureOut">
               <a:rPr lang="en-US" dirty="0"/>
-              <a:t>10/23/2018</a:t>
+              <a:t>12/17/2021</a:t>
             </a:fld>
             <a:endParaRPr lang="en-US" dirty="0"/>
           </a:p>
@@ -2341,7 +2342,7 @@
           <a:lstStyle/>
           <a:p>
             <a:r>
-              <a:rPr lang="es-ES" smtClean="0"/>
+              <a:rPr lang="es-ES"/>
               <a:t>Haga clic para modificar el estilo de título del patrón</a:t>
             </a:r>
             <a:endParaRPr lang="en-US" dirty="0"/>
@@ -2413,7 +2414,7 @@
           <a:p>
             <a:pPr lvl="0"/>
             <a:r>
-              <a:rPr lang="es-ES" smtClean="0"/>
+              <a:rPr lang="es-ES"/>
               <a:t>Haga clic para modificar el estilo de texto del patrón</a:t>
             </a:r>
           </a:p>
@@ -2480,7 +2481,7 @@
           <a:p>
             <a:pPr lvl="0"/>
             <a:r>
-              <a:rPr lang="es-ES" smtClean="0"/>
+              <a:rPr lang="es-ES"/>
               <a:t>Haga clic para modificar el estilo de texto del patrón</a:t>
             </a:r>
           </a:p>
@@ -2551,7 +2552,7 @@
           <a:p>
             <a:pPr lvl="0"/>
             <a:r>
-              <a:rPr lang="es-ES" smtClean="0"/>
+              <a:rPr lang="es-ES"/>
               <a:t>Haga clic para modificar el estilo de texto del patrón</a:t>
             </a:r>
           </a:p>
@@ -2618,7 +2619,7 @@
           <a:p>
             <a:pPr lvl="0"/>
             <a:r>
-              <a:rPr lang="es-ES" smtClean="0"/>
+              <a:rPr lang="es-ES"/>
               <a:t>Haga clic para modificar el estilo de texto del patrón</a:t>
             </a:r>
           </a:p>
@@ -2689,7 +2690,7 @@
           <a:p>
             <a:pPr lvl="0"/>
             <a:r>
-              <a:rPr lang="es-ES" smtClean="0"/>
+              <a:rPr lang="es-ES"/>
               <a:t>Haga clic para modificar el estilo de texto del patrón</a:t>
             </a:r>
           </a:p>
@@ -2756,7 +2757,7 @@
           <a:p>
             <a:pPr lvl="0"/>
             <a:r>
-              <a:rPr lang="es-ES" smtClean="0"/>
+              <a:rPr lang="es-ES"/>
               <a:t>Haga clic para modificar el estilo de texto del patrón</a:t>
             </a:r>
           </a:p>
@@ -2779,7 +2780,7 @@
           <a:p>
             <a:fld id="{D4B24536-994D-4021-A283-9F449C0DB509}" type="datetimeFigureOut">
               <a:rPr lang="en-US" dirty="0"/>
-              <a:t>10/23/2018</a:t>
+              <a:t>12/17/2021</a:t>
             </a:fld>
             <a:endParaRPr lang="en-US" dirty="0"/>
           </a:p>
@@ -3012,7 +3013,7 @@
           <a:lstStyle/>
           <a:p>
             <a:r>
-              <a:rPr lang="es-ES" smtClean="0"/>
+              <a:rPr lang="es-ES"/>
               <a:t>Haga clic para modificar el estilo de título del patrón</a:t>
             </a:r>
             <a:endParaRPr lang="en-US" dirty="0"/>
@@ -3084,7 +3085,7 @@
           <a:p>
             <a:pPr lvl="0"/>
             <a:r>
-              <a:rPr lang="es-ES" smtClean="0"/>
+              <a:rPr lang="es-ES"/>
               <a:t>Haga clic para modificar el estilo de texto del patrón</a:t>
             </a:r>
           </a:p>
@@ -3162,7 +3163,7 @@
           </a:lstStyle>
           <a:p>
             <a:r>
-              <a:rPr lang="es-ES" smtClean="0"/>
+              <a:rPr lang="es-ES"/>
               <a:t>Haga clic en el icono para agregar una imagen</a:t>
             </a:r>
             <a:endParaRPr lang="en-US" dirty="0"/>
@@ -3230,7 +3231,7 @@
           <a:p>
             <a:pPr lvl="0"/>
             <a:r>
-              <a:rPr lang="es-ES" smtClean="0"/>
+              <a:rPr lang="es-ES"/>
               <a:t>Haga clic para modificar el estilo de texto del patrón</a:t>
             </a:r>
           </a:p>
@@ -3301,7 +3302,7 @@
           <a:p>
             <a:pPr lvl="0"/>
             <a:r>
-              <a:rPr lang="es-ES" smtClean="0"/>
+              <a:rPr lang="es-ES"/>
               <a:t>Haga clic para modificar el estilo de texto del patrón</a:t>
             </a:r>
           </a:p>
@@ -3379,7 +3380,7 @@
           </a:lstStyle>
           <a:p>
             <a:r>
-              <a:rPr lang="es-ES" smtClean="0"/>
+              <a:rPr lang="es-ES"/>
               <a:t>Haga clic en el icono para agregar una imagen</a:t>
             </a:r>
             <a:endParaRPr lang="en-US" dirty="0"/>
@@ -3447,7 +3448,7 @@
           <a:p>
             <a:pPr lvl="0"/>
             <a:r>
-              <a:rPr lang="es-ES" smtClean="0"/>
+              <a:rPr lang="es-ES"/>
               <a:t>Haga clic para modificar el estilo de texto del patrón</a:t>
             </a:r>
           </a:p>
@@ -3518,7 +3519,7 @@
           <a:p>
             <a:pPr lvl="0"/>
             <a:r>
-              <a:rPr lang="es-ES" smtClean="0"/>
+              <a:rPr lang="es-ES"/>
               <a:t>Haga clic para modificar el estilo de texto del patrón</a:t>
             </a:r>
           </a:p>
@@ -3596,7 +3597,7 @@
           </a:lstStyle>
           <a:p>
             <a:r>
-              <a:rPr lang="es-ES" smtClean="0"/>
+              <a:rPr lang="es-ES"/>
               <a:t>Haga clic en el icono para agregar una imagen</a:t>
             </a:r>
             <a:endParaRPr lang="en-US" dirty="0"/>
@@ -3664,7 +3665,7 @@
           <a:p>
             <a:pPr lvl="0"/>
             <a:r>
-              <a:rPr lang="es-ES" smtClean="0"/>
+              <a:rPr lang="es-ES"/>
               <a:t>Haga clic para modificar el estilo de texto del patrón</a:t>
             </a:r>
           </a:p>
@@ -3687,7 +3688,7 @@
           <a:p>
             <a:fld id="{3CBBBB78-C96F-47B7-AB17-D852CA960AC9}" type="datetimeFigureOut">
               <a:rPr lang="en-US" dirty="0"/>
-              <a:t>10/23/2018</a:t>
+              <a:t>12/17/2021</a:t>
             </a:fld>
             <a:endParaRPr lang="en-US" dirty="0"/>
           </a:p>
@@ -3919,7 +3920,7 @@
           </a:lstStyle>
           <a:p>
             <a:r>
-              <a:rPr lang="es-ES" smtClean="0"/>
+              <a:rPr lang="es-ES"/>
               <a:t>Haga clic para modificar el estilo de título del patrón</a:t>
             </a:r>
             <a:endParaRPr lang="en-US" dirty="0"/>
@@ -3943,35 +3944,35 @@
           <a:p>
             <a:pPr lvl="0"/>
             <a:r>
-              <a:rPr lang="es-ES" smtClean="0"/>
+              <a:rPr lang="es-ES"/>
               <a:t>Haga clic para modificar el estilo de texto del patrón</a:t>
             </a:r>
           </a:p>
           <a:p>
             <a:pPr lvl="1"/>
             <a:r>
-              <a:rPr lang="es-ES" smtClean="0"/>
+              <a:rPr lang="es-ES"/>
               <a:t>Segundo nivel</a:t>
             </a:r>
           </a:p>
           <a:p>
             <a:pPr lvl="2"/>
             <a:r>
-              <a:rPr lang="es-ES" smtClean="0"/>
+              <a:rPr lang="es-ES"/>
               <a:t>Tercer nivel</a:t>
             </a:r>
           </a:p>
           <a:p>
             <a:pPr lvl="3"/>
             <a:r>
-              <a:rPr lang="es-ES" smtClean="0"/>
+              <a:rPr lang="es-ES"/>
               <a:t>Cuarto nivel</a:t>
             </a:r>
           </a:p>
           <a:p>
             <a:pPr lvl="4"/>
             <a:r>
-              <a:rPr lang="es-ES" smtClean="0"/>
+              <a:rPr lang="es-ES"/>
               <a:t>Quinto nivel</a:t>
             </a:r>
             <a:endParaRPr lang="en-US" dirty="0"/>
@@ -3995,7 +3996,7 @@
           <a:p>
             <a:fld id="{1FA3F48C-C7C6-4055-9F49-3777875E72AE}" type="datetimeFigureOut">
               <a:rPr lang="en-US" dirty="0"/>
-              <a:t>10/23/2018</a:t>
+              <a:t>12/17/2021</a:t>
             </a:fld>
             <a:endParaRPr lang="en-US" dirty="0"/>
           </a:p>
@@ -4168,7 +4169,7 @@
           <a:lstStyle/>
           <a:p>
             <a:r>
-              <a:rPr lang="es-ES" smtClean="0"/>
+              <a:rPr lang="es-ES"/>
               <a:t>Haga clic para modificar el estilo de título del patrón</a:t>
             </a:r>
             <a:endParaRPr lang="en-US" dirty="0"/>
@@ -4197,35 +4198,35 @@
           <a:p>
             <a:pPr lvl="0"/>
             <a:r>
-              <a:rPr lang="es-ES" smtClean="0"/>
+              <a:rPr lang="es-ES"/>
               <a:t>Haga clic para modificar el estilo de texto del patrón</a:t>
             </a:r>
           </a:p>
           <a:p>
             <a:pPr lvl="1"/>
             <a:r>
-              <a:rPr lang="es-ES" smtClean="0"/>
+              <a:rPr lang="es-ES"/>
               <a:t>Segundo nivel</a:t>
             </a:r>
           </a:p>
           <a:p>
             <a:pPr lvl="2"/>
             <a:r>
-              <a:rPr lang="es-ES" smtClean="0"/>
+              <a:rPr lang="es-ES"/>
               <a:t>Tercer nivel</a:t>
             </a:r>
           </a:p>
           <a:p>
             <a:pPr lvl="3"/>
             <a:r>
-              <a:rPr lang="es-ES" smtClean="0"/>
+              <a:rPr lang="es-ES"/>
               <a:t>Cuarto nivel</a:t>
             </a:r>
           </a:p>
           <a:p>
             <a:pPr lvl="4"/>
             <a:r>
-              <a:rPr lang="es-ES" smtClean="0"/>
+              <a:rPr lang="es-ES"/>
               <a:t>Quinto nivel</a:t>
             </a:r>
             <a:endParaRPr lang="en-US" dirty="0"/>
@@ -4254,7 +4255,7 @@
           <a:p>
             <a:fld id="{6178E61D-D431-422C-9764-11DAFE33AB63}" type="datetimeFigureOut">
               <a:rPr lang="en-US" dirty="0"/>
-              <a:t>10/23/2018</a:t>
+              <a:t>12/17/2021</a:t>
             </a:fld>
             <a:endParaRPr lang="en-US" dirty="0"/>
           </a:p>
@@ -4497,7 +4498,7 @@
           <a:lstStyle/>
           <a:p>
             <a:r>
-              <a:rPr lang="es-ES" smtClean="0"/>
+              <a:rPr lang="es-ES"/>
               <a:t>Haga clic para modificar el estilo de título del patrón</a:t>
             </a:r>
             <a:endParaRPr lang="en-US" dirty="0"/>
@@ -4521,35 +4522,35 @@
           <a:p>
             <a:pPr lvl="0"/>
             <a:r>
-              <a:rPr lang="es-ES" smtClean="0"/>
+              <a:rPr lang="es-ES"/>
               <a:t>Haga clic para modificar el estilo de texto del patrón</a:t>
             </a:r>
           </a:p>
           <a:p>
             <a:pPr lvl="1"/>
             <a:r>
-              <a:rPr lang="es-ES" smtClean="0"/>
+              <a:rPr lang="es-ES"/>
               <a:t>Segundo nivel</a:t>
             </a:r>
           </a:p>
           <a:p>
             <a:pPr lvl="2"/>
             <a:r>
-              <a:rPr lang="es-ES" smtClean="0"/>
+              <a:rPr lang="es-ES"/>
               <a:t>Tercer nivel</a:t>
             </a:r>
           </a:p>
           <a:p>
             <a:pPr lvl="3"/>
             <a:r>
-              <a:rPr lang="es-ES" smtClean="0"/>
+              <a:rPr lang="es-ES"/>
               <a:t>Cuarto nivel</a:t>
             </a:r>
           </a:p>
           <a:p>
             <a:pPr lvl="4"/>
             <a:r>
-              <a:rPr lang="es-ES" smtClean="0"/>
+              <a:rPr lang="es-ES"/>
               <a:t>Quinto nivel</a:t>
             </a:r>
             <a:endParaRPr lang="en-US" dirty="0"/>
@@ -4573,7 +4574,7 @@
           <a:p>
             <a:fld id="{12DE42F4-6EEF-4EF7-8ED4-2208F0F89A08}" type="datetimeFigureOut">
               <a:rPr lang="en-US" dirty="0"/>
-              <a:t>10/23/2018</a:t>
+              <a:t>12/17/2021</a:t>
             </a:fld>
             <a:endParaRPr lang="en-US" dirty="0"/>
           </a:p>
@@ -4812,7 +4813,7 @@
           </a:lstStyle>
           <a:p>
             <a:r>
-              <a:rPr lang="es-ES" smtClean="0"/>
+              <a:rPr lang="es-ES"/>
               <a:t>Haga clic para modificar el estilo de título del patrón</a:t>
             </a:r>
             <a:endParaRPr lang="en-US" dirty="0"/>
@@ -4934,7 +4935,7 @@
           <a:p>
             <a:pPr lvl="0"/>
             <a:r>
-              <a:rPr lang="es-ES" smtClean="0"/>
+              <a:rPr lang="es-ES"/>
               <a:t>Haga clic para modificar el estilo de texto del patrón</a:t>
             </a:r>
           </a:p>
@@ -4957,7 +4958,7 @@
           <a:p>
             <a:fld id="{30578ACC-22D6-47C1-A373-4FD133E34F3C}" type="datetimeFigureOut">
               <a:rPr lang="en-US" dirty="0"/>
-              <a:t>10/23/2018</a:t>
+              <a:t>12/17/2021</a:t>
             </a:fld>
             <a:endParaRPr lang="en-US" dirty="0"/>
           </a:p>
@@ -5190,7 +5191,7 @@
           <a:lstStyle/>
           <a:p>
             <a:r>
-              <a:rPr lang="es-ES" smtClean="0"/>
+              <a:rPr lang="es-ES"/>
               <a:t>Haga clic para modificar el estilo de título del patrón</a:t>
             </a:r>
             <a:endParaRPr lang="en-US" dirty="0"/>
@@ -5219,35 +5220,35 @@
           <a:p>
             <a:pPr lvl="0"/>
             <a:r>
-              <a:rPr lang="es-ES" smtClean="0"/>
+              <a:rPr lang="es-ES"/>
               <a:t>Haga clic para modificar el estilo de texto del patrón</a:t>
             </a:r>
           </a:p>
           <a:p>
             <a:pPr lvl="1"/>
             <a:r>
-              <a:rPr lang="es-ES" smtClean="0"/>
+              <a:rPr lang="es-ES"/>
               <a:t>Segundo nivel</a:t>
             </a:r>
           </a:p>
           <a:p>
             <a:pPr lvl="2"/>
             <a:r>
-              <a:rPr lang="es-ES" smtClean="0"/>
+              <a:rPr lang="es-ES"/>
               <a:t>Tercer nivel</a:t>
             </a:r>
           </a:p>
           <a:p>
             <a:pPr lvl="3"/>
             <a:r>
-              <a:rPr lang="es-ES" smtClean="0"/>
+              <a:rPr lang="es-ES"/>
               <a:t>Cuarto nivel</a:t>
             </a:r>
           </a:p>
           <a:p>
             <a:pPr lvl="4"/>
             <a:r>
-              <a:rPr lang="es-ES" smtClean="0"/>
+              <a:rPr lang="es-ES"/>
               <a:t>Quinto nivel</a:t>
             </a:r>
             <a:endParaRPr lang="en-US" dirty="0"/>
@@ -5276,35 +5277,35 @@
           <a:p>
             <a:pPr lvl="0"/>
             <a:r>
-              <a:rPr lang="es-ES" smtClean="0"/>
+              <a:rPr lang="es-ES"/>
               <a:t>Haga clic para modificar el estilo de texto del patrón</a:t>
             </a:r>
           </a:p>
           <a:p>
             <a:pPr lvl="1"/>
             <a:r>
-              <a:rPr lang="es-ES" smtClean="0"/>
+              <a:rPr lang="es-ES"/>
               <a:t>Segundo nivel</a:t>
             </a:r>
           </a:p>
           <a:p>
             <a:pPr lvl="2"/>
             <a:r>
-              <a:rPr lang="es-ES" smtClean="0"/>
+              <a:rPr lang="es-ES"/>
               <a:t>Tercer nivel</a:t>
             </a:r>
           </a:p>
           <a:p>
             <a:pPr lvl="3"/>
             <a:r>
-              <a:rPr lang="es-ES" smtClean="0"/>
+              <a:rPr lang="es-ES"/>
               <a:t>Cuarto nivel</a:t>
             </a:r>
           </a:p>
           <a:p>
             <a:pPr lvl="4"/>
             <a:r>
-              <a:rPr lang="es-ES" smtClean="0"/>
+              <a:rPr lang="es-ES"/>
               <a:t>Quinto nivel</a:t>
             </a:r>
             <a:endParaRPr lang="en-US" dirty="0"/>
@@ -5328,7 +5329,7 @@
           <a:p>
             <a:fld id="{4E5A6C69-6797-4E8A-BF37-F2C3751466E9}" type="datetimeFigureOut">
               <a:rPr lang="en-US" dirty="0"/>
-              <a:t>10/23/2018</a:t>
+              <a:t>12/17/2021</a:t>
             </a:fld>
             <a:endParaRPr lang="en-US" dirty="0"/>
           </a:p>
@@ -5561,7 +5562,7 @@
           <a:lstStyle/>
           <a:p>
             <a:r>
-              <a:rPr lang="es-ES" smtClean="0"/>
+              <a:rPr lang="es-ES"/>
               <a:t>Haga clic para modificar el estilo de título del patrón</a:t>
             </a:r>
             <a:endParaRPr lang="en-US" dirty="0"/>
@@ -5627,7 +5628,7 @@
           <a:p>
             <a:pPr lvl="0"/>
             <a:r>
-              <a:rPr lang="es-ES" smtClean="0"/>
+              <a:rPr lang="es-ES"/>
               <a:t>Haga clic para modificar el estilo de texto del patrón</a:t>
             </a:r>
           </a:p>
@@ -5655,35 +5656,35 @@
           <a:p>
             <a:pPr lvl="0"/>
             <a:r>
-              <a:rPr lang="es-ES" smtClean="0"/>
+              <a:rPr lang="es-ES"/>
               <a:t>Haga clic para modificar el estilo de texto del patrón</a:t>
             </a:r>
           </a:p>
           <a:p>
             <a:pPr lvl="1"/>
             <a:r>
-              <a:rPr lang="es-ES" smtClean="0"/>
+              <a:rPr lang="es-ES"/>
               <a:t>Segundo nivel</a:t>
             </a:r>
           </a:p>
           <a:p>
             <a:pPr lvl="2"/>
             <a:r>
-              <a:rPr lang="es-ES" smtClean="0"/>
+              <a:rPr lang="es-ES"/>
               <a:t>Tercer nivel</a:t>
             </a:r>
           </a:p>
           <a:p>
             <a:pPr lvl="3"/>
             <a:r>
-              <a:rPr lang="es-ES" smtClean="0"/>
+              <a:rPr lang="es-ES"/>
               <a:t>Cuarto nivel</a:t>
             </a:r>
           </a:p>
           <a:p>
             <a:pPr lvl="4"/>
             <a:r>
-              <a:rPr lang="es-ES" smtClean="0"/>
+              <a:rPr lang="es-ES"/>
               <a:t>Quinto nivel</a:t>
             </a:r>
             <a:endParaRPr lang="en-US" dirty="0"/>
@@ -5749,7 +5750,7 @@
           <a:p>
             <a:pPr lvl="0"/>
             <a:r>
-              <a:rPr lang="es-ES" smtClean="0"/>
+              <a:rPr lang="es-ES"/>
               <a:t>Haga clic para modificar el estilo de texto del patrón</a:t>
             </a:r>
           </a:p>
@@ -5777,35 +5778,35 @@
           <a:p>
             <a:pPr lvl="0"/>
             <a:r>
-              <a:rPr lang="es-ES" smtClean="0"/>
+              <a:rPr lang="es-ES"/>
               <a:t>Haga clic para modificar el estilo de texto del patrón</a:t>
             </a:r>
           </a:p>
           <a:p>
             <a:pPr lvl="1"/>
             <a:r>
-              <a:rPr lang="es-ES" smtClean="0"/>
+              <a:rPr lang="es-ES"/>
               <a:t>Segundo nivel</a:t>
             </a:r>
           </a:p>
           <a:p>
             <a:pPr lvl="2"/>
             <a:r>
-              <a:rPr lang="es-ES" smtClean="0"/>
+              <a:rPr lang="es-ES"/>
               <a:t>Tercer nivel</a:t>
             </a:r>
           </a:p>
           <a:p>
             <a:pPr lvl="3"/>
             <a:r>
-              <a:rPr lang="es-ES" smtClean="0"/>
+              <a:rPr lang="es-ES"/>
               <a:t>Cuarto nivel</a:t>
             </a:r>
           </a:p>
           <a:p>
             <a:pPr lvl="4"/>
             <a:r>
-              <a:rPr lang="es-ES" smtClean="0"/>
+              <a:rPr lang="es-ES"/>
               <a:t>Quinto nivel</a:t>
             </a:r>
             <a:endParaRPr lang="en-US" dirty="0"/>
@@ -5829,7 +5830,7 @@
           <a:p>
             <a:fld id="{D82014A1-A632-4878-A0D3-F52BA7563730}" type="datetimeFigureOut">
               <a:rPr lang="en-US" dirty="0"/>
-              <a:t>10/23/2018</a:t>
+              <a:t>12/17/2021</a:t>
             </a:fld>
             <a:endParaRPr lang="en-US" dirty="0"/>
           </a:p>
@@ -6057,7 +6058,7 @@
           <a:lstStyle/>
           <a:p>
             <a:r>
-              <a:rPr lang="es-ES" smtClean="0"/>
+              <a:rPr lang="es-ES"/>
               <a:t>Haga clic para modificar el estilo de título del patrón</a:t>
             </a:r>
             <a:endParaRPr lang="en-US" dirty="0"/>
@@ -6081,7 +6082,7 @@
           <a:p>
             <a:fld id="{CE99F462-093F-4566-844B-4C71F2739DA5}" type="datetimeFigureOut">
               <a:rPr lang="en-US" dirty="0"/>
-              <a:t>10/23/2018</a:t>
+              <a:t>12/17/2021</a:t>
             </a:fld>
             <a:endParaRPr lang="en-US" dirty="0"/>
           </a:p>
@@ -6239,7 +6240,7 @@
           <a:p>
             <a:fld id="{3D24A7AC-904D-4781-85BA-7D10C17ED021}" type="datetimeFigureOut">
               <a:rPr lang="en-US" dirty="0"/>
-              <a:t>10/23/2018</a:t>
+              <a:t>12/17/2021</a:t>
             </a:fld>
             <a:endParaRPr lang="en-US" dirty="0"/>
           </a:p>
@@ -6478,7 +6479,7 @@
           </a:lstStyle>
           <a:p>
             <a:r>
-              <a:rPr lang="es-ES" smtClean="0"/>
+              <a:rPr lang="es-ES"/>
               <a:t>Haga clic para modificar el estilo de título del patrón</a:t>
             </a:r>
             <a:endParaRPr lang="en-US" dirty="0"/>
@@ -6507,35 +6508,35 @@
           <a:p>
             <a:pPr lvl="0"/>
             <a:r>
-              <a:rPr lang="es-ES" smtClean="0"/>
+              <a:rPr lang="es-ES"/>
               <a:t>Haga clic para modificar el estilo de texto del patrón</a:t>
             </a:r>
           </a:p>
           <a:p>
             <a:pPr lvl="1"/>
             <a:r>
-              <a:rPr lang="es-ES" smtClean="0"/>
+              <a:rPr lang="es-ES"/>
               <a:t>Segundo nivel</a:t>
             </a:r>
           </a:p>
           <a:p>
             <a:pPr lvl="2"/>
             <a:r>
-              <a:rPr lang="es-ES" smtClean="0"/>
+              <a:rPr lang="es-ES"/>
               <a:t>Tercer nivel</a:t>
             </a:r>
           </a:p>
           <a:p>
             <a:pPr lvl="3"/>
             <a:r>
-              <a:rPr lang="es-ES" smtClean="0"/>
+              <a:rPr lang="es-ES"/>
               <a:t>Cuarto nivel</a:t>
             </a:r>
           </a:p>
           <a:p>
             <a:pPr lvl="4"/>
             <a:r>
-              <a:rPr lang="es-ES" smtClean="0"/>
+              <a:rPr lang="es-ES"/>
               <a:t>Quinto nivel</a:t>
             </a:r>
             <a:endParaRPr lang="en-US" dirty="0"/>
@@ -6601,7 +6602,7 @@
           <a:p>
             <a:pPr lvl="0"/>
             <a:r>
-              <a:rPr lang="es-ES" smtClean="0"/>
+              <a:rPr lang="es-ES"/>
               <a:t>Haga clic para modificar el estilo de texto del patrón</a:t>
             </a:r>
           </a:p>
@@ -6624,7 +6625,7 @@
           <a:p>
             <a:fld id="{E331444B-B92B-4E27-8C94-BB93EAF5CB18}" type="datetimeFigureOut">
               <a:rPr lang="en-US" dirty="0"/>
-              <a:t>10/23/2018</a:t>
+              <a:t>12/17/2021</a:t>
             </a:fld>
             <a:endParaRPr lang="en-US" dirty="0"/>
           </a:p>
@@ -6863,7 +6864,7 @@
           </a:lstStyle>
           <a:p>
             <a:r>
-              <a:rPr lang="es-ES" smtClean="0"/>
+              <a:rPr lang="es-ES"/>
               <a:t>Haga clic para modificar el estilo de título del patrón</a:t>
             </a:r>
             <a:endParaRPr lang="en-US" dirty="0"/>
@@ -6939,7 +6940,7 @@
           </a:lstStyle>
           <a:p>
             <a:r>
-              <a:rPr lang="es-ES" smtClean="0"/>
+              <a:rPr lang="es-ES"/>
               <a:t>Haga clic en el icono para agregar una imagen</a:t>
             </a:r>
             <a:endParaRPr lang="en-US" dirty="0"/>
@@ -7005,7 +7006,7 @@
           <a:p>
             <a:pPr lvl="0"/>
             <a:r>
-              <a:rPr lang="es-ES" smtClean="0"/>
+              <a:rPr lang="es-ES"/>
               <a:t>Haga clic para modificar el estilo de texto del patrón</a:t>
             </a:r>
           </a:p>
@@ -7028,7 +7029,7 @@
           <a:p>
             <a:fld id="{363EFA5E-FA76-400D-B3DC-F0BA90E6D107}" type="datetimeFigureOut">
               <a:rPr lang="en-US" dirty="0"/>
-              <a:t>10/23/2018</a:t>
+              <a:t>12/17/2021</a:t>
             </a:fld>
             <a:endParaRPr lang="en-US" dirty="0"/>
           </a:p>
@@ -7163,7 +7164,7 @@
           <a:lstStyle/>
           <a:p>
             <a:r>
-              <a:rPr lang="es-ES" smtClean="0"/>
+              <a:rPr lang="es-ES"/>
               <a:t>Haga clic para modificar el estilo de título del patrón</a:t>
             </a:r>
             <a:endParaRPr lang="en-US" dirty="0"/>
@@ -7197,35 +7198,35 @@
           <a:p>
             <a:pPr lvl="0"/>
             <a:r>
-              <a:rPr lang="es-ES" smtClean="0"/>
+              <a:rPr lang="es-ES"/>
               <a:t>Haga clic para modificar el estilo de texto del patrón</a:t>
             </a:r>
           </a:p>
           <a:p>
             <a:pPr lvl="1"/>
             <a:r>
-              <a:rPr lang="es-ES" smtClean="0"/>
+              <a:rPr lang="es-ES"/>
               <a:t>Segundo nivel</a:t>
             </a:r>
           </a:p>
           <a:p>
             <a:pPr lvl="2"/>
             <a:r>
-              <a:rPr lang="es-ES" smtClean="0"/>
+              <a:rPr lang="es-ES"/>
               <a:t>Tercer nivel</a:t>
             </a:r>
           </a:p>
           <a:p>
             <a:pPr lvl="3"/>
             <a:r>
-              <a:rPr lang="es-ES" smtClean="0"/>
+              <a:rPr lang="es-ES"/>
               <a:t>Cuarto nivel</a:t>
             </a:r>
           </a:p>
           <a:p>
             <a:pPr lvl="4"/>
             <a:r>
-              <a:rPr lang="es-ES" smtClean="0"/>
+              <a:rPr lang="es-ES"/>
               <a:t>Quinto nivel</a:t>
             </a:r>
             <a:endParaRPr lang="en-US" dirty="0"/>
@@ -7267,7 +7268,7 @@
           <a:p>
             <a:fld id="{9D6E9DEC-419B-4CC5-A080-3B06BD5A8291}" type="datetimeFigureOut">
               <a:rPr lang="en-US" dirty="0"/>
-              <a:t>10/23/2018</a:t>
+              <a:t>12/17/2021</a:t>
             </a:fld>
             <a:endParaRPr lang="en-US" dirty="0"/>
           </a:p>
@@ -7691,10 +7692,9 @@
           <a:lstStyle/>
           <a:p>
             <a:r>
-              <a:rPr lang="es-AR" dirty="0" smtClean="0"/>
+              <a:rPr lang="es-AR" dirty="0"/>
               <a:t>Archivos de Texto</a:t>
             </a:r>
-            <a:endParaRPr lang="es-AR" dirty="0"/>
           </a:p>
         </p:txBody>
       </p:sp>
@@ -7832,7 +7832,7 @@
               <a:buNone/>
             </a:pPr>
             <a:r>
-              <a:rPr lang="es-AR" dirty="0" smtClean="0">
+              <a:rPr lang="es-AR" dirty="0">
                 <a:solidFill>
                   <a:prstClr val="white"/>
                 </a:solidFill>
@@ -7840,12 +7840,6 @@
               </a:rPr>
               <a:t>19.1</a:t>
             </a:r>
-            <a:endParaRPr lang="es-AR" dirty="0">
-              <a:solidFill>
-                <a:prstClr val="white"/>
-              </a:solidFill>
-              <a:latin typeface="Trebuchet MS" panose="020B0603020202020204"/>
-            </a:endParaRPr>
           </a:p>
         </p:txBody>
       </p:sp>
@@ -7895,8 +7889,8 @@
           <a:lstStyle/>
           <a:p>
             <a:r>
-              <a:rPr lang="es-AR" dirty="0" smtClean="0"/>
-              <a:t>Excepciones</a:t>
+              <a:rPr lang="es-AR" dirty="0" err="1"/>
+              <a:t>StreamReader</a:t>
             </a:r>
             <a:endParaRPr lang="es-AR" dirty="0"/>
           </a:p>
@@ -7904,376 +7898,716 @@
       </p:sp>
       <p:sp>
         <p:nvSpPr>
-          <p:cNvPr id="3" name="Marcador de contenido 2"/>
-          <p:cNvSpPr>
-            <a:spLocks noGrp="1"/>
+          <p:cNvPr id="4" name="Google Shape;408;p22"/>
+          <p:cNvSpPr txBox="1">
+            <a:spLocks/>
           </p:cNvSpPr>
-          <p:nvPr>
-            <p:ph idx="1"/>
-          </p:nvPr>
-        </p:nvSpPr>
-        <p:spPr/>
+          <p:nvPr/>
+        </p:nvSpPr>
+        <p:spPr>
+          <a:xfrm>
+            <a:off x="680321" y="2273832"/>
+            <a:ext cx="9613861" cy="3276962"/>
+          </a:xfrm>
+          <a:prstGeom prst="rect">
+            <a:avLst/>
+          </a:prstGeom>
+          <a:solidFill>
+            <a:srgbClr val="FFFFFF"/>
+          </a:solidFill>
+          <a:ln>
+            <a:noFill/>
+          </a:ln>
+        </p:spPr>
         <p:txBody>
-          <a:bodyPr>
-            <a:normAutofit fontScale="92500" lnSpcReduction="10000"/>
+          <a:bodyPr spcFirstLastPara="1" wrap="square" lIns="91425" tIns="45700" rIns="91425" bIns="45700" anchor="t" anchorCtr="0">
+            <a:noAutofit/>
           </a:bodyPr>
-          <a:lstStyle/>
-          <a:p>
-            <a:pPr>
+          <a:lstStyle>
+            <a:defPPr marR="0" lvl="0" algn="l" rtl="0">
               <a:lnSpc>
-                <a:spcPct val="80000"/>
+                <a:spcPct val="100000"/>
               </a:lnSpc>
-              <a:defRPr/>
+              <a:spcBef>
+                <a:spcPts val="0"/>
+              </a:spcBef>
+              <a:spcAft>
+                <a:spcPts val="0"/>
+              </a:spcAft>
+            </a:defPPr>
+            <a:lvl1pPr marL="457200" marR="0" lvl="0" indent="-381000" algn="l" rtl="0">
+              <a:lnSpc>
+                <a:spcPct val="90000"/>
+              </a:lnSpc>
+              <a:spcBef>
+                <a:spcPts val="1000"/>
+              </a:spcBef>
+              <a:spcAft>
+                <a:spcPts val="0"/>
+              </a:spcAft>
+              <a:buClr>
+                <a:schemeClr val="lt1"/>
+              </a:buClr>
+              <a:buSzPts val="2400"/>
+              <a:buFont typeface="Arial"/>
+              <a:buChar char="•"/>
+              <a:defRPr sz="2400" b="0" i="0" u="none" strike="noStrike" cap="none">
+                <a:solidFill>
+                  <a:schemeClr val="lt1"/>
+                </a:solidFill>
+                <a:latin typeface="Trebuchet MS"/>
+                <a:ea typeface="Trebuchet MS"/>
+                <a:cs typeface="Trebuchet MS"/>
+                <a:sym typeface="Trebuchet MS"/>
+              </a:defRPr>
+            </a:lvl1pPr>
+            <a:lvl2pPr marL="914400" marR="0" lvl="1" indent="-355600" algn="l" rtl="0">
+              <a:lnSpc>
+                <a:spcPct val="90000"/>
+              </a:lnSpc>
+              <a:spcBef>
+                <a:spcPts val="500"/>
+              </a:spcBef>
+              <a:spcAft>
+                <a:spcPts val="0"/>
+              </a:spcAft>
+              <a:buClr>
+                <a:schemeClr val="lt1"/>
+              </a:buClr>
+              <a:buSzPts val="2000"/>
+              <a:buFont typeface="Arial"/>
+              <a:buChar char="•"/>
+              <a:defRPr sz="2000" b="0" i="0" u="none" strike="noStrike" cap="none">
+                <a:solidFill>
+                  <a:schemeClr val="lt1"/>
+                </a:solidFill>
+                <a:latin typeface="Trebuchet MS"/>
+                <a:ea typeface="Trebuchet MS"/>
+                <a:cs typeface="Trebuchet MS"/>
+                <a:sym typeface="Trebuchet MS"/>
+              </a:defRPr>
+            </a:lvl2pPr>
+            <a:lvl3pPr marL="1371600" marR="0" lvl="2" indent="-342900" algn="l" rtl="0">
+              <a:lnSpc>
+                <a:spcPct val="90000"/>
+              </a:lnSpc>
+              <a:spcBef>
+                <a:spcPts val="500"/>
+              </a:spcBef>
+              <a:spcAft>
+                <a:spcPts val="0"/>
+              </a:spcAft>
+              <a:buClr>
+                <a:schemeClr val="lt1"/>
+              </a:buClr>
+              <a:buSzPts val="1800"/>
+              <a:buFont typeface="Arial"/>
+              <a:buChar char="•"/>
+              <a:defRPr sz="1800" b="0" i="0" u="none" strike="noStrike" cap="none">
+                <a:solidFill>
+                  <a:schemeClr val="lt1"/>
+                </a:solidFill>
+                <a:latin typeface="Trebuchet MS"/>
+                <a:ea typeface="Trebuchet MS"/>
+                <a:cs typeface="Trebuchet MS"/>
+                <a:sym typeface="Trebuchet MS"/>
+              </a:defRPr>
+            </a:lvl3pPr>
+            <a:lvl4pPr marL="1828800" marR="0" lvl="3" indent="-330200" algn="l" rtl="0">
+              <a:lnSpc>
+                <a:spcPct val="90000"/>
+              </a:lnSpc>
+              <a:spcBef>
+                <a:spcPts val="500"/>
+              </a:spcBef>
+              <a:spcAft>
+                <a:spcPts val="0"/>
+              </a:spcAft>
+              <a:buClr>
+                <a:schemeClr val="lt1"/>
+              </a:buClr>
+              <a:buSzPts val="1600"/>
+              <a:buFont typeface="Arial"/>
+              <a:buChar char="•"/>
+              <a:defRPr sz="1600" b="0" i="0" u="none" strike="noStrike" cap="none">
+                <a:solidFill>
+                  <a:schemeClr val="lt1"/>
+                </a:solidFill>
+                <a:latin typeface="Trebuchet MS"/>
+                <a:ea typeface="Trebuchet MS"/>
+                <a:cs typeface="Trebuchet MS"/>
+                <a:sym typeface="Trebuchet MS"/>
+              </a:defRPr>
+            </a:lvl4pPr>
+            <a:lvl5pPr marL="2286000" marR="0" lvl="4" indent="-330200" algn="l" rtl="0">
+              <a:lnSpc>
+                <a:spcPct val="90000"/>
+              </a:lnSpc>
+              <a:spcBef>
+                <a:spcPts val="500"/>
+              </a:spcBef>
+              <a:spcAft>
+                <a:spcPts val="0"/>
+              </a:spcAft>
+              <a:buClr>
+                <a:schemeClr val="lt1"/>
+              </a:buClr>
+              <a:buSzPts val="1600"/>
+              <a:buFont typeface="Arial"/>
+              <a:buChar char="•"/>
+              <a:defRPr sz="1600" b="0" i="0" u="none" strike="noStrike" cap="none">
+                <a:solidFill>
+                  <a:schemeClr val="lt1"/>
+                </a:solidFill>
+                <a:latin typeface="Trebuchet MS"/>
+                <a:ea typeface="Trebuchet MS"/>
+                <a:cs typeface="Trebuchet MS"/>
+                <a:sym typeface="Trebuchet MS"/>
+              </a:defRPr>
+            </a:lvl5pPr>
+            <a:lvl6pPr marL="2743200" marR="0" lvl="5" indent="-317500" algn="l" rtl="0">
+              <a:lnSpc>
+                <a:spcPct val="90000"/>
+              </a:lnSpc>
+              <a:spcBef>
+                <a:spcPts val="500"/>
+              </a:spcBef>
+              <a:spcAft>
+                <a:spcPts val="0"/>
+              </a:spcAft>
+              <a:buClr>
+                <a:schemeClr val="lt1"/>
+              </a:buClr>
+              <a:buSzPts val="1400"/>
+              <a:buFont typeface="Arial"/>
+              <a:buChar char="•"/>
+              <a:defRPr sz="1400" b="0" i="0" u="none" strike="noStrike" cap="none">
+                <a:solidFill>
+                  <a:schemeClr val="lt1"/>
+                </a:solidFill>
+                <a:latin typeface="Trebuchet MS"/>
+                <a:ea typeface="Trebuchet MS"/>
+                <a:cs typeface="Trebuchet MS"/>
+                <a:sym typeface="Trebuchet MS"/>
+              </a:defRPr>
+            </a:lvl6pPr>
+            <a:lvl7pPr marL="3200400" marR="0" lvl="6" indent="-317500" algn="l" rtl="0">
+              <a:lnSpc>
+                <a:spcPct val="90000"/>
+              </a:lnSpc>
+              <a:spcBef>
+                <a:spcPts val="500"/>
+              </a:spcBef>
+              <a:spcAft>
+                <a:spcPts val="0"/>
+              </a:spcAft>
+              <a:buClr>
+                <a:schemeClr val="lt1"/>
+              </a:buClr>
+              <a:buSzPts val="1400"/>
+              <a:buFont typeface="Arial"/>
+              <a:buChar char="•"/>
+              <a:defRPr sz="1400" b="0" i="0" u="none" strike="noStrike" cap="none">
+                <a:solidFill>
+                  <a:schemeClr val="lt1"/>
+                </a:solidFill>
+                <a:latin typeface="Trebuchet MS"/>
+                <a:ea typeface="Trebuchet MS"/>
+                <a:cs typeface="Trebuchet MS"/>
+                <a:sym typeface="Trebuchet MS"/>
+              </a:defRPr>
+            </a:lvl7pPr>
+            <a:lvl8pPr marL="3657600" marR="0" lvl="7" indent="-317500" algn="l" rtl="0">
+              <a:lnSpc>
+                <a:spcPct val="90000"/>
+              </a:lnSpc>
+              <a:spcBef>
+                <a:spcPts val="500"/>
+              </a:spcBef>
+              <a:spcAft>
+                <a:spcPts val="0"/>
+              </a:spcAft>
+              <a:buClr>
+                <a:schemeClr val="lt1"/>
+              </a:buClr>
+              <a:buSzPts val="1400"/>
+              <a:buFont typeface="Arial"/>
+              <a:buChar char="•"/>
+              <a:defRPr sz="1400" b="0" i="0" u="none" strike="noStrike" cap="none">
+                <a:solidFill>
+                  <a:schemeClr val="lt1"/>
+                </a:solidFill>
+                <a:latin typeface="Trebuchet MS"/>
+                <a:ea typeface="Trebuchet MS"/>
+                <a:cs typeface="Trebuchet MS"/>
+                <a:sym typeface="Trebuchet MS"/>
+              </a:defRPr>
+            </a:lvl8pPr>
+            <a:lvl9pPr marL="4114800" marR="0" lvl="8" indent="-317500" algn="l" rtl="0">
+              <a:lnSpc>
+                <a:spcPct val="90000"/>
+              </a:lnSpc>
+              <a:spcBef>
+                <a:spcPts val="500"/>
+              </a:spcBef>
+              <a:spcAft>
+                <a:spcPts val="0"/>
+              </a:spcAft>
+              <a:buClr>
+                <a:schemeClr val="lt1"/>
+              </a:buClr>
+              <a:buSzPts val="1400"/>
+              <a:buFont typeface="Arial"/>
+              <a:buChar char="•"/>
+              <a:defRPr sz="1400" b="0" i="0" u="none" strike="noStrike" cap="none">
+                <a:solidFill>
+                  <a:schemeClr val="lt1"/>
+                </a:solidFill>
+                <a:latin typeface="Trebuchet MS"/>
+                <a:ea typeface="Trebuchet MS"/>
+                <a:cs typeface="Trebuchet MS"/>
+                <a:sym typeface="Trebuchet MS"/>
+              </a:defRPr>
+            </a:lvl9pPr>
+          </a:lstStyle>
+          <a:p>
+            <a:pPr marL="76200" indent="0">
+              <a:spcBef>
+                <a:spcPts val="100"/>
+              </a:spcBef>
+              <a:buNone/>
             </a:pPr>
             <a:r>
-              <a:rPr lang="es-ES" sz="2800" dirty="0">
-                <a:effectLst>
-                  <a:outerShdw blurRad="38100" dist="38100" dir="2700000" algn="tl">
-                    <a:srgbClr val="000000">
-                      <a:alpha val="43137"/>
-                    </a:srgbClr>
-                  </a:outerShdw>
-                </a:effectLst>
-                <a:latin typeface="Franklin Gothic Medium" panose="020B0603020102020204" pitchFamily="34" charset="0"/>
-              </a:rPr>
-              <a:t>La ruta de acceso no es válida porque...</a:t>
-            </a:r>
-          </a:p>
-          <a:p>
-            <a:pPr lvl="1">
-              <a:lnSpc>
-                <a:spcPct val="80000"/>
-              </a:lnSpc>
-              <a:defRPr/>
+              <a:rPr lang="es-AR" sz="2000" dirty="0" err="1">
+                <a:solidFill>
+                  <a:srgbClr val="0000FF"/>
+                </a:solidFill>
+                <a:latin typeface="Consolas" panose="020B0609020204030204" pitchFamily="49" charset="0"/>
+              </a:rPr>
+              <a:t>using</a:t>
+            </a:r>
+            <a:r>
+              <a:rPr lang="es-AR" sz="2000" dirty="0">
+                <a:solidFill>
+                  <a:srgbClr val="000000"/>
+                </a:solidFill>
+                <a:latin typeface="Consolas" panose="020B0609020204030204" pitchFamily="49" charset="0"/>
+              </a:rPr>
+              <a:t> System.IO;</a:t>
+            </a:r>
+          </a:p>
+          <a:p>
+            <a:pPr marL="76200" indent="0">
+              <a:spcBef>
+                <a:spcPts val="100"/>
+              </a:spcBef>
+              <a:buNone/>
             </a:pPr>
             <a:r>
-              <a:rPr lang="es-ES" sz="2400" dirty="0">
-                <a:effectLst>
-                  <a:outerShdw blurRad="38100" dist="38100" dir="2700000" algn="tl">
-                    <a:srgbClr val="000000">
-                      <a:alpha val="43137"/>
-                    </a:srgbClr>
-                  </a:outerShdw>
-                </a:effectLst>
-                <a:latin typeface="Franklin Gothic Medium" panose="020B0603020102020204" pitchFamily="34" charset="0"/>
-              </a:rPr>
-              <a:t>Es una cadena de longitud cero, contiene sólo espacios en blanco, o contiene caracteres no válidos. (</a:t>
-            </a:r>
-            <a:r>
-              <a:rPr lang="es-ES" sz="2400" dirty="0" err="1">
-                <a:effectLst>
-                  <a:outerShdw blurRad="38100" dist="38100" dir="2700000" algn="tl">
-                    <a:srgbClr val="000000">
-                      <a:alpha val="43137"/>
-                    </a:srgbClr>
-                  </a:outerShdw>
-                </a:effectLst>
-                <a:latin typeface="Franklin Gothic Medium" panose="020B0603020102020204" pitchFamily="34" charset="0"/>
-              </a:rPr>
-              <a:t>ArgumentException</a:t>
-            </a:r>
-            <a:r>
-              <a:rPr lang="es-ES" sz="2400" dirty="0" smtClean="0">
-                <a:effectLst>
-                  <a:outerShdw blurRad="38100" dist="38100" dir="2700000" algn="tl">
-                    <a:srgbClr val="000000">
-                      <a:alpha val="43137"/>
-                    </a:srgbClr>
-                  </a:outerShdw>
-                </a:effectLst>
-                <a:latin typeface="Franklin Gothic Medium" panose="020B0603020102020204" pitchFamily="34" charset="0"/>
-              </a:rPr>
-              <a:t>).</a:t>
-            </a:r>
-            <a:endParaRPr lang="es-ES" sz="2400" dirty="0">
-              <a:effectLst>
-                <a:outerShdw blurRad="38100" dist="38100" dir="2700000" algn="tl">
-                  <a:srgbClr val="000000">
-                    <a:alpha val="43137"/>
-                  </a:srgbClr>
-                </a:outerShdw>
-              </a:effectLst>
-              <a:latin typeface="Franklin Gothic Medium" panose="020B0603020102020204" pitchFamily="34" charset="0"/>
+              <a:rPr lang="es-AR" sz="2000" dirty="0">
+                <a:solidFill>
+                  <a:srgbClr val="008000"/>
+                </a:solidFill>
+                <a:latin typeface="Consolas" panose="020B0609020204030204" pitchFamily="49" charset="0"/>
+              </a:rPr>
+              <a:t>// ...</a:t>
+            </a:r>
+          </a:p>
+          <a:p>
+            <a:pPr marL="76200" indent="0">
+              <a:spcBef>
+                <a:spcPts val="100"/>
+              </a:spcBef>
+              <a:buNone/>
+            </a:pPr>
+            <a:r>
+              <a:rPr lang="en-US" sz="2000" dirty="0">
+                <a:solidFill>
+                  <a:srgbClr val="008000"/>
+                </a:solidFill>
+                <a:latin typeface="Consolas" panose="020B0609020204030204" pitchFamily="49" charset="0"/>
+              </a:rPr>
+              <a:t>// </a:t>
+            </a:r>
+            <a:r>
+              <a:rPr lang="en-US" sz="2000" dirty="0" err="1">
+                <a:solidFill>
+                  <a:srgbClr val="008000"/>
+                </a:solidFill>
+                <a:latin typeface="Consolas" panose="020B0609020204030204" pitchFamily="49" charset="0"/>
+              </a:rPr>
+              <a:t>Abro</a:t>
+            </a:r>
+            <a:r>
+              <a:rPr lang="en-US" sz="2000" dirty="0">
+                <a:solidFill>
+                  <a:srgbClr val="008000"/>
+                </a:solidFill>
+                <a:latin typeface="Consolas" panose="020B0609020204030204" pitchFamily="49" charset="0"/>
+              </a:rPr>
+              <a:t> el </a:t>
+            </a:r>
+            <a:r>
+              <a:rPr lang="en-US" sz="2000" dirty="0" err="1">
+                <a:solidFill>
+                  <a:srgbClr val="008000"/>
+                </a:solidFill>
+                <a:latin typeface="Consolas" panose="020B0609020204030204" pitchFamily="49" charset="0"/>
+              </a:rPr>
+              <a:t>archivo</a:t>
+            </a:r>
+            <a:r>
+              <a:rPr lang="en-US" sz="2000" dirty="0">
+                <a:solidFill>
+                  <a:srgbClr val="008000"/>
+                </a:solidFill>
+                <a:latin typeface="Consolas" panose="020B0609020204030204" pitchFamily="49" charset="0"/>
+              </a:rPr>
+              <a:t> </a:t>
+            </a:r>
+            <a:r>
+              <a:rPr lang="en-US" sz="2000" dirty="0" err="1">
+                <a:solidFill>
+                  <a:srgbClr val="008000"/>
+                </a:solidFill>
+                <a:latin typeface="Consolas" panose="020B0609020204030204" pitchFamily="49" charset="0"/>
+              </a:rPr>
+              <a:t>ubicado</a:t>
+            </a:r>
+            <a:r>
+              <a:rPr lang="en-US" sz="2000" dirty="0">
+                <a:solidFill>
+                  <a:srgbClr val="008000"/>
+                </a:solidFill>
+                <a:latin typeface="Consolas" panose="020B0609020204030204" pitchFamily="49" charset="0"/>
+              </a:rPr>
+              <a:t> en </a:t>
+            </a:r>
+            <a:r>
+              <a:rPr lang="en-US" sz="2000" dirty="0" err="1">
+                <a:solidFill>
+                  <a:srgbClr val="008000"/>
+                </a:solidFill>
+                <a:latin typeface="Consolas" panose="020B0609020204030204" pitchFamily="49" charset="0"/>
+              </a:rPr>
+              <a:t>una</a:t>
+            </a:r>
+            <a:r>
+              <a:rPr lang="en-US" sz="2000" dirty="0">
+                <a:solidFill>
+                  <a:srgbClr val="008000"/>
+                </a:solidFill>
+                <a:latin typeface="Consolas" panose="020B0609020204030204" pitchFamily="49" charset="0"/>
+              </a:rPr>
+              <a:t> </a:t>
+            </a:r>
+            <a:r>
+              <a:rPr lang="en-US" sz="2000" dirty="0" err="1">
+                <a:solidFill>
+                  <a:srgbClr val="008000"/>
+                </a:solidFill>
+                <a:latin typeface="Consolas" panose="020B0609020204030204" pitchFamily="49" charset="0"/>
+              </a:rPr>
+              <a:t>dirección</a:t>
+            </a:r>
+            <a:r>
+              <a:rPr lang="en-US" sz="2000" dirty="0">
+                <a:solidFill>
+                  <a:srgbClr val="008000"/>
+                </a:solidFill>
+                <a:latin typeface="Consolas" panose="020B0609020204030204" pitchFamily="49" charset="0"/>
+              </a:rPr>
+              <a:t> de la </a:t>
+            </a:r>
+            <a:r>
+              <a:rPr lang="en-US" sz="2000" dirty="0" err="1">
+                <a:solidFill>
+                  <a:srgbClr val="008000"/>
+                </a:solidFill>
+                <a:latin typeface="Consolas" panose="020B0609020204030204" pitchFamily="49" charset="0"/>
+              </a:rPr>
+              <a:t>máquina</a:t>
+            </a:r>
+            <a:endParaRPr lang="en-US" sz="2000" dirty="0">
+              <a:solidFill>
+                <a:srgbClr val="000000"/>
+              </a:solidFill>
+              <a:latin typeface="Consolas" panose="020B0609020204030204" pitchFamily="49" charset="0"/>
             </a:endParaRPr>
           </a:p>
           <a:p>
-            <a:pPr lvl="1">
-              <a:lnSpc>
-                <a:spcPct val="80000"/>
-              </a:lnSpc>
-              <a:defRPr/>
+            <a:pPr marL="76200" indent="0">
+              <a:spcBef>
+                <a:spcPts val="100"/>
+              </a:spcBef>
+              <a:buNone/>
             </a:pPr>
             <a:r>
-              <a:rPr lang="es-ES" sz="2400" dirty="0">
-                <a:effectLst>
-                  <a:outerShdw blurRad="38100" dist="38100" dir="2700000" algn="tl">
-                    <a:srgbClr val="000000">
-                      <a:alpha val="43137"/>
-                    </a:srgbClr>
-                  </a:outerShdw>
-                </a:effectLst>
-                <a:latin typeface="Franklin Gothic Medium" panose="020B0603020102020204" pitchFamily="34" charset="0"/>
-              </a:rPr>
-              <a:t>La ruta de acceso es </a:t>
-            </a:r>
-            <a:r>
-              <a:rPr lang="es-ES" sz="2400" b="1" dirty="0" err="1">
-                <a:effectLst>
-                  <a:outerShdw blurRad="38100" dist="38100" dir="2700000" algn="tl">
-                    <a:srgbClr val="000000">
-                      <a:alpha val="43137"/>
-                    </a:srgbClr>
-                  </a:outerShdw>
-                </a:effectLst>
-                <a:latin typeface="Franklin Gothic Medium" panose="020B0603020102020204" pitchFamily="34" charset="0"/>
-              </a:rPr>
-              <a:t>Null</a:t>
-            </a:r>
-            <a:r>
-              <a:rPr lang="es-ES" sz="2400" dirty="0">
-                <a:effectLst>
-                  <a:outerShdw blurRad="38100" dist="38100" dir="2700000" algn="tl">
-                    <a:srgbClr val="000000">
-                      <a:alpha val="43137"/>
-                    </a:srgbClr>
-                  </a:outerShdw>
-                </a:effectLst>
-                <a:latin typeface="Franklin Gothic Medium" panose="020B0603020102020204" pitchFamily="34" charset="0"/>
-              </a:rPr>
-              <a:t> (</a:t>
-            </a:r>
-            <a:r>
-              <a:rPr lang="es-ES" sz="2400" dirty="0" err="1">
-                <a:effectLst>
-                  <a:outerShdw blurRad="38100" dist="38100" dir="2700000" algn="tl">
-                    <a:srgbClr val="000000">
-                      <a:alpha val="43137"/>
-                    </a:srgbClr>
-                  </a:outerShdw>
-                </a:effectLst>
-                <a:latin typeface="Franklin Gothic Medium" panose="020B0603020102020204" pitchFamily="34" charset="0"/>
-              </a:rPr>
-              <a:t>ArgumentNullException</a:t>
-            </a:r>
-            <a:r>
-              <a:rPr lang="es-ES" sz="2400" dirty="0" smtClean="0">
-                <a:effectLst>
-                  <a:outerShdw blurRad="38100" dist="38100" dir="2700000" algn="tl">
-                    <a:srgbClr val="000000">
-                      <a:alpha val="43137"/>
-                    </a:srgbClr>
-                  </a:outerShdw>
-                </a:effectLst>
-                <a:latin typeface="Franklin Gothic Medium" panose="020B0603020102020204" pitchFamily="34" charset="0"/>
-              </a:rPr>
-              <a:t>).</a:t>
-            </a:r>
-            <a:endParaRPr lang="es-ES" sz="2400" dirty="0">
-              <a:effectLst>
-                <a:outerShdw blurRad="38100" dist="38100" dir="2700000" algn="tl">
-                  <a:srgbClr val="000000">
-                    <a:alpha val="43137"/>
-                  </a:srgbClr>
-                </a:outerShdw>
-              </a:effectLst>
-              <a:latin typeface="Franklin Gothic Medium" panose="020B0603020102020204" pitchFamily="34" charset="0"/>
+              <a:rPr lang="en-US" sz="2000" dirty="0" err="1">
+                <a:solidFill>
+                  <a:srgbClr val="000000"/>
+                </a:solidFill>
+                <a:latin typeface="Consolas" panose="020B0609020204030204" pitchFamily="49" charset="0"/>
+              </a:rPr>
+              <a:t>StreamReader</a:t>
+            </a:r>
+            <a:r>
+              <a:rPr lang="en-US" sz="2000" dirty="0">
+                <a:solidFill>
+                  <a:srgbClr val="000000"/>
+                </a:solidFill>
+                <a:latin typeface="Consolas" panose="020B0609020204030204" pitchFamily="49" charset="0"/>
+              </a:rPr>
+              <a:t> </a:t>
+            </a:r>
+            <a:r>
+              <a:rPr lang="en-US" sz="2000" dirty="0" err="1">
+                <a:solidFill>
+                  <a:srgbClr val="000000"/>
+                </a:solidFill>
+                <a:latin typeface="Consolas" panose="020B0609020204030204" pitchFamily="49" charset="0"/>
+              </a:rPr>
+              <a:t>sw</a:t>
+            </a:r>
+            <a:r>
+              <a:rPr lang="en-US" sz="2000" dirty="0">
+                <a:solidFill>
+                  <a:srgbClr val="000000"/>
+                </a:solidFill>
+                <a:latin typeface="Consolas" panose="020B0609020204030204" pitchFamily="49" charset="0"/>
+              </a:rPr>
+              <a:t> = </a:t>
+            </a:r>
+            <a:r>
+              <a:rPr lang="en-US" sz="2000" dirty="0">
+                <a:solidFill>
+                  <a:srgbClr val="0000FF"/>
+                </a:solidFill>
+                <a:latin typeface="Consolas" panose="020B0609020204030204" pitchFamily="49" charset="0"/>
+              </a:rPr>
+              <a:t>new</a:t>
+            </a:r>
+            <a:r>
+              <a:rPr lang="en-US" sz="2000" dirty="0">
+                <a:solidFill>
+                  <a:srgbClr val="000000"/>
+                </a:solidFill>
+                <a:latin typeface="Consolas" panose="020B0609020204030204" pitchFamily="49" charset="0"/>
+              </a:rPr>
+              <a:t> </a:t>
+            </a:r>
+            <a:r>
+              <a:rPr lang="en-US" sz="2000" dirty="0" err="1">
+                <a:solidFill>
+                  <a:srgbClr val="000000"/>
+                </a:solidFill>
+                <a:latin typeface="Consolas" panose="020B0609020204030204" pitchFamily="49" charset="0"/>
+              </a:rPr>
+              <a:t>StreamReader</a:t>
+            </a:r>
+            <a:r>
+              <a:rPr lang="en-US" sz="2000" dirty="0">
+                <a:solidFill>
+                  <a:srgbClr val="000000"/>
+                </a:solidFill>
+                <a:latin typeface="Consolas" panose="020B0609020204030204" pitchFamily="49" charset="0"/>
+              </a:rPr>
+              <a:t>(</a:t>
+            </a:r>
+            <a:r>
+              <a:rPr lang="en-US" sz="2000" dirty="0">
+                <a:solidFill>
+                  <a:srgbClr val="A31515"/>
+                </a:solidFill>
+                <a:latin typeface="Consolas" panose="020B0609020204030204" pitchFamily="49" charset="0"/>
+              </a:rPr>
+              <a:t>"C:\\prueba.txt"</a:t>
+            </a:r>
+            <a:r>
+              <a:rPr lang="en-US" sz="2000" dirty="0">
+                <a:solidFill>
+                  <a:srgbClr val="000000"/>
+                </a:solidFill>
+                <a:latin typeface="Consolas" panose="020B0609020204030204" pitchFamily="49" charset="0"/>
+              </a:rPr>
+              <a:t>);</a:t>
+            </a:r>
+          </a:p>
+          <a:p>
+            <a:pPr marL="76200" indent="0">
+              <a:spcBef>
+                <a:spcPts val="100"/>
+              </a:spcBef>
+              <a:buNone/>
+            </a:pPr>
+            <a:endParaRPr lang="es-AR" sz="2000" dirty="0">
+              <a:solidFill>
+                <a:srgbClr val="000000"/>
+              </a:solidFill>
+              <a:latin typeface="Consolas" panose="020B0609020204030204" pitchFamily="49" charset="0"/>
             </a:endParaRPr>
           </a:p>
           <a:p>
-            <a:pPr lvl="1">
-              <a:lnSpc>
-                <a:spcPct val="80000"/>
-              </a:lnSpc>
-              <a:defRPr/>
+            <a:pPr marL="76200" indent="0">
+              <a:spcBef>
+                <a:spcPts val="100"/>
+              </a:spcBef>
+              <a:buNone/>
             </a:pPr>
-            <a:endParaRPr lang="es-ES" sz="2200" b="1" dirty="0">
-              <a:effectLst>
-                <a:outerShdw blurRad="38100" dist="38100" dir="2700000" algn="tl">
-                  <a:srgbClr val="000000">
-                    <a:alpha val="43137"/>
-                  </a:srgbClr>
-                </a:outerShdw>
-              </a:effectLst>
-              <a:latin typeface="Franklin Gothic Medium" panose="020B0603020102020204" pitchFamily="34" charset="0"/>
+            <a:r>
+              <a:rPr lang="en-US" sz="2000" dirty="0">
+                <a:solidFill>
+                  <a:srgbClr val="008000"/>
+                </a:solidFill>
+                <a:latin typeface="Consolas" panose="020B0609020204030204" pitchFamily="49" charset="0"/>
+              </a:rPr>
+              <a:t>// Leo </a:t>
+            </a:r>
+            <a:r>
+              <a:rPr lang="en-US" sz="2000" dirty="0" err="1">
+                <a:solidFill>
+                  <a:srgbClr val="008000"/>
+                </a:solidFill>
+                <a:latin typeface="Consolas" panose="020B0609020204030204" pitchFamily="49" charset="0"/>
+              </a:rPr>
+              <a:t>una</a:t>
+            </a:r>
+            <a:r>
+              <a:rPr lang="en-US" sz="2000" dirty="0">
+                <a:solidFill>
+                  <a:srgbClr val="008000"/>
+                </a:solidFill>
+                <a:latin typeface="Consolas" panose="020B0609020204030204" pitchFamily="49" charset="0"/>
+              </a:rPr>
+              <a:t> </a:t>
+            </a:r>
+            <a:r>
+              <a:rPr lang="en-US" sz="2000" dirty="0" err="1">
+                <a:solidFill>
+                  <a:srgbClr val="008000"/>
+                </a:solidFill>
+                <a:latin typeface="Consolas" panose="020B0609020204030204" pitchFamily="49" charset="0"/>
+              </a:rPr>
+              <a:t>línea</a:t>
+            </a:r>
+            <a:r>
+              <a:rPr lang="en-US" sz="2000" dirty="0">
+                <a:solidFill>
+                  <a:srgbClr val="008000"/>
+                </a:solidFill>
+                <a:latin typeface="Consolas" panose="020B0609020204030204" pitchFamily="49" charset="0"/>
+              </a:rPr>
+              <a:t> de </a:t>
+            </a:r>
+            <a:r>
+              <a:rPr lang="en-US" sz="2000" dirty="0" err="1">
+                <a:solidFill>
+                  <a:srgbClr val="008000"/>
+                </a:solidFill>
+                <a:latin typeface="Consolas" panose="020B0609020204030204" pitchFamily="49" charset="0"/>
+              </a:rPr>
+              <a:t>texto</a:t>
+            </a:r>
+            <a:endParaRPr lang="en-US" sz="2000" dirty="0">
+              <a:solidFill>
+                <a:srgbClr val="000000"/>
+              </a:solidFill>
+              <a:latin typeface="Consolas" panose="020B0609020204030204" pitchFamily="49" charset="0"/>
             </a:endParaRPr>
           </a:p>
           <a:p>
-            <a:pPr>
-              <a:lnSpc>
-                <a:spcPct val="80000"/>
-              </a:lnSpc>
-              <a:defRPr/>
+            <a:pPr marL="76200" indent="0">
+              <a:spcBef>
+                <a:spcPts val="100"/>
+              </a:spcBef>
+              <a:buNone/>
             </a:pPr>
             <a:r>
-              <a:rPr lang="es-ES" sz="2800" b="1" dirty="0">
-                <a:effectLst>
-                  <a:outerShdw blurRad="38100" dist="38100" dir="2700000" algn="tl">
-                    <a:srgbClr val="000000">
-                      <a:alpha val="43137"/>
-                    </a:srgbClr>
-                  </a:outerShdw>
-                </a:effectLst>
-                <a:latin typeface="Franklin Gothic Medium" panose="020B0603020102020204" pitchFamily="34" charset="0"/>
-              </a:rPr>
-              <a:t>File</a:t>
-            </a:r>
-            <a:r>
-              <a:rPr lang="es-ES" sz="2800" dirty="0">
-                <a:effectLst>
-                  <a:outerShdw blurRad="38100" dist="38100" dir="2700000" algn="tl">
-                    <a:srgbClr val="000000">
-                      <a:alpha val="43137"/>
-                    </a:srgbClr>
-                  </a:outerShdw>
-                </a:effectLst>
-                <a:latin typeface="Franklin Gothic Medium" panose="020B0603020102020204" pitchFamily="34" charset="0"/>
-              </a:rPr>
-              <a:t> señala a una ruta de acceso que no existe.</a:t>
-            </a:r>
-          </a:p>
-          <a:p>
-            <a:pPr lvl="1">
-              <a:lnSpc>
-                <a:spcPct val="80000"/>
-              </a:lnSpc>
-              <a:defRPr/>
+              <a:rPr lang="es-AR" sz="2000" dirty="0" err="1">
+                <a:solidFill>
+                  <a:srgbClr val="000000"/>
+                </a:solidFill>
+                <a:latin typeface="Consolas" panose="020B0609020204030204" pitchFamily="49" charset="0"/>
+              </a:rPr>
+              <a:t>sr.ReadLine</a:t>
+            </a:r>
+            <a:r>
+              <a:rPr lang="es-AR" sz="2000" dirty="0">
+                <a:solidFill>
+                  <a:srgbClr val="000000"/>
+                </a:solidFill>
+                <a:latin typeface="Consolas" panose="020B0609020204030204" pitchFamily="49" charset="0"/>
+              </a:rPr>
+              <a:t>();</a:t>
+            </a:r>
+          </a:p>
+          <a:p>
+            <a:pPr marL="76200" indent="0">
+              <a:spcBef>
+                <a:spcPts val="100"/>
+              </a:spcBef>
+              <a:buNone/>
             </a:pPr>
-            <a:r>
-              <a:rPr lang="es-ES" sz="2400" dirty="0" err="1">
-                <a:effectLst>
-                  <a:outerShdw blurRad="38100" dist="38100" dir="2700000" algn="tl">
-                    <a:srgbClr val="000000">
-                      <a:alpha val="43137"/>
-                    </a:srgbClr>
-                  </a:outerShdw>
-                </a:effectLst>
-                <a:latin typeface="Franklin Gothic Medium" panose="020B0603020102020204" pitchFamily="34" charset="0"/>
-              </a:rPr>
-              <a:t>FileNotFoundException</a:t>
-            </a:r>
-            <a:r>
-              <a:rPr lang="es-ES" sz="2400" b="1" dirty="0">
-                <a:effectLst>
-                  <a:outerShdw blurRad="38100" dist="38100" dir="2700000" algn="tl">
-                    <a:srgbClr val="000000">
-                      <a:alpha val="43137"/>
-                    </a:srgbClr>
-                  </a:outerShdw>
-                </a:effectLst>
-                <a:latin typeface="Franklin Gothic Medium" panose="020B0603020102020204" pitchFamily="34" charset="0"/>
-              </a:rPr>
-              <a:t> </a:t>
-            </a:r>
-            <a:endParaRPr lang="es-ES" sz="2400" dirty="0">
-              <a:effectLst>
-                <a:outerShdw blurRad="38100" dist="38100" dir="2700000" algn="tl">
-                  <a:srgbClr val="000000">
-                    <a:alpha val="43137"/>
-                  </a:srgbClr>
-                </a:outerShdw>
-              </a:effectLst>
-              <a:latin typeface="Franklin Gothic Medium" panose="020B0603020102020204" pitchFamily="34" charset="0"/>
+            <a:endParaRPr lang="es-AR" sz="2000" dirty="0">
+              <a:solidFill>
+                <a:srgbClr val="000000"/>
+              </a:solidFill>
+              <a:latin typeface="Consolas" panose="020B0609020204030204" pitchFamily="49" charset="0"/>
             </a:endParaRPr>
           </a:p>
           <a:p>
-            <a:pPr lvl="1">
-              <a:lnSpc>
-                <a:spcPct val="80000"/>
-              </a:lnSpc>
-              <a:defRPr/>
+            <a:pPr marL="76200" indent="0">
+              <a:spcBef>
+                <a:spcPts val="100"/>
+              </a:spcBef>
+              <a:buNone/>
             </a:pPr>
             <a:r>
-              <a:rPr lang="es-ES" sz="2400" dirty="0" err="1" smtClean="0">
-                <a:effectLst>
-                  <a:outerShdw blurRad="38100" dist="38100" dir="2700000" algn="tl">
-                    <a:srgbClr val="000000">
-                      <a:alpha val="43137"/>
-                    </a:srgbClr>
-                  </a:outerShdw>
-                </a:effectLst>
-                <a:latin typeface="Franklin Gothic Medium" panose="020B0603020102020204" pitchFamily="34" charset="0"/>
-              </a:rPr>
-              <a:t>DirectoryNotFoundException</a:t>
-            </a:r>
-            <a:endParaRPr lang="es-ES" sz="2400" dirty="0">
-              <a:effectLst>
-                <a:outerShdw blurRad="38100" dist="38100" dir="2700000" algn="tl">
-                  <a:srgbClr val="000000">
-                    <a:alpha val="43137"/>
-                  </a:srgbClr>
-                </a:outerShdw>
-              </a:effectLst>
-              <a:latin typeface="Franklin Gothic Medium" panose="020B0603020102020204" pitchFamily="34" charset="0"/>
+              <a:rPr lang="es-AR" sz="2000" dirty="0">
+                <a:solidFill>
+                  <a:srgbClr val="008000"/>
+                </a:solidFill>
+                <a:latin typeface="Consolas" panose="020B0609020204030204" pitchFamily="49" charset="0"/>
+              </a:rPr>
+              <a:t>// Cierro el archivo</a:t>
+            </a:r>
+            <a:endParaRPr lang="es-AR" sz="2000" dirty="0">
+              <a:solidFill>
+                <a:srgbClr val="000000"/>
+              </a:solidFill>
+              <a:latin typeface="Consolas" panose="020B0609020204030204" pitchFamily="49" charset="0"/>
             </a:endParaRPr>
           </a:p>
           <a:p>
-            <a:pPr>
-              <a:lnSpc>
-                <a:spcPct val="80000"/>
-              </a:lnSpc>
-              <a:defRPr/>
+            <a:pPr marL="76200" indent="0">
+              <a:spcBef>
+                <a:spcPts val="100"/>
+              </a:spcBef>
+              <a:buNone/>
             </a:pPr>
-            <a:endParaRPr lang="es-ES" sz="2200" dirty="0">
-              <a:effectLst>
-                <a:outerShdw blurRad="38100" dist="38100" dir="2700000" algn="tl">
-                  <a:srgbClr val="000000">
-                    <a:alpha val="43137"/>
-                  </a:srgbClr>
-                </a:outerShdw>
-              </a:effectLst>
-              <a:latin typeface="Franklin Gothic Medium" panose="020B0603020102020204" pitchFamily="34" charset="0"/>
-            </a:endParaRPr>
-          </a:p>
-          <a:p>
-            <a:pPr>
-              <a:lnSpc>
-                <a:spcPct val="80000"/>
-              </a:lnSpc>
-              <a:defRPr/>
-            </a:pPr>
-            <a:r>
-              <a:rPr lang="es-ES" sz="2800" dirty="0">
-                <a:effectLst>
-                  <a:outerShdw blurRad="38100" dist="38100" dir="2700000" algn="tl">
-                    <a:srgbClr val="000000">
-                      <a:alpha val="43137"/>
-                    </a:srgbClr>
-                  </a:outerShdw>
-                </a:effectLst>
-                <a:latin typeface="Franklin Gothic Medium" panose="020B0603020102020204" pitchFamily="34" charset="0"/>
-              </a:rPr>
-              <a:t>El archivo está en uso por otro proceso o hay un error de E/S </a:t>
-            </a:r>
-          </a:p>
-          <a:p>
-            <a:pPr lvl="1">
-              <a:lnSpc>
-                <a:spcPct val="80000"/>
-              </a:lnSpc>
-              <a:defRPr/>
-            </a:pPr>
-            <a:r>
-              <a:rPr lang="es-ES" sz="2400" dirty="0" err="1" smtClean="0">
-                <a:effectLst>
-                  <a:outerShdw blurRad="38100" dist="38100" dir="2700000" algn="tl">
-                    <a:srgbClr val="000000">
-                      <a:alpha val="43137"/>
-                    </a:srgbClr>
-                  </a:outerShdw>
-                </a:effectLst>
-                <a:latin typeface="Franklin Gothic Medium" panose="020B0603020102020204" pitchFamily="34" charset="0"/>
-              </a:rPr>
-              <a:t>IOException</a:t>
-            </a:r>
-            <a:endParaRPr lang="es-ES" sz="2400" dirty="0">
-              <a:effectLst>
-                <a:outerShdw blurRad="38100" dist="38100" dir="2700000" algn="tl">
-                  <a:srgbClr val="000000">
-                    <a:alpha val="43137"/>
-                  </a:srgbClr>
-                </a:outerShdw>
-              </a:effectLst>
-              <a:latin typeface="Franklin Gothic Medium" panose="020B0603020102020204" pitchFamily="34" charset="0"/>
+            <a:r>
+              <a:rPr lang="es-AR" sz="2000" dirty="0" err="1">
+                <a:solidFill>
+                  <a:srgbClr val="000000"/>
+                </a:solidFill>
+                <a:latin typeface="Consolas" panose="020B0609020204030204" pitchFamily="49" charset="0"/>
+              </a:rPr>
+              <a:t>sw.Close</a:t>
+            </a:r>
+            <a:r>
+              <a:rPr lang="es-AR" sz="2000" dirty="0">
+                <a:solidFill>
+                  <a:srgbClr val="000000"/>
+                </a:solidFill>
+                <a:latin typeface="Consolas" panose="020B0609020204030204" pitchFamily="49" charset="0"/>
+              </a:rPr>
+              <a:t>();</a:t>
+            </a:r>
+            <a:endParaRPr lang="es-AR" sz="2000" dirty="0">
+              <a:solidFill>
+                <a:srgbClr val="008000"/>
+              </a:solidFill>
+              <a:latin typeface="Consolas" panose="020B0609020204030204" pitchFamily="49" charset="0"/>
             </a:endParaRPr>
           </a:p>
         </p:txBody>
@@ -8281,7 +8615,7 @@
     </p:spTree>
     <p:extLst>
       <p:ext uri="{BB962C8B-B14F-4D97-AF65-F5344CB8AC3E}">
-        <p14:creationId xmlns:p14="http://schemas.microsoft.com/office/powerpoint/2010/main" val="3799703073"/>
+        <p14:creationId xmlns:p14="http://schemas.microsoft.com/office/powerpoint/2010/main" val="2450648405"/>
       </p:ext>
     </p:extLst>
   </p:cSld>
@@ -8343,7 +8677,7 @@
         <p:spPr/>
         <p:txBody>
           <a:bodyPr>
-            <a:normAutofit fontScale="92500"/>
+            <a:normAutofit fontScale="92500" lnSpcReduction="10000"/>
           </a:bodyPr>
           <a:lstStyle/>
           <a:p>
@@ -8354,17 +8688,17 @@
               <a:defRPr/>
             </a:pPr>
             <a:r>
-              <a:rPr lang="es-ES" sz="2800" dirty="0" smtClean="0">
-                <a:effectLst>
-                  <a:outerShdw blurRad="38100" dist="38100" dir="2700000" algn="tl">
-                    <a:srgbClr val="000000">
-                      <a:alpha val="43137"/>
-                    </a:srgbClr>
-                  </a:outerShdw>
-                </a:effectLst>
-                <a:latin typeface="Franklin Gothic Medium" panose="020B0603020102020204" pitchFamily="34" charset="0"/>
-              </a:rPr>
-              <a:t>La ruta supera la longitud máxima definida por el sistema </a:t>
+              <a:rPr lang="es-ES" sz="2800" dirty="0">
+                <a:effectLst>
+                  <a:outerShdw blurRad="38100" dist="38100" dir="2700000" algn="tl">
+                    <a:srgbClr val="000000">
+                      <a:alpha val="43137"/>
+                    </a:srgbClr>
+                  </a:outerShdw>
+                </a:effectLst>
+                <a:latin typeface="Franklin Gothic Medium" panose="020B0603020102020204" pitchFamily="34" charset="0"/>
+              </a:rPr>
+              <a:t>La ruta de acceso no es válida porque...</a:t>
             </a:r>
           </a:p>
           <a:p>
@@ -8375,19 +8709,126 @@
               <a:defRPr/>
             </a:pPr>
             <a:r>
-              <a:rPr lang="es-ES" sz="2400" dirty="0" err="1" smtClean="0">
-                <a:effectLst>
-                  <a:outerShdw blurRad="38100" dist="38100" dir="2700000" algn="tl">
-                    <a:srgbClr val="000000">
-                      <a:alpha val="43137"/>
-                    </a:srgbClr>
-                  </a:outerShdw>
-                </a:effectLst>
-                <a:latin typeface="Franklin Gothic Medium" panose="020B0603020102020204" pitchFamily="34" charset="0"/>
-              </a:rPr>
-              <a:t>PathTooLongException</a:t>
-            </a:r>
-            <a:endParaRPr lang="es-ES" sz="2400" dirty="0" smtClean="0">
+              <a:rPr lang="es-ES" sz="2400" dirty="0">
+                <a:effectLst>
+                  <a:outerShdw blurRad="38100" dist="38100" dir="2700000" algn="tl">
+                    <a:srgbClr val="000000">
+                      <a:alpha val="43137"/>
+                    </a:srgbClr>
+                  </a:outerShdw>
+                </a:effectLst>
+                <a:latin typeface="Franklin Gothic Medium" panose="020B0603020102020204" pitchFamily="34" charset="0"/>
+              </a:rPr>
+              <a:t>Es una cadena de longitud cero, contiene sólo espacios en blanco, o contiene caracteres no válidos. (</a:t>
+            </a:r>
+            <a:r>
+              <a:rPr lang="es-ES" sz="2400" dirty="0" err="1">
+                <a:effectLst>
+                  <a:outerShdw blurRad="38100" dist="38100" dir="2700000" algn="tl">
+                    <a:srgbClr val="000000">
+                      <a:alpha val="43137"/>
+                    </a:srgbClr>
+                  </a:outerShdw>
+                </a:effectLst>
+                <a:latin typeface="Franklin Gothic Medium" panose="020B0603020102020204" pitchFamily="34" charset="0"/>
+              </a:rPr>
+              <a:t>ArgumentException</a:t>
+            </a:r>
+            <a:r>
+              <a:rPr lang="es-ES" sz="2400" dirty="0">
+                <a:effectLst>
+                  <a:outerShdw blurRad="38100" dist="38100" dir="2700000" algn="tl">
+                    <a:srgbClr val="000000">
+                      <a:alpha val="43137"/>
+                    </a:srgbClr>
+                  </a:outerShdw>
+                </a:effectLst>
+                <a:latin typeface="Franklin Gothic Medium" panose="020B0603020102020204" pitchFamily="34" charset="0"/>
+              </a:rPr>
+              <a:t>).</a:t>
+            </a:r>
+          </a:p>
+          <a:p>
+            <a:pPr lvl="1">
+              <a:lnSpc>
+                <a:spcPct val="80000"/>
+              </a:lnSpc>
+              <a:defRPr/>
+            </a:pPr>
+            <a:r>
+              <a:rPr lang="es-ES" sz="2400" dirty="0">
+                <a:effectLst>
+                  <a:outerShdw blurRad="38100" dist="38100" dir="2700000" algn="tl">
+                    <a:srgbClr val="000000">
+                      <a:alpha val="43137"/>
+                    </a:srgbClr>
+                  </a:outerShdw>
+                </a:effectLst>
+                <a:latin typeface="Franklin Gothic Medium" panose="020B0603020102020204" pitchFamily="34" charset="0"/>
+              </a:rPr>
+              <a:t>La ruta de acceso es </a:t>
+            </a:r>
+            <a:r>
+              <a:rPr lang="es-ES" sz="2400" b="1" dirty="0" err="1">
+                <a:effectLst>
+                  <a:outerShdw blurRad="38100" dist="38100" dir="2700000" algn="tl">
+                    <a:srgbClr val="000000">
+                      <a:alpha val="43137"/>
+                    </a:srgbClr>
+                  </a:outerShdw>
+                </a:effectLst>
+                <a:latin typeface="Franklin Gothic Medium" panose="020B0603020102020204" pitchFamily="34" charset="0"/>
+              </a:rPr>
+              <a:t>Null</a:t>
+            </a:r>
+            <a:r>
+              <a:rPr lang="es-ES" sz="2400" dirty="0">
+                <a:effectLst>
+                  <a:outerShdw blurRad="38100" dist="38100" dir="2700000" algn="tl">
+                    <a:srgbClr val="000000">
+                      <a:alpha val="43137"/>
+                    </a:srgbClr>
+                  </a:outerShdw>
+                </a:effectLst>
+                <a:latin typeface="Franklin Gothic Medium" panose="020B0603020102020204" pitchFamily="34" charset="0"/>
+              </a:rPr>
+              <a:t> (</a:t>
+            </a:r>
+            <a:r>
+              <a:rPr lang="es-ES" sz="2400" dirty="0" err="1">
+                <a:effectLst>
+                  <a:outerShdw blurRad="38100" dist="38100" dir="2700000" algn="tl">
+                    <a:srgbClr val="000000">
+                      <a:alpha val="43137"/>
+                    </a:srgbClr>
+                  </a:outerShdw>
+                </a:effectLst>
+                <a:latin typeface="Franklin Gothic Medium" panose="020B0603020102020204" pitchFamily="34" charset="0"/>
+              </a:rPr>
+              <a:t>ArgumentNullException</a:t>
+            </a:r>
+            <a:r>
+              <a:rPr lang="es-ES" sz="2400" dirty="0">
+                <a:effectLst>
+                  <a:outerShdw blurRad="38100" dist="38100" dir="2700000" algn="tl">
+                    <a:srgbClr val="000000">
+                      <a:alpha val="43137"/>
+                    </a:srgbClr>
+                  </a:outerShdw>
+                </a:effectLst>
+                <a:latin typeface="Franklin Gothic Medium" panose="020B0603020102020204" pitchFamily="34" charset="0"/>
+              </a:rPr>
+              <a:t>).</a:t>
+            </a:r>
+          </a:p>
+          <a:p>
+            <a:pPr lvl="1">
+              <a:lnSpc>
+                <a:spcPct val="80000"/>
+              </a:lnSpc>
+              <a:defRPr/>
+            </a:pPr>
+            <a:endParaRPr lang="es-ES" sz="2200" b="1" dirty="0">
               <a:effectLst>
                 <a:outerShdw blurRad="38100" dist="38100" dir="2700000" algn="tl">
                   <a:srgbClr val="000000">
@@ -8399,133 +8840,71 @@
             </a:endParaRPr>
           </a:p>
           <a:p>
+            <a:pPr>
+              <a:lnSpc>
+                <a:spcPct val="80000"/>
+              </a:lnSpc>
+              <a:defRPr/>
+            </a:pPr>
+            <a:r>
+              <a:rPr lang="es-ES" sz="2800" b="1" dirty="0">
+                <a:effectLst>
+                  <a:outerShdw blurRad="38100" dist="38100" dir="2700000" algn="tl">
+                    <a:srgbClr val="000000">
+                      <a:alpha val="43137"/>
+                    </a:srgbClr>
+                  </a:outerShdw>
+                </a:effectLst>
+                <a:latin typeface="Franklin Gothic Medium" panose="020B0603020102020204" pitchFamily="34" charset="0"/>
+              </a:rPr>
+              <a:t>File</a:t>
+            </a:r>
+            <a:r>
+              <a:rPr lang="es-ES" sz="2800" dirty="0">
+                <a:effectLst>
+                  <a:outerShdw blurRad="38100" dist="38100" dir="2700000" algn="tl">
+                    <a:srgbClr val="000000">
+                      <a:alpha val="43137"/>
+                    </a:srgbClr>
+                  </a:outerShdw>
+                </a:effectLst>
+                <a:latin typeface="Franklin Gothic Medium" panose="020B0603020102020204" pitchFamily="34" charset="0"/>
+              </a:rPr>
+              <a:t> señala a una ruta de acceso que no existe.</a:t>
+            </a:r>
+          </a:p>
+          <a:p>
             <a:pPr lvl="1">
               <a:lnSpc>
                 <a:spcPct val="80000"/>
               </a:lnSpc>
               <a:defRPr/>
             </a:pPr>
-            <a:endParaRPr lang="es-ES" sz="2200" dirty="0" smtClean="0">
-              <a:effectLst>
-                <a:outerShdw blurRad="38100" dist="38100" dir="2700000" algn="tl">
-                  <a:srgbClr val="000000">
-                    <a:alpha val="43137"/>
-                  </a:srgbClr>
-                </a:outerShdw>
-              </a:effectLst>
-              <a:latin typeface="Franklin Gothic Medium" panose="020B0603020102020204" pitchFamily="34" charset="0"/>
-            </a:endParaRPr>
-          </a:p>
-          <a:p>
-            <a:pPr>
-              <a:lnSpc>
-                <a:spcPct val="80000"/>
-              </a:lnSpc>
-              <a:defRPr/>
-            </a:pPr>
-            <a:r>
-              <a:rPr lang="es-ES" sz="2800" dirty="0" smtClean="0">
-                <a:effectLst>
-                  <a:outerShdw blurRad="38100" dist="38100" dir="2700000" algn="tl">
-                    <a:srgbClr val="000000">
-                      <a:alpha val="43137"/>
-                    </a:srgbClr>
-                  </a:outerShdw>
-                </a:effectLst>
-                <a:latin typeface="Franklin Gothic Medium" panose="020B0603020102020204" pitchFamily="34" charset="0"/>
-              </a:rPr>
-              <a:t>Un nombre de archivo o de directorio de la ruta de acceso contiene un signo de dos puntos (:) o tiene un formato no válido </a:t>
-            </a:r>
-          </a:p>
-          <a:p>
-            <a:pPr lvl="1">
-              <a:lnSpc>
-                <a:spcPct val="80000"/>
-              </a:lnSpc>
-              <a:defRPr/>
-            </a:pPr>
-            <a:r>
-              <a:rPr lang="es-ES" sz="2400" dirty="0" err="1" smtClean="0">
-                <a:effectLst>
-                  <a:outerShdw blurRad="38100" dist="38100" dir="2700000" algn="tl">
-                    <a:srgbClr val="000000">
-                      <a:alpha val="43137"/>
-                    </a:srgbClr>
-                  </a:outerShdw>
-                </a:effectLst>
-                <a:latin typeface="Franklin Gothic Medium" panose="020B0603020102020204" pitchFamily="34" charset="0"/>
-              </a:rPr>
-              <a:t>NotSupportedException</a:t>
-            </a:r>
-            <a:endParaRPr lang="es-ES" sz="2400" dirty="0" smtClean="0">
-              <a:effectLst>
-                <a:outerShdw blurRad="38100" dist="38100" dir="2700000" algn="tl">
-                  <a:srgbClr val="000000">
-                    <a:alpha val="43137"/>
-                  </a:srgbClr>
-                </a:outerShdw>
-              </a:effectLst>
-              <a:latin typeface="Franklin Gothic Medium" panose="020B0603020102020204" pitchFamily="34" charset="0"/>
-            </a:endParaRPr>
-          </a:p>
-          <a:p>
-            <a:pPr lvl="1">
-              <a:lnSpc>
-                <a:spcPct val="80000"/>
-              </a:lnSpc>
-              <a:defRPr/>
-            </a:pPr>
-            <a:endParaRPr lang="es-ES" sz="2200" dirty="0" smtClean="0">
-              <a:effectLst>
-                <a:outerShdw blurRad="38100" dist="38100" dir="2700000" algn="tl">
-                  <a:srgbClr val="000000">
-                    <a:alpha val="43137"/>
-                  </a:srgbClr>
-                </a:outerShdw>
-              </a:effectLst>
-              <a:latin typeface="Franklin Gothic Medium" panose="020B0603020102020204" pitchFamily="34" charset="0"/>
-            </a:endParaRPr>
-          </a:p>
-          <a:p>
-            <a:pPr>
-              <a:lnSpc>
-                <a:spcPct val="80000"/>
-              </a:lnSpc>
-              <a:defRPr/>
-            </a:pPr>
-            <a:r>
-              <a:rPr lang="es-ES" sz="2800" dirty="0" smtClean="0">
-                <a:effectLst>
-                  <a:outerShdw blurRad="38100" dist="38100" dir="2700000" algn="tl">
-                    <a:srgbClr val="000000">
-                      <a:alpha val="43137"/>
-                    </a:srgbClr>
-                  </a:outerShdw>
-                </a:effectLst>
-                <a:latin typeface="Franklin Gothic Medium" panose="020B0603020102020204" pitchFamily="34" charset="0"/>
-              </a:rPr>
-              <a:t>El usuario no tiene los permisos necesarios para ver la ruta de acceso </a:t>
-            </a:r>
-          </a:p>
-          <a:p>
-            <a:pPr lvl="1">
-              <a:lnSpc>
-                <a:spcPct val="80000"/>
-              </a:lnSpc>
-              <a:defRPr/>
-            </a:pPr>
-            <a:r>
-              <a:rPr lang="es-ES" sz="2400" dirty="0" err="1" smtClean="0">
-                <a:effectLst>
-                  <a:outerShdw blurRad="38100" dist="38100" dir="2700000" algn="tl">
-                    <a:srgbClr val="000000">
-                      <a:alpha val="43137"/>
-                    </a:srgbClr>
-                  </a:outerShdw>
-                </a:effectLst>
-                <a:latin typeface="Franklin Gothic Medium" panose="020B0603020102020204" pitchFamily="34" charset="0"/>
-              </a:rPr>
-              <a:t>SecurityException</a:t>
+            <a:r>
+              <a:rPr lang="es-ES" sz="2400" dirty="0" err="1">
+                <a:effectLst>
+                  <a:outerShdw blurRad="38100" dist="38100" dir="2700000" algn="tl">
+                    <a:srgbClr val="000000">
+                      <a:alpha val="43137"/>
+                    </a:srgbClr>
+                  </a:outerShdw>
+                </a:effectLst>
+                <a:latin typeface="Franklin Gothic Medium" panose="020B0603020102020204" pitchFamily="34" charset="0"/>
+              </a:rPr>
+              <a:t>FileNotFoundException</a:t>
+            </a:r>
+            <a:r>
+              <a:rPr lang="es-ES" sz="2400" b="1" dirty="0">
+                <a:effectLst>
+                  <a:outerShdw blurRad="38100" dist="38100" dir="2700000" algn="tl">
+                    <a:srgbClr val="000000">
+                      <a:alpha val="43137"/>
+                    </a:srgbClr>
+                  </a:outerShdw>
+                </a:effectLst>
+                <a:latin typeface="Franklin Gothic Medium" panose="020B0603020102020204" pitchFamily="34" charset="0"/>
+              </a:rPr>
+              <a:t> </a:t>
             </a:r>
             <a:endParaRPr lang="es-ES" sz="2400" dirty="0">
               <a:effectLst>
@@ -8538,12 +8917,113 @@
               <a:latin typeface="Franklin Gothic Medium" panose="020B0603020102020204" pitchFamily="34" charset="0"/>
             </a:endParaRPr>
           </a:p>
+          <a:p>
+            <a:pPr lvl="1">
+              <a:lnSpc>
+                <a:spcPct val="80000"/>
+              </a:lnSpc>
+              <a:defRPr/>
+            </a:pPr>
+            <a:r>
+              <a:rPr lang="es-ES" sz="2400" dirty="0" err="1">
+                <a:effectLst>
+                  <a:outerShdw blurRad="38100" dist="38100" dir="2700000" algn="tl">
+                    <a:srgbClr val="000000">
+                      <a:alpha val="43137"/>
+                    </a:srgbClr>
+                  </a:outerShdw>
+                </a:effectLst>
+                <a:latin typeface="Franklin Gothic Medium" panose="020B0603020102020204" pitchFamily="34" charset="0"/>
+              </a:rPr>
+              <a:t>DirectoryNotFoundException</a:t>
+            </a:r>
+            <a:endParaRPr lang="es-ES" sz="2400" dirty="0">
+              <a:effectLst>
+                <a:outerShdw blurRad="38100" dist="38100" dir="2700000" algn="tl">
+                  <a:srgbClr val="000000">
+                    <a:alpha val="43137"/>
+                  </a:srgbClr>
+                </a:outerShdw>
+              </a:effectLst>
+              <a:latin typeface="Franklin Gothic Medium" panose="020B0603020102020204" pitchFamily="34" charset="0"/>
+            </a:endParaRPr>
+          </a:p>
+          <a:p>
+            <a:pPr>
+              <a:lnSpc>
+                <a:spcPct val="80000"/>
+              </a:lnSpc>
+              <a:defRPr/>
+            </a:pPr>
+            <a:endParaRPr lang="es-ES" sz="2200" dirty="0">
+              <a:effectLst>
+                <a:outerShdw blurRad="38100" dist="38100" dir="2700000" algn="tl">
+                  <a:srgbClr val="000000">
+                    <a:alpha val="43137"/>
+                  </a:srgbClr>
+                </a:outerShdw>
+              </a:effectLst>
+              <a:latin typeface="Franklin Gothic Medium" panose="020B0603020102020204" pitchFamily="34" charset="0"/>
+            </a:endParaRPr>
+          </a:p>
+          <a:p>
+            <a:pPr>
+              <a:lnSpc>
+                <a:spcPct val="80000"/>
+              </a:lnSpc>
+              <a:defRPr/>
+            </a:pPr>
+            <a:r>
+              <a:rPr lang="es-ES" sz="2800" dirty="0">
+                <a:effectLst>
+                  <a:outerShdw blurRad="38100" dist="38100" dir="2700000" algn="tl">
+                    <a:srgbClr val="000000">
+                      <a:alpha val="43137"/>
+                    </a:srgbClr>
+                  </a:outerShdw>
+                </a:effectLst>
+                <a:latin typeface="Franklin Gothic Medium" panose="020B0603020102020204" pitchFamily="34" charset="0"/>
+              </a:rPr>
+              <a:t>El archivo está en uso por otro proceso o hay un error de E/S </a:t>
+            </a:r>
+          </a:p>
+          <a:p>
+            <a:pPr lvl="1">
+              <a:lnSpc>
+                <a:spcPct val="80000"/>
+              </a:lnSpc>
+              <a:defRPr/>
+            </a:pPr>
+            <a:r>
+              <a:rPr lang="es-ES" sz="2400" dirty="0" err="1">
+                <a:effectLst>
+                  <a:outerShdw blurRad="38100" dist="38100" dir="2700000" algn="tl">
+                    <a:srgbClr val="000000">
+                      <a:alpha val="43137"/>
+                    </a:srgbClr>
+                  </a:outerShdw>
+                </a:effectLst>
+                <a:latin typeface="Franklin Gothic Medium" panose="020B0603020102020204" pitchFamily="34" charset="0"/>
+              </a:rPr>
+              <a:t>IOException</a:t>
+            </a:r>
+            <a:endParaRPr lang="es-ES" sz="2400" dirty="0">
+              <a:effectLst>
+                <a:outerShdw blurRad="38100" dist="38100" dir="2700000" algn="tl">
+                  <a:srgbClr val="000000">
+                    <a:alpha val="43137"/>
+                  </a:srgbClr>
+                </a:outerShdw>
+              </a:effectLst>
+              <a:latin typeface="Franklin Gothic Medium" panose="020B0603020102020204" pitchFamily="34" charset="0"/>
+            </a:endParaRPr>
+          </a:p>
         </p:txBody>
       </p:sp>
     </p:spTree>
     <p:extLst>
       <p:ext uri="{BB962C8B-B14F-4D97-AF65-F5344CB8AC3E}">
-        <p14:creationId xmlns:p14="http://schemas.microsoft.com/office/powerpoint/2010/main" val="1218979617"/>
+        <p14:creationId xmlns:p14="http://schemas.microsoft.com/office/powerpoint/2010/main" val="3799703073"/>
       </p:ext>
     </p:extLst>
   </p:cSld>
@@ -8572,7 +9052,7 @@
       </p:grpSpPr>
       <p:sp>
         <p:nvSpPr>
-          <p:cNvPr id="4" name="Título 3"/>
+          <p:cNvPr id="2" name="Título 1"/>
           <p:cNvSpPr>
             <a:spLocks noGrp="1"/>
           </p:cNvSpPr>
@@ -8586,17 +9066,226 @@
           <a:lstStyle/>
           <a:p>
             <a:r>
-              <a:rPr lang="es-AR" dirty="0" smtClean="0"/>
-              <a:t>Objetos útiles</a:t>
-            </a:r>
-            <a:endParaRPr lang="es-AR" dirty="0"/>
+              <a:rPr lang="es-AR" dirty="0"/>
+              <a:t>Excepciones</a:t>
+            </a:r>
+          </a:p>
+        </p:txBody>
+      </p:sp>
+      <p:sp>
+        <p:nvSpPr>
+          <p:cNvPr id="3" name="Marcador de contenido 2"/>
+          <p:cNvSpPr>
+            <a:spLocks noGrp="1"/>
+          </p:cNvSpPr>
+          <p:nvPr>
+            <p:ph idx="1"/>
+          </p:nvPr>
+        </p:nvSpPr>
+        <p:spPr/>
+        <p:txBody>
+          <a:bodyPr>
+            <a:normAutofit fontScale="92500"/>
+          </a:bodyPr>
+          <a:lstStyle/>
+          <a:p>
+            <a:pPr>
+              <a:lnSpc>
+                <a:spcPct val="80000"/>
+              </a:lnSpc>
+              <a:defRPr/>
+            </a:pPr>
+            <a:r>
+              <a:rPr lang="es-ES" sz="2800" dirty="0">
+                <a:effectLst>
+                  <a:outerShdw blurRad="38100" dist="38100" dir="2700000" algn="tl">
+                    <a:srgbClr val="000000">
+                      <a:alpha val="43137"/>
+                    </a:srgbClr>
+                  </a:outerShdw>
+                </a:effectLst>
+                <a:latin typeface="Franklin Gothic Medium" panose="020B0603020102020204" pitchFamily="34" charset="0"/>
+              </a:rPr>
+              <a:t>La ruta supera la longitud máxima definida por el sistema </a:t>
+            </a:r>
+          </a:p>
+          <a:p>
+            <a:pPr lvl="1">
+              <a:lnSpc>
+                <a:spcPct val="80000"/>
+              </a:lnSpc>
+              <a:defRPr/>
+            </a:pPr>
+            <a:r>
+              <a:rPr lang="es-ES" sz="2400" dirty="0" err="1">
+                <a:effectLst>
+                  <a:outerShdw blurRad="38100" dist="38100" dir="2700000" algn="tl">
+                    <a:srgbClr val="000000">
+                      <a:alpha val="43137"/>
+                    </a:srgbClr>
+                  </a:outerShdw>
+                </a:effectLst>
+                <a:latin typeface="Franklin Gothic Medium" panose="020B0603020102020204" pitchFamily="34" charset="0"/>
+              </a:rPr>
+              <a:t>PathTooLongException</a:t>
+            </a:r>
+            <a:endParaRPr lang="es-ES" sz="2400" dirty="0">
+              <a:effectLst>
+                <a:outerShdw blurRad="38100" dist="38100" dir="2700000" algn="tl">
+                  <a:srgbClr val="000000">
+                    <a:alpha val="43137"/>
+                  </a:srgbClr>
+                </a:outerShdw>
+              </a:effectLst>
+              <a:latin typeface="Franklin Gothic Medium" panose="020B0603020102020204" pitchFamily="34" charset="0"/>
+            </a:endParaRPr>
+          </a:p>
+          <a:p>
+            <a:pPr lvl="1">
+              <a:lnSpc>
+                <a:spcPct val="80000"/>
+              </a:lnSpc>
+              <a:defRPr/>
+            </a:pPr>
+            <a:endParaRPr lang="es-ES" sz="2200" dirty="0">
+              <a:effectLst>
+                <a:outerShdw blurRad="38100" dist="38100" dir="2700000" algn="tl">
+                  <a:srgbClr val="000000">
+                    <a:alpha val="43137"/>
+                  </a:srgbClr>
+                </a:outerShdw>
+              </a:effectLst>
+              <a:latin typeface="Franklin Gothic Medium" panose="020B0603020102020204" pitchFamily="34" charset="0"/>
+            </a:endParaRPr>
+          </a:p>
+          <a:p>
+            <a:pPr>
+              <a:lnSpc>
+                <a:spcPct val="80000"/>
+              </a:lnSpc>
+              <a:defRPr/>
+            </a:pPr>
+            <a:r>
+              <a:rPr lang="es-ES" sz="2800" dirty="0">
+                <a:effectLst>
+                  <a:outerShdw blurRad="38100" dist="38100" dir="2700000" algn="tl">
+                    <a:srgbClr val="000000">
+                      <a:alpha val="43137"/>
+                    </a:srgbClr>
+                  </a:outerShdw>
+                </a:effectLst>
+                <a:latin typeface="Franklin Gothic Medium" panose="020B0603020102020204" pitchFamily="34" charset="0"/>
+              </a:rPr>
+              <a:t>Un nombre de archivo o de directorio de la ruta de acceso contiene un signo de dos puntos (:) o tiene un formato no válido </a:t>
+            </a:r>
+          </a:p>
+          <a:p>
+            <a:pPr lvl="1">
+              <a:lnSpc>
+                <a:spcPct val="80000"/>
+              </a:lnSpc>
+              <a:defRPr/>
+            </a:pPr>
+            <a:r>
+              <a:rPr lang="es-ES" sz="2400" dirty="0" err="1">
+                <a:effectLst>
+                  <a:outerShdw blurRad="38100" dist="38100" dir="2700000" algn="tl">
+                    <a:srgbClr val="000000">
+                      <a:alpha val="43137"/>
+                    </a:srgbClr>
+                  </a:outerShdw>
+                </a:effectLst>
+                <a:latin typeface="Franklin Gothic Medium" panose="020B0603020102020204" pitchFamily="34" charset="0"/>
+              </a:rPr>
+              <a:t>NotSupportedException</a:t>
+            </a:r>
+            <a:endParaRPr lang="es-ES" sz="2400" dirty="0">
+              <a:effectLst>
+                <a:outerShdw blurRad="38100" dist="38100" dir="2700000" algn="tl">
+                  <a:srgbClr val="000000">
+                    <a:alpha val="43137"/>
+                  </a:srgbClr>
+                </a:outerShdw>
+              </a:effectLst>
+              <a:latin typeface="Franklin Gothic Medium" panose="020B0603020102020204" pitchFamily="34" charset="0"/>
+            </a:endParaRPr>
+          </a:p>
+          <a:p>
+            <a:pPr lvl="1">
+              <a:lnSpc>
+                <a:spcPct val="80000"/>
+              </a:lnSpc>
+              <a:defRPr/>
+            </a:pPr>
+            <a:endParaRPr lang="es-ES" sz="2200" dirty="0">
+              <a:effectLst>
+                <a:outerShdw blurRad="38100" dist="38100" dir="2700000" algn="tl">
+                  <a:srgbClr val="000000">
+                    <a:alpha val="43137"/>
+                  </a:srgbClr>
+                </a:outerShdw>
+              </a:effectLst>
+              <a:latin typeface="Franklin Gothic Medium" panose="020B0603020102020204" pitchFamily="34" charset="0"/>
+            </a:endParaRPr>
+          </a:p>
+          <a:p>
+            <a:pPr>
+              <a:lnSpc>
+                <a:spcPct val="80000"/>
+              </a:lnSpc>
+              <a:defRPr/>
+            </a:pPr>
+            <a:r>
+              <a:rPr lang="es-ES" sz="2800" dirty="0">
+                <a:effectLst>
+                  <a:outerShdw blurRad="38100" dist="38100" dir="2700000" algn="tl">
+                    <a:srgbClr val="000000">
+                      <a:alpha val="43137"/>
+                    </a:srgbClr>
+                  </a:outerShdw>
+                </a:effectLst>
+                <a:latin typeface="Franklin Gothic Medium" panose="020B0603020102020204" pitchFamily="34" charset="0"/>
+              </a:rPr>
+              <a:t>El usuario no tiene los permisos necesarios para ver la ruta de acceso </a:t>
+            </a:r>
+          </a:p>
+          <a:p>
+            <a:pPr lvl="1">
+              <a:lnSpc>
+                <a:spcPct val="80000"/>
+              </a:lnSpc>
+              <a:defRPr/>
+            </a:pPr>
+            <a:r>
+              <a:rPr lang="es-ES" sz="2400" dirty="0" err="1">
+                <a:effectLst>
+                  <a:outerShdw blurRad="38100" dist="38100" dir="2700000" algn="tl">
+                    <a:srgbClr val="000000">
+                      <a:alpha val="43137"/>
+                    </a:srgbClr>
+                  </a:outerShdw>
+                </a:effectLst>
+                <a:latin typeface="Franklin Gothic Medium" panose="020B0603020102020204" pitchFamily="34" charset="0"/>
+              </a:rPr>
+              <a:t>SecurityException</a:t>
+            </a:r>
+            <a:endParaRPr lang="es-ES" sz="2400" dirty="0">
+              <a:effectLst>
+                <a:outerShdw blurRad="38100" dist="38100" dir="2700000" algn="tl">
+                  <a:srgbClr val="000000">
+                    <a:alpha val="43137"/>
+                  </a:srgbClr>
+                </a:outerShdw>
+              </a:effectLst>
+              <a:latin typeface="Franklin Gothic Medium" panose="020B0603020102020204" pitchFamily="34" charset="0"/>
+            </a:endParaRPr>
           </a:p>
         </p:txBody>
       </p:sp>
     </p:spTree>
     <p:extLst>
       <p:ext uri="{BB962C8B-B14F-4D97-AF65-F5344CB8AC3E}">
-        <p14:creationId xmlns:p14="http://schemas.microsoft.com/office/powerpoint/2010/main" val="1561928941"/>
+        <p14:creationId xmlns:p14="http://schemas.microsoft.com/office/powerpoint/2010/main" val="1218979617"/>
       </p:ext>
     </p:extLst>
   </p:cSld>
@@ -8625,7 +9314,7 @@
       </p:grpSpPr>
       <p:sp>
         <p:nvSpPr>
-          <p:cNvPr id="2" name="Título 1"/>
+          <p:cNvPr id="4" name="Título 3"/>
           <p:cNvSpPr>
             <a:spLocks noGrp="1"/>
           </p:cNvSpPr>
@@ -8639,516 +9328,16 @@
           <a:lstStyle/>
           <a:p>
             <a:r>
-              <a:rPr lang="es-AR" dirty="0" smtClean="0"/>
-              <a:t>File</a:t>
-            </a:r>
-            <a:endParaRPr lang="es-AR" dirty="0"/>
-          </a:p>
-        </p:txBody>
-      </p:sp>
-      <p:sp>
-        <p:nvSpPr>
-          <p:cNvPr id="3" name="Marcador de contenido 2"/>
-          <p:cNvSpPr>
-            <a:spLocks noGrp="1"/>
-          </p:cNvSpPr>
-          <p:nvPr>
-            <p:ph idx="1"/>
-          </p:nvPr>
-        </p:nvSpPr>
-        <p:spPr>
-          <a:xfrm>
-            <a:off x="680321" y="2336873"/>
-            <a:ext cx="9613861" cy="4257110"/>
-          </a:xfrm>
-        </p:spPr>
-        <p:txBody>
-          <a:bodyPr>
-            <a:normAutofit fontScale="92500" lnSpcReduction="20000"/>
-          </a:bodyPr>
-          <a:lstStyle/>
-          <a:p>
-            <a:pPr>
-              <a:defRPr/>
-            </a:pPr>
-            <a:r>
-              <a:rPr lang="es-AR" sz="2800" dirty="0" err="1">
-                <a:effectLst>
-                  <a:outerShdw blurRad="38100" dist="38100" dir="2700000" algn="tl">
-                    <a:srgbClr val="000000">
-                      <a:alpha val="43137"/>
-                    </a:srgbClr>
-                  </a:outerShdw>
-                </a:effectLst>
-                <a:latin typeface="Franklin Gothic Medium" panose="020B0603020102020204" pitchFamily="34" charset="0"/>
-              </a:rPr>
-              <a:t>File.Exists</a:t>
-            </a:r>
-            <a:r>
-              <a:rPr lang="es-AR" sz="2800" dirty="0">
-                <a:effectLst>
-                  <a:outerShdw blurRad="38100" dist="38100" dir="2700000" algn="tl">
-                    <a:srgbClr val="000000">
-                      <a:alpha val="43137"/>
-                    </a:srgbClr>
-                  </a:outerShdw>
-                </a:effectLst>
-                <a:latin typeface="Franklin Gothic Medium" panose="020B0603020102020204" pitchFamily="34" charset="0"/>
-              </a:rPr>
-              <a:t>(</a:t>
-            </a:r>
-            <a:r>
-              <a:rPr lang="es-AR" sz="2800" dirty="0" err="1">
-                <a:effectLst>
-                  <a:outerShdw blurRad="38100" dist="38100" dir="2700000" algn="tl">
-                    <a:srgbClr val="000000">
-                      <a:alpha val="43137"/>
-                    </a:srgbClr>
-                  </a:outerShdw>
-                </a:effectLst>
-                <a:latin typeface="Franklin Gothic Medium" panose="020B0603020102020204" pitchFamily="34" charset="0"/>
-              </a:rPr>
-              <a:t>string</a:t>
-            </a:r>
-            <a:r>
-              <a:rPr lang="es-AR" sz="2800" dirty="0">
-                <a:effectLst>
-                  <a:outerShdw blurRad="38100" dist="38100" dir="2700000" algn="tl">
-                    <a:srgbClr val="000000">
-                      <a:alpha val="43137"/>
-                    </a:srgbClr>
-                  </a:outerShdw>
-                </a:effectLst>
-                <a:latin typeface="Franklin Gothic Medium" panose="020B0603020102020204" pitchFamily="34" charset="0"/>
-              </a:rPr>
-              <a:t> </a:t>
-            </a:r>
-            <a:r>
-              <a:rPr lang="es-AR" sz="2800" dirty="0" err="1">
-                <a:effectLst>
-                  <a:outerShdw blurRad="38100" dist="38100" dir="2700000" algn="tl">
-                    <a:srgbClr val="000000">
-                      <a:alpha val="43137"/>
-                    </a:srgbClr>
-                  </a:outerShdw>
-                </a:effectLst>
-                <a:latin typeface="Franklin Gothic Medium" panose="020B0603020102020204" pitchFamily="34" charset="0"/>
-              </a:rPr>
-              <a:t>path</a:t>
-            </a:r>
-            <a:r>
-              <a:rPr lang="es-AR" sz="2800" dirty="0">
-                <a:effectLst>
-                  <a:outerShdw blurRad="38100" dist="38100" dir="2700000" algn="tl">
-                    <a:srgbClr val="000000">
-                      <a:alpha val="43137"/>
-                    </a:srgbClr>
-                  </a:outerShdw>
-                </a:effectLst>
-                <a:latin typeface="Franklin Gothic Medium" panose="020B0603020102020204" pitchFamily="34" charset="0"/>
-              </a:rPr>
-              <a:t>)</a:t>
-            </a:r>
-          </a:p>
-          <a:p>
-            <a:pPr lvl="1">
-              <a:defRPr/>
-            </a:pPr>
-            <a:r>
-              <a:rPr lang="es-AR" dirty="0">
-                <a:effectLst>
-                  <a:outerShdw blurRad="38100" dist="38100" dir="2700000" algn="tl">
-                    <a:srgbClr val="000000">
-                      <a:alpha val="43137"/>
-                    </a:srgbClr>
-                  </a:outerShdw>
-                </a:effectLst>
-                <a:latin typeface="Franklin Gothic Medium" panose="020B0603020102020204" pitchFamily="34" charset="0"/>
-              </a:rPr>
-              <a:t>Es true si tiene los permisos necesarios y </a:t>
-            </a:r>
-            <a:r>
-              <a:rPr lang="es-AR" dirty="0" err="1">
-                <a:effectLst>
-                  <a:outerShdw blurRad="38100" dist="38100" dir="2700000" algn="tl">
-                    <a:srgbClr val="000000">
-                      <a:alpha val="43137"/>
-                    </a:srgbClr>
-                  </a:outerShdw>
-                </a:effectLst>
-                <a:latin typeface="Franklin Gothic Medium" panose="020B0603020102020204" pitchFamily="34" charset="0"/>
-              </a:rPr>
-              <a:t>path</a:t>
-            </a:r>
-            <a:r>
-              <a:rPr lang="es-AR" dirty="0">
-                <a:effectLst>
-                  <a:outerShdw blurRad="38100" dist="38100" dir="2700000" algn="tl">
-                    <a:srgbClr val="000000">
-                      <a:alpha val="43137"/>
-                    </a:srgbClr>
-                  </a:outerShdw>
-                </a:effectLst>
-                <a:latin typeface="Franklin Gothic Medium" panose="020B0603020102020204" pitchFamily="34" charset="0"/>
-              </a:rPr>
-              <a:t> contiene el nombre de un archivo existente; de lo contrario, es false.</a:t>
-            </a:r>
-          </a:p>
-          <a:p>
-            <a:pPr lvl="1">
-              <a:defRPr/>
-            </a:pPr>
-            <a:r>
-              <a:rPr lang="es-AR" dirty="0">
-                <a:effectLst>
-                  <a:outerShdw blurRad="38100" dist="38100" dir="2700000" algn="tl">
-                    <a:srgbClr val="000000">
-                      <a:alpha val="43137"/>
-                    </a:srgbClr>
-                  </a:outerShdw>
-                </a:effectLst>
-                <a:latin typeface="Franklin Gothic Medium" panose="020B0603020102020204" pitchFamily="34" charset="0"/>
-              </a:rPr>
-              <a:t>También devuelve false si </a:t>
-            </a:r>
-            <a:r>
-              <a:rPr lang="es-AR" dirty="0" err="1">
-                <a:effectLst>
-                  <a:outerShdw blurRad="38100" dist="38100" dir="2700000" algn="tl">
-                    <a:srgbClr val="000000">
-                      <a:alpha val="43137"/>
-                    </a:srgbClr>
-                  </a:outerShdw>
-                </a:effectLst>
-                <a:latin typeface="Franklin Gothic Medium" panose="020B0603020102020204" pitchFamily="34" charset="0"/>
-              </a:rPr>
-              <a:t>path</a:t>
-            </a:r>
-            <a:r>
-              <a:rPr lang="es-AR" dirty="0">
-                <a:effectLst>
-                  <a:outerShdw blurRad="38100" dist="38100" dir="2700000" algn="tl">
-                    <a:srgbClr val="000000">
-                      <a:alpha val="43137"/>
-                    </a:srgbClr>
-                  </a:outerShdw>
-                </a:effectLst>
-                <a:latin typeface="Franklin Gothic Medium" panose="020B0603020102020204" pitchFamily="34" charset="0"/>
-              </a:rPr>
-              <a:t> es </a:t>
-            </a:r>
-            <a:r>
-              <a:rPr lang="es-AR" dirty="0" err="1">
-                <a:effectLst>
-                  <a:outerShdw blurRad="38100" dist="38100" dir="2700000" algn="tl">
-                    <a:srgbClr val="000000">
-                      <a:alpha val="43137"/>
-                    </a:srgbClr>
-                  </a:outerShdw>
-                </a:effectLst>
-                <a:latin typeface="Franklin Gothic Medium" panose="020B0603020102020204" pitchFamily="34" charset="0"/>
-              </a:rPr>
-              <a:t>null</a:t>
-            </a:r>
-            <a:r>
-              <a:rPr lang="es-AR" dirty="0">
-                <a:effectLst>
-                  <a:outerShdw blurRad="38100" dist="38100" dir="2700000" algn="tl">
-                    <a:srgbClr val="000000">
-                      <a:alpha val="43137"/>
-                    </a:srgbClr>
-                  </a:outerShdw>
-                </a:effectLst>
-                <a:latin typeface="Franklin Gothic Medium" panose="020B0603020102020204" pitchFamily="34" charset="0"/>
-              </a:rPr>
-              <a:t>, una ruta de acceso no válida o una cadena de longitud cero.</a:t>
-            </a:r>
-          </a:p>
-          <a:p>
-            <a:pPr lvl="1">
-              <a:defRPr/>
-            </a:pPr>
-            <a:r>
-              <a:rPr lang="es-AR" dirty="0">
-                <a:effectLst>
-                  <a:outerShdw blurRad="38100" dist="38100" dir="2700000" algn="tl">
-                    <a:srgbClr val="000000">
-                      <a:alpha val="43137"/>
-                    </a:srgbClr>
-                  </a:outerShdw>
-                </a:effectLst>
-                <a:latin typeface="Franklin Gothic Medium" panose="020B0603020102020204" pitchFamily="34" charset="0"/>
-              </a:rPr>
-              <a:t>Si no tiene permisos suficientes para leer el archivo especificado, no se produce ninguna excepción y el método devuelve false, independientemente de la existencia del </a:t>
-            </a:r>
-            <a:r>
-              <a:rPr lang="es-AR" dirty="0" err="1">
-                <a:effectLst>
-                  <a:outerShdw blurRad="38100" dist="38100" dir="2700000" algn="tl">
-                    <a:srgbClr val="000000">
-                      <a:alpha val="43137"/>
-                    </a:srgbClr>
-                  </a:outerShdw>
-                </a:effectLst>
-                <a:latin typeface="Franklin Gothic Medium" panose="020B0603020102020204" pitchFamily="34" charset="0"/>
-              </a:rPr>
-              <a:t>path</a:t>
-            </a:r>
-            <a:r>
-              <a:rPr lang="es-AR" dirty="0">
-                <a:effectLst>
-                  <a:outerShdw blurRad="38100" dist="38100" dir="2700000" algn="tl">
-                    <a:srgbClr val="000000">
-                      <a:alpha val="43137"/>
-                    </a:srgbClr>
-                  </a:outerShdw>
-                </a:effectLst>
-                <a:latin typeface="Franklin Gothic Medium" panose="020B0603020102020204" pitchFamily="34" charset="0"/>
-              </a:rPr>
-              <a:t>.</a:t>
-            </a:r>
-          </a:p>
-          <a:p>
-            <a:pPr lvl="1">
-              <a:defRPr/>
-            </a:pPr>
-            <a:endParaRPr lang="es-AR" sz="2200" dirty="0">
-              <a:effectLst>
-                <a:outerShdw blurRad="38100" dist="38100" dir="2700000" algn="tl">
-                  <a:srgbClr val="000000">
-                    <a:alpha val="43137"/>
-                  </a:srgbClr>
-                </a:outerShdw>
-              </a:effectLst>
-              <a:latin typeface="Franklin Gothic Medium" panose="020B0603020102020204" pitchFamily="34" charset="0"/>
-            </a:endParaRPr>
-          </a:p>
-          <a:p>
-            <a:pPr>
-              <a:defRPr/>
-            </a:pPr>
-            <a:r>
-              <a:rPr lang="es-AR" sz="2800" dirty="0" err="1">
-                <a:effectLst>
-                  <a:outerShdw blurRad="38100" dist="38100" dir="2700000" algn="tl">
-                    <a:srgbClr val="000000">
-                      <a:alpha val="43137"/>
-                    </a:srgbClr>
-                  </a:outerShdw>
-                </a:effectLst>
-                <a:latin typeface="Franklin Gothic Medium" panose="020B0603020102020204" pitchFamily="34" charset="0"/>
-              </a:rPr>
-              <a:t>File.Copy</a:t>
-            </a:r>
-            <a:r>
-              <a:rPr lang="es-AR" sz="2800" dirty="0">
-                <a:effectLst>
-                  <a:outerShdw blurRad="38100" dist="38100" dir="2700000" algn="tl">
-                    <a:srgbClr val="000000">
-                      <a:alpha val="43137"/>
-                    </a:srgbClr>
-                  </a:outerShdw>
-                </a:effectLst>
-                <a:latin typeface="Franklin Gothic Medium" panose="020B0603020102020204" pitchFamily="34" charset="0"/>
-              </a:rPr>
-              <a:t>(</a:t>
-            </a:r>
-            <a:r>
-              <a:rPr lang="es-AR" sz="2800" dirty="0" err="1">
-                <a:effectLst>
-                  <a:outerShdw blurRad="38100" dist="38100" dir="2700000" algn="tl">
-                    <a:srgbClr val="000000">
-                      <a:alpha val="43137"/>
-                    </a:srgbClr>
-                  </a:outerShdw>
-                </a:effectLst>
-                <a:latin typeface="Franklin Gothic Medium" panose="020B0603020102020204" pitchFamily="34" charset="0"/>
-              </a:rPr>
-              <a:t>string</a:t>
-            </a:r>
-            <a:r>
-              <a:rPr lang="es-AR" sz="2800" dirty="0">
-                <a:effectLst>
-                  <a:outerShdw blurRad="38100" dist="38100" dir="2700000" algn="tl">
-                    <a:srgbClr val="000000">
-                      <a:alpha val="43137"/>
-                    </a:srgbClr>
-                  </a:outerShdw>
-                </a:effectLst>
-                <a:latin typeface="Franklin Gothic Medium" panose="020B0603020102020204" pitchFamily="34" charset="0"/>
-              </a:rPr>
-              <a:t>, </a:t>
-            </a:r>
-            <a:r>
-              <a:rPr lang="es-AR" sz="2800" dirty="0" err="1">
-                <a:effectLst>
-                  <a:outerShdw blurRad="38100" dist="38100" dir="2700000" algn="tl">
-                    <a:srgbClr val="000000">
-                      <a:alpha val="43137"/>
-                    </a:srgbClr>
-                  </a:outerShdw>
-                </a:effectLst>
-                <a:latin typeface="Franklin Gothic Medium" panose="020B0603020102020204" pitchFamily="34" charset="0"/>
-              </a:rPr>
-              <a:t>string</a:t>
-            </a:r>
-            <a:r>
-              <a:rPr lang="es-AR" sz="2800" dirty="0">
-                <a:effectLst>
-                  <a:outerShdw blurRad="38100" dist="38100" dir="2700000" algn="tl">
-                    <a:srgbClr val="000000">
-                      <a:alpha val="43137"/>
-                    </a:srgbClr>
-                  </a:outerShdw>
-                </a:effectLst>
-                <a:latin typeface="Franklin Gothic Medium" panose="020B0603020102020204" pitchFamily="34" charset="0"/>
-              </a:rPr>
-              <a:t>):</a:t>
-            </a:r>
-          </a:p>
-          <a:p>
-            <a:pPr lvl="1">
-              <a:defRPr/>
-            </a:pPr>
-            <a:r>
-              <a:rPr lang="es-AR" dirty="0">
-                <a:effectLst>
-                  <a:outerShdw blurRad="38100" dist="38100" dir="2700000" algn="tl">
-                    <a:srgbClr val="000000">
-                      <a:alpha val="43137"/>
-                    </a:srgbClr>
-                  </a:outerShdw>
-                </a:effectLst>
-                <a:latin typeface="Franklin Gothic Medium" panose="020B0603020102020204" pitchFamily="34" charset="0"/>
-              </a:rPr>
-              <a:t>Copia un archivo existente en un archivo nuevo. No se permite sobrescribir un archivo del mismo nombre.</a:t>
-            </a:r>
-          </a:p>
-          <a:p>
-            <a:pPr lvl="1">
-              <a:defRPr/>
-            </a:pPr>
-            <a:endParaRPr lang="es-AR" u="sng" dirty="0">
-              <a:effectLst>
-                <a:outerShdw blurRad="38100" dist="38100" dir="2700000" algn="tl">
-                  <a:srgbClr val="000000">
-                    <a:alpha val="43137"/>
-                  </a:srgbClr>
-                </a:outerShdw>
-              </a:effectLst>
-              <a:latin typeface="Franklin Gothic Medium" panose="020B0603020102020204" pitchFamily="34" charset="0"/>
-            </a:endParaRPr>
-          </a:p>
-          <a:p>
-            <a:pPr>
-              <a:defRPr/>
-            </a:pPr>
-            <a:r>
-              <a:rPr lang="es-AR" sz="2800" dirty="0" err="1">
-                <a:effectLst>
-                  <a:outerShdw blurRad="38100" dist="38100" dir="2700000" algn="tl">
-                    <a:srgbClr val="000000">
-                      <a:alpha val="43137"/>
-                    </a:srgbClr>
-                  </a:outerShdw>
-                </a:effectLst>
-                <a:latin typeface="Franklin Gothic Medium" panose="020B0603020102020204" pitchFamily="34" charset="0"/>
-              </a:rPr>
-              <a:t>File.Delete</a:t>
-            </a:r>
-            <a:r>
-              <a:rPr lang="es-AR" sz="2800" dirty="0">
-                <a:effectLst>
-                  <a:outerShdw blurRad="38100" dist="38100" dir="2700000" algn="tl">
-                    <a:srgbClr val="000000">
-                      <a:alpha val="43137"/>
-                    </a:srgbClr>
-                  </a:outerShdw>
-                </a:effectLst>
-                <a:latin typeface="Franklin Gothic Medium" panose="020B0603020102020204" pitchFamily="34" charset="0"/>
-              </a:rPr>
-              <a:t>(</a:t>
-            </a:r>
-            <a:r>
-              <a:rPr lang="es-AR" sz="2800" dirty="0" err="1">
-                <a:effectLst>
-                  <a:outerShdw blurRad="38100" dist="38100" dir="2700000" algn="tl">
-                    <a:srgbClr val="000000">
-                      <a:alpha val="43137"/>
-                    </a:srgbClr>
-                  </a:outerShdw>
-                </a:effectLst>
-                <a:latin typeface="Franklin Gothic Medium" panose="020B0603020102020204" pitchFamily="34" charset="0"/>
-              </a:rPr>
-              <a:t>string</a:t>
-            </a:r>
-            <a:r>
-              <a:rPr lang="es-AR" sz="2800" dirty="0">
-                <a:effectLst>
-                  <a:outerShdw blurRad="38100" dist="38100" dir="2700000" algn="tl">
-                    <a:srgbClr val="000000">
-                      <a:alpha val="43137"/>
-                    </a:srgbClr>
-                  </a:outerShdw>
-                </a:effectLst>
-                <a:latin typeface="Franklin Gothic Medium" panose="020B0603020102020204" pitchFamily="34" charset="0"/>
-              </a:rPr>
-              <a:t> </a:t>
-            </a:r>
-            <a:r>
-              <a:rPr lang="es-AR" sz="2800" dirty="0" err="1">
-                <a:effectLst>
-                  <a:outerShdw blurRad="38100" dist="38100" dir="2700000" algn="tl">
-                    <a:srgbClr val="000000">
-                      <a:alpha val="43137"/>
-                    </a:srgbClr>
-                  </a:outerShdw>
-                </a:effectLst>
-                <a:latin typeface="Franklin Gothic Medium" panose="020B0603020102020204" pitchFamily="34" charset="0"/>
-              </a:rPr>
-              <a:t>path</a:t>
-            </a:r>
-            <a:r>
-              <a:rPr lang="es-AR" sz="2800" dirty="0">
-                <a:effectLst>
-                  <a:outerShdw blurRad="38100" dist="38100" dir="2700000" algn="tl">
-                    <a:srgbClr val="000000">
-                      <a:alpha val="43137"/>
-                    </a:srgbClr>
-                  </a:outerShdw>
-                </a:effectLst>
-                <a:latin typeface="Franklin Gothic Medium" panose="020B0603020102020204" pitchFamily="34" charset="0"/>
-              </a:rPr>
-              <a:t>)</a:t>
-            </a:r>
-          </a:p>
-          <a:p>
-            <a:pPr lvl="1">
-              <a:defRPr/>
-            </a:pPr>
-            <a:r>
-              <a:rPr lang="es-AR" dirty="0">
-                <a:effectLst>
-                  <a:outerShdw blurRad="38100" dist="38100" dir="2700000" algn="tl">
-                    <a:srgbClr val="000000">
-                      <a:alpha val="43137"/>
-                    </a:srgbClr>
-                  </a:outerShdw>
-                </a:effectLst>
-                <a:latin typeface="Franklin Gothic Medium" panose="020B0603020102020204" pitchFamily="34" charset="0"/>
-              </a:rPr>
-              <a:t>Elimina el archivo especificado.</a:t>
-            </a:r>
-          </a:p>
-          <a:p>
-            <a:endParaRPr lang="es-AR" dirty="0"/>
+              <a:rPr lang="es-AR" dirty="0"/>
+              <a:t>Objetos útiles</a:t>
+            </a:r>
           </a:p>
         </p:txBody>
       </p:sp>
     </p:spTree>
     <p:extLst>
       <p:ext uri="{BB962C8B-B14F-4D97-AF65-F5344CB8AC3E}">
-        <p14:creationId xmlns:p14="http://schemas.microsoft.com/office/powerpoint/2010/main" val="709502589"/>
+        <p14:creationId xmlns:p14="http://schemas.microsoft.com/office/powerpoint/2010/main" val="1561928941"/>
       </p:ext>
     </p:extLst>
   </p:cSld>
@@ -9191,10 +9380,9 @@
           <a:lstStyle/>
           <a:p>
             <a:r>
-              <a:rPr lang="es-AR" dirty="0" err="1" smtClean="0"/>
-              <a:t>Directory</a:t>
-            </a:r>
-            <a:endParaRPr lang="es-AR" dirty="0"/>
+              <a:rPr lang="es-AR" dirty="0"/>
+              <a:t>File</a:t>
+            </a:r>
           </a:p>
         </p:txBody>
       </p:sp>
@@ -9210,8 +9398,8 @@
         </p:nvSpPr>
         <p:spPr>
           <a:xfrm>
-            <a:off x="680321" y="2336872"/>
-            <a:ext cx="9613861" cy="4244231"/>
+            <a:off x="680321" y="2336873"/>
+            <a:ext cx="9613861" cy="4257110"/>
           </a:xfrm>
         </p:spPr>
         <p:txBody>
@@ -9234,7 +9422,7 @@
                 </a:effectLst>
                 <a:latin typeface="Franklin Gothic Medium" panose="020B0603020102020204" pitchFamily="34" charset="0"/>
               </a:rPr>
-              <a:t>Directory.Delete</a:t>
+              <a:t>File.Exists</a:t>
             </a:r>
             <a:r>
               <a:rPr lang="es-AR" sz="2800" dirty="0">
@@ -9317,7 +9505,7 @@
                 </a:effectLst>
                 <a:latin typeface="Franklin Gothic Medium" panose="020B0603020102020204" pitchFamily="34" charset="0"/>
               </a:rPr>
-              <a:t>Elimina el directorio especificado, siempre y cuando esté </a:t>
+              <a:t>Es true si tiene los permisos necesarios y </a:t>
             </a:r>
             <a:r>
               <a:rPr lang="es-AR" dirty="0" err="1">
@@ -9330,7 +9518,121 @@
                 </a:effectLst>
                 <a:latin typeface="Franklin Gothic Medium" panose="020B0603020102020204" pitchFamily="34" charset="0"/>
               </a:rPr>
-              <a:t>vacio</a:t>
+              <a:t>path</a:t>
+            </a:r>
+            <a:r>
+              <a:rPr lang="es-AR" dirty="0">
+                <a:effectLst>
+                  <a:outerShdw blurRad="38100" dist="38100" dir="2700000" algn="tl">
+                    <a:srgbClr val="000000">
+                      <a:alpha val="43137"/>
+                    </a:srgbClr>
+                  </a:outerShdw>
+                </a:effectLst>
+                <a:latin typeface="Franklin Gothic Medium" panose="020B0603020102020204" pitchFamily="34" charset="0"/>
+              </a:rPr>
+              <a:t> contiene el nombre de un archivo existente; de lo contrario, es false.</a:t>
+            </a:r>
+          </a:p>
+          <a:p>
+            <a:pPr lvl="1">
+              <a:defRPr/>
+            </a:pPr>
+            <a:r>
+              <a:rPr lang="es-AR" dirty="0">
+                <a:effectLst>
+                  <a:outerShdw blurRad="38100" dist="38100" dir="2700000" algn="tl">
+                    <a:srgbClr val="000000">
+                      <a:alpha val="43137"/>
+                    </a:srgbClr>
+                  </a:outerShdw>
+                </a:effectLst>
+                <a:latin typeface="Franklin Gothic Medium" panose="020B0603020102020204" pitchFamily="34" charset="0"/>
+              </a:rPr>
+              <a:t>También devuelve false si </a:t>
+            </a:r>
+            <a:r>
+              <a:rPr lang="es-AR" dirty="0" err="1">
+                <a:effectLst>
+                  <a:outerShdw blurRad="38100" dist="38100" dir="2700000" algn="tl">
+                    <a:srgbClr val="000000">
+                      <a:alpha val="43137"/>
+                    </a:srgbClr>
+                  </a:outerShdw>
+                </a:effectLst>
+                <a:latin typeface="Franklin Gothic Medium" panose="020B0603020102020204" pitchFamily="34" charset="0"/>
+              </a:rPr>
+              <a:t>path</a:t>
+            </a:r>
+            <a:r>
+              <a:rPr lang="es-AR" dirty="0">
+                <a:effectLst>
+                  <a:outerShdw blurRad="38100" dist="38100" dir="2700000" algn="tl">
+                    <a:srgbClr val="000000">
+                      <a:alpha val="43137"/>
+                    </a:srgbClr>
+                  </a:outerShdw>
+                </a:effectLst>
+                <a:latin typeface="Franklin Gothic Medium" panose="020B0603020102020204" pitchFamily="34" charset="0"/>
+              </a:rPr>
+              <a:t> es </a:t>
+            </a:r>
+            <a:r>
+              <a:rPr lang="es-AR" dirty="0" err="1">
+                <a:effectLst>
+                  <a:outerShdw blurRad="38100" dist="38100" dir="2700000" algn="tl">
+                    <a:srgbClr val="000000">
+                      <a:alpha val="43137"/>
+                    </a:srgbClr>
+                  </a:outerShdw>
+                </a:effectLst>
+                <a:latin typeface="Franklin Gothic Medium" panose="020B0603020102020204" pitchFamily="34" charset="0"/>
+              </a:rPr>
+              <a:t>null</a:t>
+            </a:r>
+            <a:r>
+              <a:rPr lang="es-AR" dirty="0">
+                <a:effectLst>
+                  <a:outerShdw blurRad="38100" dist="38100" dir="2700000" algn="tl">
+                    <a:srgbClr val="000000">
+                      <a:alpha val="43137"/>
+                    </a:srgbClr>
+                  </a:outerShdw>
+                </a:effectLst>
+                <a:latin typeface="Franklin Gothic Medium" panose="020B0603020102020204" pitchFamily="34" charset="0"/>
+              </a:rPr>
+              <a:t>, una ruta de acceso no válida o una cadena de longitud cero.</a:t>
+            </a:r>
+          </a:p>
+          <a:p>
+            <a:pPr lvl="1">
+              <a:defRPr/>
+            </a:pPr>
+            <a:r>
+              <a:rPr lang="es-AR" dirty="0">
+                <a:effectLst>
+                  <a:outerShdw blurRad="38100" dist="38100" dir="2700000" algn="tl">
+                    <a:srgbClr val="000000">
+                      <a:alpha val="43137"/>
+                    </a:srgbClr>
+                  </a:outerShdw>
+                </a:effectLst>
+                <a:latin typeface="Franklin Gothic Medium" panose="020B0603020102020204" pitchFamily="34" charset="0"/>
+              </a:rPr>
+              <a:t>Si no tiene permisos suficientes para leer el archivo especificado, no se produce ninguna excepción y el método devuelve false, independientemente de la existencia del </a:t>
+            </a:r>
+            <a:r>
+              <a:rPr lang="es-AR" dirty="0" err="1">
+                <a:effectLst>
+                  <a:outerShdw blurRad="38100" dist="38100" dir="2700000" algn="tl">
+                    <a:srgbClr val="000000">
+                      <a:alpha val="43137"/>
+                    </a:srgbClr>
+                  </a:outerShdw>
+                </a:effectLst>
+                <a:latin typeface="Franklin Gothic Medium" panose="020B0603020102020204" pitchFamily="34" charset="0"/>
+              </a:rPr>
+              <a:t>path</a:t>
             </a:r>
             <a:r>
               <a:rPr lang="es-AR" dirty="0">
@@ -9376,7 +9678,7 @@
                 </a:effectLst>
                 <a:latin typeface="Franklin Gothic Medium" panose="020B0603020102020204" pitchFamily="34" charset="0"/>
               </a:rPr>
-              <a:t>Directory.Delete</a:t>
+              <a:t>File.Copy</a:t>
             </a:r>
             <a:r>
               <a:rPr lang="es-AR" sz="2800" dirty="0">
@@ -9428,7 +9730,7 @@
                 </a:effectLst>
                 <a:latin typeface="Franklin Gothic Medium" panose="020B0603020102020204" pitchFamily="34" charset="0"/>
               </a:rPr>
-              <a:t>boolean</a:t>
+              <a:t>string</a:t>
             </a:r>
             <a:r>
               <a:rPr lang="es-AR" sz="2800" dirty="0">
@@ -9459,14 +9761,14 @@
                 </a:effectLst>
                 <a:latin typeface="Franklin Gothic Medium" panose="020B0603020102020204" pitchFamily="34" charset="0"/>
               </a:rPr>
-              <a:t>Elimina el directorio especificado y, si está indicado, los subdirectorios y archivos que contiene.</a:t>
+              <a:t>Copia un archivo existente en un archivo nuevo. No se permite sobrescribir un archivo del mismo nombre.</a:t>
             </a:r>
           </a:p>
           <a:p>
             <a:pPr lvl="1">
               <a:defRPr/>
             </a:pPr>
-            <a:endParaRPr lang="es-AR" dirty="0">
+            <a:endParaRPr lang="es-AR" u="sng" dirty="0">
               <a:effectLst>
                 <a:outerShdw blurRad="38100" dist="38100" dir="2700000" algn="tl">
                   <a:srgbClr val="000000">
@@ -9492,7 +9794,7 @@
                 </a:effectLst>
                 <a:latin typeface="Franklin Gothic Medium" panose="020B0603020102020204" pitchFamily="34" charset="0"/>
               </a:rPr>
-              <a:t>Directory.Exists</a:t>
+              <a:t>File.Delete</a:t>
             </a:r>
             <a:r>
               <a:rPr lang="es-AR" sz="2800" dirty="0">
@@ -9531,7 +9833,33 @@
                 </a:effectLst>
                 <a:latin typeface="Franklin Gothic Medium" panose="020B0603020102020204" pitchFamily="34" charset="0"/>
               </a:rPr>
-              <a:t>):</a:t>
+              <a:t> </a:t>
+            </a:r>
+            <a:r>
+              <a:rPr lang="es-AR" sz="2800" dirty="0" err="1">
+                <a:effectLst>
+                  <a:outerShdw blurRad="38100" dist="38100" dir="2700000" algn="tl">
+                    <a:srgbClr val="000000">
+                      <a:alpha val="43137"/>
+                    </a:srgbClr>
+                  </a:outerShdw>
+                </a:effectLst>
+                <a:latin typeface="Franklin Gothic Medium" panose="020B0603020102020204" pitchFamily="34" charset="0"/>
+              </a:rPr>
+              <a:t>path</a:t>
+            </a:r>
+            <a:r>
+              <a:rPr lang="es-AR" sz="2800" dirty="0">
+                <a:effectLst>
+                  <a:outerShdw blurRad="38100" dist="38100" dir="2700000" algn="tl">
+                    <a:srgbClr val="000000">
+                      <a:alpha val="43137"/>
+                    </a:srgbClr>
+                  </a:outerShdw>
+                </a:effectLst>
+                <a:latin typeface="Franklin Gothic Medium" panose="020B0603020102020204" pitchFamily="34" charset="0"/>
+              </a:rPr>
+              <a:t>)</a:t>
             </a:r>
           </a:p>
           <a:p>
@@ -9549,97 +9877,7 @@
                 </a:effectLst>
                 <a:latin typeface="Franklin Gothic Medium" panose="020B0603020102020204" pitchFamily="34" charset="0"/>
               </a:rPr>
-              <a:t>Determina si la ruta de acceso dada hace referencia a un directorio existente en el disco.</a:t>
-            </a:r>
-          </a:p>
-          <a:p>
-            <a:pPr lvl="1">
-              <a:defRPr/>
-            </a:pPr>
-            <a:endParaRPr lang="es-AR" dirty="0">
-              <a:effectLst>
-                <a:outerShdw blurRad="38100" dist="38100" dir="2700000" algn="tl">
-                  <a:srgbClr val="000000">
-                    <a:alpha val="43137"/>
-                  </a:srgbClr>
-                </a:outerShdw>
-              </a:effectLst>
-              <a:latin typeface="Franklin Gothic Medium" panose="020B0603020102020204" pitchFamily="34" charset="0"/>
-            </a:endParaRPr>
-          </a:p>
-          <a:p>
-            <a:pPr>
-              <a:defRPr/>
-            </a:pPr>
-            <a:r>
-              <a:rPr lang="es-AR" sz="2800" dirty="0" err="1">
-                <a:effectLst>
-                  <a:outerShdw blurRad="38100" dist="38100" dir="2700000" algn="tl">
-                    <a:srgbClr val="000000">
-                      <a:alpha val="43137"/>
-                    </a:srgbClr>
-                  </a:outerShdw>
-                </a:effectLst>
-                <a:latin typeface="Franklin Gothic Medium" panose="020B0603020102020204" pitchFamily="34" charset="0"/>
-              </a:rPr>
-              <a:t>GetFiles</a:t>
-            </a:r>
-            <a:r>
-              <a:rPr lang="es-AR" sz="2800" dirty="0">
-                <a:effectLst>
-                  <a:outerShdw blurRad="38100" dist="38100" dir="2700000" algn="tl">
-                    <a:srgbClr val="000000">
-                      <a:alpha val="43137"/>
-                    </a:srgbClr>
-                  </a:outerShdw>
-                </a:effectLst>
-                <a:latin typeface="Franklin Gothic Medium" panose="020B0603020102020204" pitchFamily="34" charset="0"/>
-              </a:rPr>
-              <a:t>(</a:t>
-            </a:r>
-            <a:r>
-              <a:rPr lang="es-AR" sz="2800" dirty="0" err="1">
-                <a:effectLst>
-                  <a:outerShdw blurRad="38100" dist="38100" dir="2700000" algn="tl">
-                    <a:srgbClr val="000000">
-                      <a:alpha val="43137"/>
-                    </a:srgbClr>
-                  </a:outerShdw>
-                </a:effectLst>
-                <a:latin typeface="Franklin Gothic Medium" panose="020B0603020102020204" pitchFamily="34" charset="0"/>
-              </a:rPr>
-              <a:t>String</a:t>
-            </a:r>
-            <a:r>
-              <a:rPr lang="es-AR" sz="2800" dirty="0">
-                <a:effectLst>
-                  <a:outerShdw blurRad="38100" dist="38100" dir="2700000" algn="tl">
-                    <a:srgbClr val="000000">
-                      <a:alpha val="43137"/>
-                    </a:srgbClr>
-                  </a:outerShdw>
-                </a:effectLst>
-                <a:latin typeface="Franklin Gothic Medium" panose="020B0603020102020204" pitchFamily="34" charset="0"/>
-              </a:rPr>
-              <a:t>):</a:t>
-            </a:r>
-          </a:p>
-          <a:p>
-            <a:pPr lvl="1">
-              <a:defRPr/>
-            </a:pPr>
-            <a:r>
-              <a:rPr lang="es-AR" dirty="0">
-                <a:effectLst>
-                  <a:outerShdw blurRad="38100" dist="38100" dir="2700000" algn="tl">
-                    <a:srgbClr val="000000">
-                      <a:alpha val="43137"/>
-                    </a:srgbClr>
-                  </a:outerShdw>
-                </a:effectLst>
-                <a:latin typeface="Franklin Gothic Medium" panose="020B0603020102020204" pitchFamily="34" charset="0"/>
-              </a:rPr>
-              <a:t>Devuelve los nombres de archivo (con sus rutas de acceso) del directorio especificado.</a:t>
+              <a:t>Elimina el archivo especificado.</a:t>
             </a:r>
           </a:p>
           <a:p>
@@ -9650,7 +9888,7 @@
     </p:spTree>
     <p:extLst>
       <p:ext uri="{BB962C8B-B14F-4D97-AF65-F5344CB8AC3E}">
-        <p14:creationId xmlns:p14="http://schemas.microsoft.com/office/powerpoint/2010/main" val="1292866105"/>
+        <p14:creationId xmlns:p14="http://schemas.microsoft.com/office/powerpoint/2010/main" val="709502589"/>
       </p:ext>
     </p:extLst>
   </p:cSld>
@@ -9693,14 +9931,515 @@
           <a:lstStyle/>
           <a:p>
             <a:r>
-              <a:rPr lang="es-AR" dirty="0" err="1" smtClean="0"/>
+              <a:rPr lang="es-AR" dirty="0" err="1"/>
+              <a:t>Directory</a:t>
+            </a:r>
+            <a:endParaRPr lang="es-AR" dirty="0"/>
+          </a:p>
+        </p:txBody>
+      </p:sp>
+      <p:sp>
+        <p:nvSpPr>
+          <p:cNvPr id="3" name="Marcador de contenido 2"/>
+          <p:cNvSpPr>
+            <a:spLocks noGrp="1"/>
+          </p:cNvSpPr>
+          <p:nvPr>
+            <p:ph idx="1"/>
+          </p:nvPr>
+        </p:nvSpPr>
+        <p:spPr>
+          <a:xfrm>
+            <a:off x="680321" y="2336872"/>
+            <a:ext cx="9613861" cy="4244231"/>
+          </a:xfrm>
+        </p:spPr>
+        <p:txBody>
+          <a:bodyPr>
+            <a:normAutofit fontScale="92500" lnSpcReduction="20000"/>
+          </a:bodyPr>
+          <a:lstStyle/>
+          <a:p>
+            <a:pPr>
+              <a:defRPr/>
+            </a:pPr>
+            <a:r>
+              <a:rPr lang="es-AR" sz="2800" dirty="0" err="1">
+                <a:effectLst>
+                  <a:outerShdw blurRad="38100" dist="38100" dir="2700000" algn="tl">
+                    <a:srgbClr val="000000">
+                      <a:alpha val="43137"/>
+                    </a:srgbClr>
+                  </a:outerShdw>
+                </a:effectLst>
+                <a:latin typeface="Franklin Gothic Medium" panose="020B0603020102020204" pitchFamily="34" charset="0"/>
+              </a:rPr>
+              <a:t>Directory.Delete</a:t>
+            </a:r>
+            <a:r>
+              <a:rPr lang="es-AR" sz="2800" dirty="0">
+                <a:effectLst>
+                  <a:outerShdw blurRad="38100" dist="38100" dir="2700000" algn="tl">
+                    <a:srgbClr val="000000">
+                      <a:alpha val="43137"/>
+                    </a:srgbClr>
+                  </a:outerShdw>
+                </a:effectLst>
+                <a:latin typeface="Franklin Gothic Medium" panose="020B0603020102020204" pitchFamily="34" charset="0"/>
+              </a:rPr>
+              <a:t>(</a:t>
+            </a:r>
+            <a:r>
+              <a:rPr lang="es-AR" sz="2800" dirty="0" err="1">
+                <a:effectLst>
+                  <a:outerShdw blurRad="38100" dist="38100" dir="2700000" algn="tl">
+                    <a:srgbClr val="000000">
+                      <a:alpha val="43137"/>
+                    </a:srgbClr>
+                  </a:outerShdw>
+                </a:effectLst>
+                <a:latin typeface="Franklin Gothic Medium" panose="020B0603020102020204" pitchFamily="34" charset="0"/>
+              </a:rPr>
+              <a:t>string</a:t>
+            </a:r>
+            <a:r>
+              <a:rPr lang="es-AR" sz="2800" dirty="0">
+                <a:effectLst>
+                  <a:outerShdw blurRad="38100" dist="38100" dir="2700000" algn="tl">
+                    <a:srgbClr val="000000">
+                      <a:alpha val="43137"/>
+                    </a:srgbClr>
+                  </a:outerShdw>
+                </a:effectLst>
+                <a:latin typeface="Franklin Gothic Medium" panose="020B0603020102020204" pitchFamily="34" charset="0"/>
+              </a:rPr>
+              <a:t> </a:t>
+            </a:r>
+            <a:r>
+              <a:rPr lang="es-AR" sz="2800" dirty="0" err="1">
+                <a:effectLst>
+                  <a:outerShdw blurRad="38100" dist="38100" dir="2700000" algn="tl">
+                    <a:srgbClr val="000000">
+                      <a:alpha val="43137"/>
+                    </a:srgbClr>
+                  </a:outerShdw>
+                </a:effectLst>
+                <a:latin typeface="Franklin Gothic Medium" panose="020B0603020102020204" pitchFamily="34" charset="0"/>
+              </a:rPr>
+              <a:t>path</a:t>
+            </a:r>
+            <a:r>
+              <a:rPr lang="es-AR" sz="2800" dirty="0">
+                <a:effectLst>
+                  <a:outerShdw blurRad="38100" dist="38100" dir="2700000" algn="tl">
+                    <a:srgbClr val="000000">
+                      <a:alpha val="43137"/>
+                    </a:srgbClr>
+                  </a:outerShdw>
+                </a:effectLst>
+                <a:latin typeface="Franklin Gothic Medium" panose="020B0603020102020204" pitchFamily="34" charset="0"/>
+              </a:rPr>
+              <a:t>)</a:t>
+            </a:r>
+          </a:p>
+          <a:p>
+            <a:pPr lvl="1">
+              <a:defRPr/>
+            </a:pPr>
+            <a:r>
+              <a:rPr lang="es-AR" dirty="0">
+                <a:effectLst>
+                  <a:outerShdw blurRad="38100" dist="38100" dir="2700000" algn="tl">
+                    <a:srgbClr val="000000">
+                      <a:alpha val="43137"/>
+                    </a:srgbClr>
+                  </a:outerShdw>
+                </a:effectLst>
+                <a:latin typeface="Franklin Gothic Medium" panose="020B0603020102020204" pitchFamily="34" charset="0"/>
+              </a:rPr>
+              <a:t>Elimina el directorio especificado, siempre y cuando esté </a:t>
+            </a:r>
+            <a:r>
+              <a:rPr lang="es-AR" dirty="0" err="1">
+                <a:effectLst>
+                  <a:outerShdw blurRad="38100" dist="38100" dir="2700000" algn="tl">
+                    <a:srgbClr val="000000">
+                      <a:alpha val="43137"/>
+                    </a:srgbClr>
+                  </a:outerShdw>
+                </a:effectLst>
+                <a:latin typeface="Franklin Gothic Medium" panose="020B0603020102020204" pitchFamily="34" charset="0"/>
+              </a:rPr>
+              <a:t>vacio</a:t>
+            </a:r>
+            <a:r>
+              <a:rPr lang="es-AR" dirty="0">
+                <a:effectLst>
+                  <a:outerShdw blurRad="38100" dist="38100" dir="2700000" algn="tl">
+                    <a:srgbClr val="000000">
+                      <a:alpha val="43137"/>
+                    </a:srgbClr>
+                  </a:outerShdw>
+                </a:effectLst>
+                <a:latin typeface="Franklin Gothic Medium" panose="020B0603020102020204" pitchFamily="34" charset="0"/>
+              </a:rPr>
+              <a:t>.</a:t>
+            </a:r>
+          </a:p>
+          <a:p>
+            <a:pPr lvl="1">
+              <a:defRPr/>
+            </a:pPr>
+            <a:endParaRPr lang="es-AR" sz="2200" dirty="0">
+              <a:effectLst>
+                <a:outerShdw blurRad="38100" dist="38100" dir="2700000" algn="tl">
+                  <a:srgbClr val="000000">
+                    <a:alpha val="43137"/>
+                  </a:srgbClr>
+                </a:outerShdw>
+              </a:effectLst>
+              <a:latin typeface="Franklin Gothic Medium" panose="020B0603020102020204" pitchFamily="34" charset="0"/>
+            </a:endParaRPr>
+          </a:p>
+          <a:p>
+            <a:pPr>
+              <a:defRPr/>
+            </a:pPr>
+            <a:r>
+              <a:rPr lang="es-AR" sz="2800" dirty="0" err="1">
+                <a:effectLst>
+                  <a:outerShdw blurRad="38100" dist="38100" dir="2700000" algn="tl">
+                    <a:srgbClr val="000000">
+                      <a:alpha val="43137"/>
+                    </a:srgbClr>
+                  </a:outerShdw>
+                </a:effectLst>
+                <a:latin typeface="Franklin Gothic Medium" panose="020B0603020102020204" pitchFamily="34" charset="0"/>
+              </a:rPr>
+              <a:t>Directory.Delete</a:t>
+            </a:r>
+            <a:r>
+              <a:rPr lang="es-AR" sz="2800" dirty="0">
+                <a:effectLst>
+                  <a:outerShdw blurRad="38100" dist="38100" dir="2700000" algn="tl">
+                    <a:srgbClr val="000000">
+                      <a:alpha val="43137"/>
+                    </a:srgbClr>
+                  </a:outerShdw>
+                </a:effectLst>
+                <a:latin typeface="Franklin Gothic Medium" panose="020B0603020102020204" pitchFamily="34" charset="0"/>
+              </a:rPr>
+              <a:t>(</a:t>
+            </a:r>
+            <a:r>
+              <a:rPr lang="es-AR" sz="2800" dirty="0" err="1">
+                <a:effectLst>
+                  <a:outerShdw blurRad="38100" dist="38100" dir="2700000" algn="tl">
+                    <a:srgbClr val="000000">
+                      <a:alpha val="43137"/>
+                    </a:srgbClr>
+                  </a:outerShdw>
+                </a:effectLst>
+                <a:latin typeface="Franklin Gothic Medium" panose="020B0603020102020204" pitchFamily="34" charset="0"/>
+              </a:rPr>
+              <a:t>string</a:t>
+            </a:r>
+            <a:r>
+              <a:rPr lang="es-AR" sz="2800" dirty="0">
+                <a:effectLst>
+                  <a:outerShdw blurRad="38100" dist="38100" dir="2700000" algn="tl">
+                    <a:srgbClr val="000000">
+                      <a:alpha val="43137"/>
+                    </a:srgbClr>
+                  </a:outerShdw>
+                </a:effectLst>
+                <a:latin typeface="Franklin Gothic Medium" panose="020B0603020102020204" pitchFamily="34" charset="0"/>
+              </a:rPr>
+              <a:t>, </a:t>
+            </a:r>
+            <a:r>
+              <a:rPr lang="es-AR" sz="2800" dirty="0" err="1">
+                <a:effectLst>
+                  <a:outerShdw blurRad="38100" dist="38100" dir="2700000" algn="tl">
+                    <a:srgbClr val="000000">
+                      <a:alpha val="43137"/>
+                    </a:srgbClr>
+                  </a:outerShdw>
+                </a:effectLst>
+                <a:latin typeface="Franklin Gothic Medium" panose="020B0603020102020204" pitchFamily="34" charset="0"/>
+              </a:rPr>
+              <a:t>boolean</a:t>
+            </a:r>
+            <a:r>
+              <a:rPr lang="es-AR" sz="2800" dirty="0">
+                <a:effectLst>
+                  <a:outerShdw blurRad="38100" dist="38100" dir="2700000" algn="tl">
+                    <a:srgbClr val="000000">
+                      <a:alpha val="43137"/>
+                    </a:srgbClr>
+                  </a:outerShdw>
+                </a:effectLst>
+                <a:latin typeface="Franklin Gothic Medium" panose="020B0603020102020204" pitchFamily="34" charset="0"/>
+              </a:rPr>
+              <a:t>):</a:t>
+            </a:r>
+          </a:p>
+          <a:p>
+            <a:pPr lvl="1">
+              <a:defRPr/>
+            </a:pPr>
+            <a:r>
+              <a:rPr lang="es-AR" dirty="0">
+                <a:effectLst>
+                  <a:outerShdw blurRad="38100" dist="38100" dir="2700000" algn="tl">
+                    <a:srgbClr val="000000">
+                      <a:alpha val="43137"/>
+                    </a:srgbClr>
+                  </a:outerShdw>
+                </a:effectLst>
+                <a:latin typeface="Franklin Gothic Medium" panose="020B0603020102020204" pitchFamily="34" charset="0"/>
+              </a:rPr>
+              <a:t>Elimina el directorio especificado y, si está indicado, los subdirectorios y archivos que contiene.</a:t>
+            </a:r>
+          </a:p>
+          <a:p>
+            <a:pPr lvl="1">
+              <a:defRPr/>
+            </a:pPr>
+            <a:endParaRPr lang="es-AR" dirty="0">
+              <a:effectLst>
+                <a:outerShdw blurRad="38100" dist="38100" dir="2700000" algn="tl">
+                  <a:srgbClr val="000000">
+                    <a:alpha val="43137"/>
+                  </a:srgbClr>
+                </a:outerShdw>
+              </a:effectLst>
+              <a:latin typeface="Franklin Gothic Medium" panose="020B0603020102020204" pitchFamily="34" charset="0"/>
+            </a:endParaRPr>
+          </a:p>
+          <a:p>
+            <a:pPr>
+              <a:defRPr/>
+            </a:pPr>
+            <a:r>
+              <a:rPr lang="es-AR" sz="2800" dirty="0" err="1">
+                <a:effectLst>
+                  <a:outerShdw blurRad="38100" dist="38100" dir="2700000" algn="tl">
+                    <a:srgbClr val="000000">
+                      <a:alpha val="43137"/>
+                    </a:srgbClr>
+                  </a:outerShdw>
+                </a:effectLst>
+                <a:latin typeface="Franklin Gothic Medium" panose="020B0603020102020204" pitchFamily="34" charset="0"/>
+              </a:rPr>
+              <a:t>Directory.Exists</a:t>
+            </a:r>
+            <a:r>
+              <a:rPr lang="es-AR" sz="2800" dirty="0">
+                <a:effectLst>
+                  <a:outerShdw blurRad="38100" dist="38100" dir="2700000" algn="tl">
+                    <a:srgbClr val="000000">
+                      <a:alpha val="43137"/>
+                    </a:srgbClr>
+                  </a:outerShdw>
+                </a:effectLst>
+                <a:latin typeface="Franklin Gothic Medium" panose="020B0603020102020204" pitchFamily="34" charset="0"/>
+              </a:rPr>
+              <a:t>(</a:t>
+            </a:r>
+            <a:r>
+              <a:rPr lang="es-AR" sz="2800" dirty="0" err="1">
+                <a:effectLst>
+                  <a:outerShdw blurRad="38100" dist="38100" dir="2700000" algn="tl">
+                    <a:srgbClr val="000000">
+                      <a:alpha val="43137"/>
+                    </a:srgbClr>
+                  </a:outerShdw>
+                </a:effectLst>
+                <a:latin typeface="Franklin Gothic Medium" panose="020B0603020102020204" pitchFamily="34" charset="0"/>
+              </a:rPr>
+              <a:t>string</a:t>
+            </a:r>
+            <a:r>
+              <a:rPr lang="es-AR" sz="2800" dirty="0">
+                <a:effectLst>
+                  <a:outerShdw blurRad="38100" dist="38100" dir="2700000" algn="tl">
+                    <a:srgbClr val="000000">
+                      <a:alpha val="43137"/>
+                    </a:srgbClr>
+                  </a:outerShdw>
+                </a:effectLst>
+                <a:latin typeface="Franklin Gothic Medium" panose="020B0603020102020204" pitchFamily="34" charset="0"/>
+              </a:rPr>
+              <a:t>):</a:t>
+            </a:r>
+          </a:p>
+          <a:p>
+            <a:pPr lvl="1">
+              <a:defRPr/>
+            </a:pPr>
+            <a:r>
+              <a:rPr lang="es-AR" dirty="0">
+                <a:effectLst>
+                  <a:outerShdw blurRad="38100" dist="38100" dir="2700000" algn="tl">
+                    <a:srgbClr val="000000">
+                      <a:alpha val="43137"/>
+                    </a:srgbClr>
+                  </a:outerShdw>
+                </a:effectLst>
+                <a:latin typeface="Franklin Gothic Medium" panose="020B0603020102020204" pitchFamily="34" charset="0"/>
+              </a:rPr>
+              <a:t>Determina si la ruta de acceso dada hace referencia a un directorio existente en el disco.</a:t>
+            </a:r>
+          </a:p>
+          <a:p>
+            <a:pPr lvl="1">
+              <a:defRPr/>
+            </a:pPr>
+            <a:endParaRPr lang="es-AR" dirty="0">
+              <a:effectLst>
+                <a:outerShdw blurRad="38100" dist="38100" dir="2700000" algn="tl">
+                  <a:srgbClr val="000000">
+                    <a:alpha val="43137"/>
+                  </a:srgbClr>
+                </a:outerShdw>
+              </a:effectLst>
+              <a:latin typeface="Franklin Gothic Medium" panose="020B0603020102020204" pitchFamily="34" charset="0"/>
+            </a:endParaRPr>
+          </a:p>
+          <a:p>
+            <a:pPr>
+              <a:defRPr/>
+            </a:pPr>
+            <a:r>
+              <a:rPr lang="es-AR" sz="2800" dirty="0" err="1">
+                <a:effectLst>
+                  <a:outerShdw blurRad="38100" dist="38100" dir="2700000" algn="tl">
+                    <a:srgbClr val="000000">
+                      <a:alpha val="43137"/>
+                    </a:srgbClr>
+                  </a:outerShdw>
+                </a:effectLst>
+                <a:latin typeface="Franklin Gothic Medium" panose="020B0603020102020204" pitchFamily="34" charset="0"/>
+              </a:rPr>
+              <a:t>GetFiles</a:t>
+            </a:r>
+            <a:r>
+              <a:rPr lang="es-AR" sz="2800" dirty="0">
+                <a:effectLst>
+                  <a:outerShdw blurRad="38100" dist="38100" dir="2700000" algn="tl">
+                    <a:srgbClr val="000000">
+                      <a:alpha val="43137"/>
+                    </a:srgbClr>
+                  </a:outerShdw>
+                </a:effectLst>
+                <a:latin typeface="Franklin Gothic Medium" panose="020B0603020102020204" pitchFamily="34" charset="0"/>
+              </a:rPr>
+              <a:t>(</a:t>
+            </a:r>
+            <a:r>
+              <a:rPr lang="es-AR" sz="2800" dirty="0" err="1">
+                <a:effectLst>
+                  <a:outerShdw blurRad="38100" dist="38100" dir="2700000" algn="tl">
+                    <a:srgbClr val="000000">
+                      <a:alpha val="43137"/>
+                    </a:srgbClr>
+                  </a:outerShdw>
+                </a:effectLst>
+                <a:latin typeface="Franklin Gothic Medium" panose="020B0603020102020204" pitchFamily="34" charset="0"/>
+              </a:rPr>
+              <a:t>String</a:t>
+            </a:r>
+            <a:r>
+              <a:rPr lang="es-AR" sz="2800" dirty="0">
+                <a:effectLst>
+                  <a:outerShdw blurRad="38100" dist="38100" dir="2700000" algn="tl">
+                    <a:srgbClr val="000000">
+                      <a:alpha val="43137"/>
+                    </a:srgbClr>
+                  </a:outerShdw>
+                </a:effectLst>
+                <a:latin typeface="Franklin Gothic Medium" panose="020B0603020102020204" pitchFamily="34" charset="0"/>
+              </a:rPr>
+              <a:t>):</a:t>
+            </a:r>
+          </a:p>
+          <a:p>
+            <a:pPr lvl="1">
+              <a:defRPr/>
+            </a:pPr>
+            <a:r>
+              <a:rPr lang="es-AR" dirty="0">
+                <a:effectLst>
+                  <a:outerShdw blurRad="38100" dist="38100" dir="2700000" algn="tl">
+                    <a:srgbClr val="000000">
+                      <a:alpha val="43137"/>
+                    </a:srgbClr>
+                  </a:outerShdw>
+                </a:effectLst>
+                <a:latin typeface="Franklin Gothic Medium" panose="020B0603020102020204" pitchFamily="34" charset="0"/>
+              </a:rPr>
+              <a:t>Devuelve los nombres de archivo (con sus rutas de acceso) del directorio especificado.</a:t>
+            </a:r>
+          </a:p>
+          <a:p>
+            <a:endParaRPr lang="es-AR" dirty="0"/>
+          </a:p>
+        </p:txBody>
+      </p:sp>
+    </p:spTree>
+    <p:extLst>
+      <p:ext uri="{BB962C8B-B14F-4D97-AF65-F5344CB8AC3E}">
+        <p14:creationId xmlns:p14="http://schemas.microsoft.com/office/powerpoint/2010/main" val="1292866105"/>
+      </p:ext>
+    </p:extLst>
+  </p:cSld>
+  <p:clrMapOvr>
+    <a:masterClrMapping/>
+  </p:clrMapOvr>
+</p:sld>
+</file>
+
+<file path=ppt/slides/slide16.xml><?xml version="1.0" encoding="utf-8"?>
+<p:sld xmlns:a="http://schemas.openxmlformats.org/drawingml/2006/main" xmlns:r="http://schemas.openxmlformats.org/officeDocument/2006/relationships" xmlns:p="http://schemas.openxmlformats.org/presentationml/2006/main">
+  <p:cSld>
+    <p:spTree>
+      <p:nvGrpSpPr>
+        <p:cNvPr id="1" name=""/>
+        <p:cNvGrpSpPr/>
+        <p:nvPr/>
+      </p:nvGrpSpPr>
+      <p:grpSpPr>
+        <a:xfrm>
+          <a:off x="0" y="0"/>
+          <a:ext cx="0" cy="0"/>
+          <a:chOff x="0" y="0"/>
+          <a:chExt cx="0" cy="0"/>
+        </a:xfrm>
+      </p:grpSpPr>
+      <p:sp>
+        <p:nvSpPr>
+          <p:cNvPr id="2" name="Título 1"/>
+          <p:cNvSpPr>
+            <a:spLocks noGrp="1"/>
+          </p:cNvSpPr>
+          <p:nvPr>
+            <p:ph type="title"/>
+          </p:nvPr>
+        </p:nvSpPr>
+        <p:spPr/>
+        <p:txBody>
+          <a:bodyPr/>
+          <a:lstStyle/>
+          <a:p>
+            <a:r>
+              <a:rPr lang="es-AR" dirty="0" err="1"/>
               <a:t>Special</a:t>
             </a:r>
             <a:r>
-              <a:rPr lang="es-AR" dirty="0" smtClean="0"/>
+              <a:rPr lang="es-AR" dirty="0"/>
               <a:t> Folders</a:t>
             </a:r>
-            <a:endParaRPr lang="es-AR" dirty="0"/>
           </a:p>
         </p:txBody>
       </p:sp>
@@ -9800,7 +10539,7 @@
               <a:defRPr/>
             </a:pPr>
             <a:r>
-              <a:rPr lang="es-AR" sz="2400" dirty="0" err="1" smtClean="0">
+              <a:rPr lang="es-AR" sz="2400" dirty="0" err="1">
                 <a:effectLst>
                   <a:outerShdw blurRad="38100" dist="38100" dir="2700000" algn="tl">
                     <a:srgbClr val="000000">
@@ -10182,7 +10921,7 @@
           <a:lstStyle/>
           <a:p>
             <a:r>
-              <a:rPr lang="es-AR" dirty="0" err="1" smtClean="0"/>
+              <a:rPr lang="es-AR" dirty="0" err="1"/>
               <a:t>Streams</a:t>
             </a:r>
             <a:endParaRPr lang="es-AR" dirty="0"/>
@@ -10390,7 +11129,7 @@
           <a:lstStyle/>
           <a:p>
             <a:r>
-              <a:rPr lang="es-AR" dirty="0" err="1" smtClean="0"/>
+              <a:rPr lang="es-AR" dirty="0" err="1"/>
               <a:t>StreamWriter</a:t>
             </a:r>
             <a:endParaRPr lang="es-AR" dirty="0"/>
@@ -11688,16 +12427,7 @@
                 </a:solidFill>
                 <a:latin typeface="Consolas" panose="020B0609020204030204" pitchFamily="49" charset="0"/>
               </a:rPr>
-              <a:t> System.IO</a:t>
-            </a:r>
-            <a:r>
-              <a:rPr lang="es-AR" sz="2000" dirty="0" smtClean="0">
-                <a:solidFill>
-                  <a:srgbClr val="000000"/>
-                </a:solidFill>
-                <a:latin typeface="Consolas" panose="020B0609020204030204" pitchFamily="49" charset="0"/>
-              </a:rPr>
-              <a:t>;</a:t>
+              <a:t> System.IO;</a:t>
             </a:r>
           </a:p>
           <a:p>
@@ -11714,16 +12444,7 @@
                 </a:solidFill>
                 <a:latin typeface="Consolas" panose="020B0609020204030204" pitchFamily="49" charset="0"/>
               </a:rPr>
-              <a:t>// </a:t>
-            </a:r>
-            <a:r>
-              <a:rPr lang="es-AR" sz="2000" dirty="0" smtClean="0">
-                <a:solidFill>
-                  <a:srgbClr val="008000"/>
-                </a:solidFill>
-                <a:latin typeface="Consolas" panose="020B0609020204030204" pitchFamily="49" charset="0"/>
-              </a:rPr>
-              <a:t>...</a:t>
+              <a:t>// ...</a:t>
             </a:r>
           </a:p>
           <a:p>
@@ -11734,7 +12455,7 @@
               <a:buNone/>
             </a:pPr>
             <a:r>
-              <a:rPr lang="en-US" sz="2000" dirty="0" smtClean="0">
+              <a:rPr lang="en-US" sz="2000" dirty="0">
                 <a:solidFill>
                   <a:srgbClr val="008000"/>
                 </a:solidFill>
@@ -11743,7 +12464,7 @@
               <a:t>// </a:t>
             </a:r>
             <a:r>
-              <a:rPr lang="en-US" sz="2000" dirty="0" err="1" smtClean="0">
+              <a:rPr lang="en-US" sz="2000" dirty="0" err="1">
                 <a:solidFill>
                   <a:srgbClr val="008000"/>
                 </a:solidFill>
@@ -11752,7 +12473,7 @@
               <a:t>Abro</a:t>
             </a:r>
             <a:r>
-              <a:rPr lang="en-US" sz="2000" dirty="0" smtClean="0">
+              <a:rPr lang="en-US" sz="2000" dirty="0">
                 <a:solidFill>
                   <a:srgbClr val="008000"/>
                 </a:solidFill>
@@ -11761,7 +12482,7 @@
               <a:t> el </a:t>
             </a:r>
             <a:r>
-              <a:rPr lang="en-US" sz="2000" dirty="0" err="1" smtClean="0">
+              <a:rPr lang="en-US" sz="2000" dirty="0" err="1">
                 <a:solidFill>
                   <a:srgbClr val="008000"/>
                 </a:solidFill>
@@ -11770,7 +12491,7 @@
               <a:t>archivo</a:t>
             </a:r>
             <a:r>
-              <a:rPr lang="en-US" sz="2000" dirty="0" smtClean="0">
+              <a:rPr lang="en-US" sz="2000" dirty="0">
                 <a:solidFill>
                   <a:srgbClr val="008000"/>
                 </a:solidFill>
@@ -11779,7 +12500,7 @@
               <a:t> </a:t>
             </a:r>
             <a:r>
-              <a:rPr lang="en-US" sz="2000" dirty="0" err="1" smtClean="0">
+              <a:rPr lang="en-US" sz="2000" dirty="0" err="1">
                 <a:solidFill>
                   <a:srgbClr val="008000"/>
                 </a:solidFill>
@@ -11788,7 +12509,7 @@
               <a:t>ubicado</a:t>
             </a:r>
             <a:r>
-              <a:rPr lang="en-US" sz="2000" dirty="0" smtClean="0">
+              <a:rPr lang="en-US" sz="2000" dirty="0">
                 <a:solidFill>
                   <a:srgbClr val="008000"/>
                 </a:solidFill>
@@ -11797,7 +12518,7 @@
               <a:t> en </a:t>
             </a:r>
             <a:r>
-              <a:rPr lang="en-US" sz="2000" dirty="0" err="1" smtClean="0">
+              <a:rPr lang="en-US" sz="2000" dirty="0" err="1">
                 <a:solidFill>
                   <a:srgbClr val="008000"/>
                 </a:solidFill>
@@ -11806,7 +12527,7 @@
               <a:t>una</a:t>
             </a:r>
             <a:r>
-              <a:rPr lang="en-US" sz="2000" dirty="0" smtClean="0">
+              <a:rPr lang="en-US" sz="2000" dirty="0">
                 <a:solidFill>
                   <a:srgbClr val="008000"/>
                 </a:solidFill>
@@ -11815,7 +12536,7 @@
               <a:t> </a:t>
             </a:r>
             <a:r>
-              <a:rPr lang="en-US" sz="2000" dirty="0" err="1" smtClean="0">
+              <a:rPr lang="en-US" sz="2000" dirty="0" err="1">
                 <a:solidFill>
                   <a:srgbClr val="008000"/>
                 </a:solidFill>
@@ -11824,7 +12545,7 @@
               <a:t>dirección</a:t>
             </a:r>
             <a:r>
-              <a:rPr lang="en-US" sz="2000" dirty="0" smtClean="0">
+              <a:rPr lang="en-US" sz="2000" dirty="0">
                 <a:solidFill>
                   <a:srgbClr val="008000"/>
                 </a:solidFill>
@@ -11833,7 +12554,7 @@
               <a:t> de la </a:t>
             </a:r>
             <a:r>
-              <a:rPr lang="en-US" sz="2000" dirty="0" err="1" smtClean="0">
+              <a:rPr lang="en-US" sz="2000" dirty="0" err="1">
                 <a:solidFill>
                   <a:srgbClr val="008000"/>
                 </a:solidFill>
@@ -11934,25 +12655,7 @@
                 </a:solidFill>
                 <a:latin typeface="Consolas" panose="020B0609020204030204" pitchFamily="49" charset="0"/>
               </a:rPr>
-              <a:t>"C</a:t>
-            </a:r>
-            <a:r>
-              <a:rPr lang="en-US" sz="2000" dirty="0" smtClean="0">
-                <a:solidFill>
-                  <a:srgbClr val="A31515"/>
-                </a:solidFill>
-                <a:latin typeface="Consolas" panose="020B0609020204030204" pitchFamily="49" charset="0"/>
-              </a:rPr>
-              <a:t>:\\prueba.txt</a:t>
-            </a:r>
-            <a:r>
-              <a:rPr lang="en-US" sz="2000" dirty="0">
-                <a:solidFill>
-                  <a:srgbClr val="A31515"/>
-                </a:solidFill>
-                <a:latin typeface="Consolas" panose="020B0609020204030204" pitchFamily="49" charset="0"/>
-              </a:rPr>
-              <a:t>"</a:t>
+              <a:t>"C:\\prueba.txt"</a:t>
             </a:r>
             <a:r>
               <a:rPr lang="en-US" sz="2000" dirty="0">
@@ -11986,7 +12689,7 @@
               <a:buNone/>
             </a:pPr>
             <a:r>
-              <a:rPr lang="en-US" sz="2000" dirty="0" smtClean="0">
+              <a:rPr lang="en-US" sz="2000" dirty="0">
                 <a:solidFill>
                   <a:srgbClr val="008000"/>
                 </a:solidFill>
@@ -11995,7 +12698,7 @@
               <a:t>// </a:t>
             </a:r>
             <a:r>
-              <a:rPr lang="en-US" sz="2000" dirty="0" err="1" smtClean="0">
+              <a:rPr lang="en-US" sz="2000" dirty="0" err="1">
                 <a:solidFill>
                   <a:srgbClr val="008000"/>
                 </a:solidFill>
@@ -12004,7 +12707,7 @@
               <a:t>Agrego</a:t>
             </a:r>
             <a:r>
-              <a:rPr lang="en-US" sz="2000" dirty="0" smtClean="0">
+              <a:rPr lang="en-US" sz="2000" dirty="0">
                 <a:solidFill>
                   <a:srgbClr val="008000"/>
                 </a:solidFill>
@@ -12013,7 +12716,7 @@
               <a:t> </a:t>
             </a:r>
             <a:r>
-              <a:rPr lang="en-US" sz="2000" dirty="0" err="1" smtClean="0">
+              <a:rPr lang="en-US" sz="2000" dirty="0" err="1">
                 <a:solidFill>
                   <a:srgbClr val="008000"/>
                 </a:solidFill>
@@ -12022,7 +12725,7 @@
               <a:t>una</a:t>
             </a:r>
             <a:r>
-              <a:rPr lang="en-US" sz="2000" dirty="0" smtClean="0">
+              <a:rPr lang="en-US" sz="2000" dirty="0">
                 <a:solidFill>
                   <a:srgbClr val="008000"/>
                 </a:solidFill>
@@ -12031,7 +12734,7 @@
               <a:t> </a:t>
             </a:r>
             <a:r>
-              <a:rPr lang="en-US" sz="2000" dirty="0" err="1" smtClean="0">
+              <a:rPr lang="en-US" sz="2000" dirty="0" err="1">
                 <a:solidFill>
                   <a:srgbClr val="008000"/>
                 </a:solidFill>
@@ -12040,7 +12743,7 @@
               <a:t>línea</a:t>
             </a:r>
             <a:r>
-              <a:rPr lang="en-US" sz="2000" dirty="0" smtClean="0">
+              <a:rPr lang="en-US" sz="2000" dirty="0">
                 <a:solidFill>
                   <a:srgbClr val="008000"/>
                 </a:solidFill>
@@ -12049,7 +12752,7 @@
               <a:t> de </a:t>
             </a:r>
             <a:r>
-              <a:rPr lang="en-US" sz="2000" dirty="0" err="1" smtClean="0">
+              <a:rPr lang="en-US" sz="2000" dirty="0" err="1">
                 <a:solidFill>
                   <a:srgbClr val="008000"/>
                 </a:solidFill>
@@ -12081,7 +12784,7 @@
               <a:t>sw.WriteLine</a:t>
             </a:r>
             <a:r>
-              <a:rPr lang="es-AR" sz="2000" dirty="0" smtClean="0">
+              <a:rPr lang="es-AR" sz="2000" dirty="0">
                 <a:solidFill>
                   <a:srgbClr val="000000"/>
                 </a:solidFill>
@@ -12096,32 +12799,17 @@
                 </a:solidFill>
                 <a:latin typeface="Consolas" panose="020B0609020204030204" pitchFamily="49" charset="0"/>
               </a:rPr>
-              <a:t>"</a:t>
-            </a:r>
-            <a:r>
-              <a:rPr lang="es-AR" sz="2000" dirty="0" smtClean="0">
-                <a:solidFill>
-                  <a:srgbClr val="A31515"/>
+              <a:t>"Hola mundo!!"</a:t>
+            </a:r>
+            <a:r>
+              <a:rPr lang="es-AR" sz="2000" dirty="0">
+                <a:solidFill>
+                  <a:srgbClr val="000000"/>
                 </a:solidFill>
                 <a:latin typeface="Consolas" panose="020B0609020204030204" pitchFamily="49" charset="0"/>
               </a:rPr>
-              <a:t>Hola mundo!!"</a:t>
-            </a:r>
-            <a:r>
-              <a:rPr lang="es-AR" sz="2000" dirty="0" smtClean="0">
-                <a:solidFill>
-                  <a:srgbClr val="000000"/>
-                </a:solidFill>
-                <a:latin typeface="Consolas" panose="020B0609020204030204" pitchFamily="49" charset="0"/>
-              </a:rPr>
               <a:t>);</a:t>
             </a:r>
-            <a:endParaRPr lang="es-AR" sz="2000" dirty="0">
-              <a:solidFill>
-                <a:srgbClr val="000000"/>
-              </a:solidFill>
-              <a:latin typeface="Consolas" panose="020B0609020204030204" pitchFamily="49" charset="0"/>
-            </a:endParaRPr>
           </a:p>
           <a:p>
             <a:pPr marL="76200" indent="0">
@@ -12145,7 +12833,7 @@
               <a:buNone/>
             </a:pPr>
             <a:r>
-              <a:rPr lang="en-US" sz="2000" dirty="0" smtClean="0">
+              <a:rPr lang="en-US" sz="2000" dirty="0">
                 <a:solidFill>
                   <a:srgbClr val="008000"/>
                 </a:solidFill>
@@ -12172,7 +12860,7 @@
               <a:t> </a:t>
             </a:r>
             <a:r>
-              <a:rPr lang="en-US" sz="2000" dirty="0" err="1" smtClean="0">
+              <a:rPr lang="en-US" sz="2000" dirty="0" err="1">
                 <a:solidFill>
                   <a:srgbClr val="008000"/>
                 </a:solidFill>
@@ -12181,7 +12869,7 @@
               <a:t>otra</a:t>
             </a:r>
             <a:r>
-              <a:rPr lang="en-US" sz="2000" dirty="0" smtClean="0">
+              <a:rPr lang="en-US" sz="2000" dirty="0">
                 <a:solidFill>
                   <a:srgbClr val="008000"/>
                 </a:solidFill>
@@ -12240,7 +12928,7 @@
               <a:t>sw.WriteLine</a:t>
             </a:r>
             <a:r>
-              <a:rPr lang="en-US" sz="2000" dirty="0" smtClean="0">
+              <a:rPr lang="en-US" sz="2000" dirty="0">
                 <a:solidFill>
                   <a:srgbClr val="000000"/>
                 </a:solidFill>
@@ -12258,7 +12946,7 @@
               <a:t>"</a:t>
             </a:r>
             <a:r>
-              <a:rPr lang="en-US" sz="2000" dirty="0" err="1" smtClean="0">
+              <a:rPr lang="en-US" sz="2000" dirty="0" err="1">
                 <a:solidFill>
                   <a:srgbClr val="A31515"/>
                 </a:solidFill>
@@ -12267,7 +12955,7 @@
               <a:t>Chau</a:t>
             </a:r>
             <a:r>
-              <a:rPr lang="en-US" sz="2000" dirty="0" smtClean="0">
+              <a:rPr lang="en-US" sz="2000" dirty="0">
                 <a:solidFill>
                   <a:srgbClr val="A31515"/>
                 </a:solidFill>
@@ -12276,7 +12964,7 @@
               <a:t> </a:t>
             </a:r>
             <a:r>
-              <a:rPr lang="en-US" sz="2000" dirty="0" err="1" smtClean="0">
+              <a:rPr lang="en-US" sz="2000" dirty="0" err="1">
                 <a:solidFill>
                   <a:srgbClr val="A31515"/>
                 </a:solidFill>
@@ -12285,7 +12973,7 @@
               <a:t>mundo</a:t>
             </a:r>
             <a:r>
-              <a:rPr lang="en-US" sz="2000" dirty="0" smtClean="0">
+              <a:rPr lang="en-US" sz="2000" dirty="0">
                 <a:solidFill>
                   <a:srgbClr val="A31515"/>
                 </a:solidFill>
@@ -12294,7 +12982,7 @@
               <a:t>!!"</a:t>
             </a:r>
             <a:r>
-              <a:rPr lang="en-US" sz="2000" dirty="0" smtClean="0">
+              <a:rPr lang="en-US" sz="2000" dirty="0">
                 <a:solidFill>
                   <a:srgbClr val="000000"/>
                 </a:solidFill>
@@ -12302,12 +12990,6 @@
               </a:rPr>
               <a:t>);</a:t>
             </a:r>
-            <a:endParaRPr lang="en-US" sz="2000" dirty="0">
-              <a:solidFill>
-                <a:srgbClr val="000000"/>
-              </a:solidFill>
-              <a:latin typeface="Consolas" panose="020B0609020204030204" pitchFamily="49" charset="0"/>
-            </a:endParaRPr>
           </a:p>
           <a:p>
             <a:pPr marL="76200" indent="0">
@@ -12331,7 +13013,7 @@
               <a:buNone/>
             </a:pPr>
             <a:r>
-              <a:rPr lang="es-AR" sz="2000" dirty="0" smtClean="0">
+              <a:rPr lang="es-AR" sz="2000" dirty="0">
                 <a:solidFill>
                   <a:srgbClr val="008000"/>
                 </a:solidFill>
@@ -12371,7 +13053,7 @@
               </a:rPr>
               <a:t>();</a:t>
             </a:r>
-            <a:endParaRPr lang="es-AR" sz="2000" dirty="0" smtClean="0">
+            <a:endParaRPr lang="es-AR" sz="2000" dirty="0">
               <a:solidFill>
                 <a:srgbClr val="008000"/>
               </a:solidFill>
@@ -12390,17 +13072,178 @@
   <p:clrMapOvr>
     <a:masterClrMapping/>
   </p:clrMapOvr>
-  <p:timing>
-    <p:tnLst>
-      <p:par>
-        <p:cTn id="1" dur="indefinite" restart="never" nodeType="tmRoot"/>
-      </p:par>
-    </p:tnLst>
-  </p:timing>
 </p:sld>
 </file>
 
 <file path=ppt/slides/slide6.xml><?xml version="1.0" encoding="utf-8"?>
+<p:sld xmlns:a="http://schemas.openxmlformats.org/drawingml/2006/main" xmlns:r="http://schemas.openxmlformats.org/officeDocument/2006/relationships" xmlns:p="http://schemas.openxmlformats.org/presentationml/2006/main">
+  <p:cSld>
+    <p:spTree>
+      <p:nvGrpSpPr>
+        <p:cNvPr id="1" name=""/>
+        <p:cNvGrpSpPr/>
+        <p:nvPr/>
+      </p:nvGrpSpPr>
+      <p:grpSpPr>
+        <a:xfrm>
+          <a:off x="0" y="0"/>
+          <a:ext cx="0" cy="0"/>
+          <a:chOff x="0" y="0"/>
+          <a:chExt cx="0" cy="0"/>
+        </a:xfrm>
+      </p:grpSpPr>
+      <p:sp>
+        <p:nvSpPr>
+          <p:cNvPr id="2" name="Título 1"/>
+          <p:cNvSpPr>
+            <a:spLocks noGrp="1"/>
+          </p:cNvSpPr>
+          <p:nvPr>
+            <p:ph type="title"/>
+          </p:nvPr>
+        </p:nvSpPr>
+        <p:spPr/>
+        <p:txBody>
+          <a:bodyPr/>
+          <a:lstStyle/>
+          <a:p>
+            <a:r>
+              <a:rPr lang="es-AR" dirty="0"/>
+              <a:t>Directiva </a:t>
+            </a:r>
+            <a:r>
+              <a:rPr lang="es-AR" dirty="0" err="1"/>
+              <a:t>using</a:t>
+            </a:r>
+            <a:endParaRPr lang="es-AR" dirty="0"/>
+          </a:p>
+        </p:txBody>
+      </p:sp>
+      <p:sp>
+        <p:nvSpPr>
+          <p:cNvPr id="3" name="Marcador de contenido 2"/>
+          <p:cNvSpPr>
+            <a:spLocks noGrp="1"/>
+          </p:cNvSpPr>
+          <p:nvPr>
+            <p:ph idx="1"/>
+          </p:nvPr>
+        </p:nvSpPr>
+        <p:spPr/>
+        <p:txBody>
+          <a:bodyPr/>
+          <a:lstStyle/>
+          <a:p>
+            <a:r>
+              <a:rPr lang="es-AR" dirty="0">
+                <a:effectLst>
+                  <a:outerShdw blurRad="38100" dist="38100" dir="2700000" algn="tl">
+                    <a:srgbClr val="000000">
+                      <a:alpha val="43137"/>
+                    </a:srgbClr>
+                  </a:outerShdw>
+                </a:effectLst>
+                <a:latin typeface="Franklin Gothic Medium" panose="020B0603020102020204" pitchFamily="34" charset="0"/>
+              </a:rPr>
+              <a:t>La directiva automatiza la liberación de los objetos (en este caso el cierre del archivo).</a:t>
+            </a:r>
+          </a:p>
+          <a:p>
+            <a:endParaRPr lang="es-AR" dirty="0">
+              <a:effectLst>
+                <a:outerShdw blurRad="38100" dist="38100" dir="2700000" algn="tl">
+                  <a:srgbClr val="000000">
+                    <a:alpha val="43137"/>
+                  </a:srgbClr>
+                </a:outerShdw>
+              </a:effectLst>
+              <a:latin typeface="Franklin Gothic Medium" panose="020B0603020102020204" pitchFamily="34" charset="0"/>
+            </a:endParaRPr>
+          </a:p>
+          <a:p>
+            <a:r>
+              <a:rPr lang="es-AR" dirty="0">
+                <a:effectLst>
+                  <a:outerShdw blurRad="38100" dist="38100" dir="2700000" algn="tl">
+                    <a:srgbClr val="000000">
+                      <a:alpha val="43137"/>
+                    </a:srgbClr>
+                  </a:outerShdw>
+                </a:effectLst>
+                <a:latin typeface="Franklin Gothic Medium" panose="020B0603020102020204" pitchFamily="34" charset="0"/>
+              </a:rPr>
+              <a:t>Para esto, los objetos deben implementar la interfaz </a:t>
+            </a:r>
+            <a:r>
+              <a:rPr lang="es-AR" dirty="0" err="1">
+                <a:effectLst>
+                  <a:outerShdw blurRad="38100" dist="38100" dir="2700000" algn="tl">
+                    <a:srgbClr val="000000">
+                      <a:alpha val="43137"/>
+                    </a:srgbClr>
+                  </a:outerShdw>
+                </a:effectLst>
+                <a:latin typeface="Franklin Gothic Medium" panose="020B0603020102020204" pitchFamily="34" charset="0"/>
+              </a:rPr>
+              <a:t>IDisposable</a:t>
+            </a:r>
+            <a:r>
+              <a:rPr lang="es-AR" dirty="0">
+                <a:effectLst>
+                  <a:outerShdw blurRad="38100" dist="38100" dir="2700000" algn="tl">
+                    <a:srgbClr val="000000">
+                      <a:alpha val="43137"/>
+                    </a:srgbClr>
+                  </a:outerShdw>
+                </a:effectLst>
+                <a:latin typeface="Franklin Gothic Medium" panose="020B0603020102020204" pitchFamily="34" charset="0"/>
+              </a:rPr>
+              <a:t>.</a:t>
+            </a:r>
+          </a:p>
+          <a:p>
+            <a:endParaRPr lang="es-AR" dirty="0">
+              <a:effectLst>
+                <a:outerShdw blurRad="38100" dist="38100" dir="2700000" algn="tl">
+                  <a:srgbClr val="000000">
+                    <a:alpha val="43137"/>
+                  </a:srgbClr>
+                </a:outerShdw>
+              </a:effectLst>
+              <a:latin typeface="Franklin Gothic Medium" panose="020B0603020102020204" pitchFamily="34" charset="0"/>
+            </a:endParaRPr>
+          </a:p>
+          <a:p>
+            <a:r>
+              <a:rPr lang="es-AR" dirty="0">
+                <a:effectLst>
+                  <a:outerShdw blurRad="38100" dist="38100" dir="2700000" algn="tl">
+                    <a:srgbClr val="000000">
+                      <a:alpha val="43137"/>
+                    </a:srgbClr>
+                  </a:outerShdw>
+                </a:effectLst>
+                <a:latin typeface="Franklin Gothic Medium" panose="020B0603020102020204" pitchFamily="34" charset="0"/>
+              </a:rPr>
+              <a:t>Esto nos libera de tener que hacerlo a mano como en el ejemplo anterior.</a:t>
+            </a:r>
+          </a:p>
+        </p:txBody>
+      </p:sp>
+    </p:spTree>
+    <p:extLst>
+      <p:ext uri="{BB962C8B-B14F-4D97-AF65-F5344CB8AC3E}">
+        <p14:creationId xmlns:p14="http://schemas.microsoft.com/office/powerpoint/2010/main" val="2955908930"/>
+      </p:ext>
+    </p:extLst>
+  </p:cSld>
+  <p:clrMapOvr>
+    <a:masterClrMapping/>
+  </p:clrMapOvr>
+</p:sld>
+</file>
+
+<file path=ppt/slides/slide7.xml><?xml version="1.0" encoding="utf-8"?>
 <p:sld xmlns:a="http://schemas.openxmlformats.org/drawingml/2006/main" xmlns:r="http://schemas.openxmlformats.org/officeDocument/2006/relationships" xmlns:p="http://schemas.openxmlformats.org/presentationml/2006/main">
   <p:cSld>
     <p:spTree>
@@ -12734,16 +13577,21 @@
                 </a:solidFill>
                 <a:latin typeface="Consolas" panose="020B0609020204030204" pitchFamily="49" charset="0"/>
               </a:rPr>
-              <a:t> System.IO</a:t>
-            </a:r>
-            <a:r>
-              <a:rPr lang="es-AR" sz="2000" dirty="0" smtClean="0">
-                <a:solidFill>
-                  <a:srgbClr val="000000"/>
+              <a:t> System.IO;</a:t>
+            </a:r>
+          </a:p>
+          <a:p>
+            <a:pPr marL="76200" indent="0">
+              <a:buNone/>
+            </a:pPr>
+            <a:r>
+              <a:rPr lang="es-AR" sz="2000" dirty="0">
+                <a:solidFill>
+                  <a:srgbClr val="008000"/>
                 </a:solidFill>
                 <a:latin typeface="Consolas" panose="020B0609020204030204" pitchFamily="49" charset="0"/>
               </a:rPr>
-              <a:t>;</a:t>
+              <a:t>// ...</a:t>
             </a:r>
           </a:p>
           <a:p>
@@ -12760,47 +13608,24 @@
               <a:t>// </a:t>
             </a:r>
             <a:r>
-              <a:rPr lang="es-AR" sz="2000" dirty="0" smtClean="0">
+              <a:rPr lang="es-AR" sz="2000" dirty="0" err="1">
                 <a:solidFill>
                   <a:srgbClr val="008000"/>
                 </a:solidFill>
                 <a:latin typeface="Consolas" panose="020B0609020204030204" pitchFamily="49" charset="0"/>
               </a:rPr>
-              <a:t>...</a:t>
-            </a:r>
-          </a:p>
-          <a:p>
-            <a:pPr marL="76200" indent="0">
-              <a:buNone/>
-            </a:pPr>
-            <a:r>
-              <a:rPr lang="es-AR" sz="2000" dirty="0" smtClean="0">
+              <a:t>using</a:t>
+            </a:r>
+            <a:r>
+              <a:rPr lang="es-AR" sz="2000" dirty="0">
                 <a:solidFill>
                   <a:srgbClr val="008000"/>
                 </a:solidFill>
                 <a:latin typeface="Consolas" panose="020B0609020204030204" pitchFamily="49" charset="0"/>
               </a:rPr>
-              <a:t>// </a:t>
-            </a:r>
-            <a:r>
-              <a:rPr lang="es-AR" sz="2000" dirty="0" err="1" smtClean="0">
-                <a:solidFill>
-                  <a:srgbClr val="008000"/>
-                </a:solidFill>
-                <a:latin typeface="Consolas" panose="020B0609020204030204" pitchFamily="49" charset="0"/>
-              </a:rPr>
-              <a:t>using</a:t>
-            </a:r>
-            <a:r>
-              <a:rPr lang="es-AR" sz="2000" dirty="0" smtClean="0">
-                <a:solidFill>
-                  <a:srgbClr val="008000"/>
-                </a:solidFill>
-                <a:latin typeface="Consolas" panose="020B0609020204030204" pitchFamily="49" charset="0"/>
-              </a:rPr>
               <a:t> maneja el archivo, encargándose de cerrarlo al finalizar</a:t>
             </a:r>
-            <a:endParaRPr lang="en-US" sz="2000" dirty="0" smtClean="0">
+            <a:endParaRPr lang="en-US" sz="2000" dirty="0">
               <a:solidFill>
                 <a:srgbClr val="0000FF"/>
               </a:solidFill>
@@ -12812,7 +13637,7 @@
               <a:buNone/>
             </a:pPr>
             <a:r>
-              <a:rPr lang="en-US" sz="2000" dirty="0" smtClean="0">
+              <a:rPr lang="en-US" sz="2000" dirty="0">
                 <a:solidFill>
                   <a:srgbClr val="0000FF"/>
                 </a:solidFill>
@@ -12821,22 +13646,13 @@
               <a:t>using</a:t>
             </a:r>
             <a:r>
-              <a:rPr lang="en-US" sz="2000" dirty="0" smtClean="0">
+              <a:rPr lang="en-US" sz="2000" dirty="0">
                 <a:solidFill>
                   <a:srgbClr val="000000"/>
                 </a:solidFill>
                 <a:latin typeface="Consolas" panose="020B0609020204030204" pitchFamily="49" charset="0"/>
               </a:rPr>
-              <a:t> </a:t>
-            </a:r>
-            <a:r>
-              <a:rPr lang="en-US" sz="2000" dirty="0">
-                <a:solidFill>
-                  <a:srgbClr val="000000"/>
-                </a:solidFill>
-                <a:latin typeface="Consolas" panose="020B0609020204030204" pitchFamily="49" charset="0"/>
-              </a:rPr>
-              <a:t>(</a:t>
+              <a:t> (</a:t>
             </a:r>
             <a:r>
               <a:rPr lang="en-US" sz="2000" dirty="0" err="1">
@@ -13101,479 +13917,6 @@
     <p:extLst>
       <p:ext uri="{BB962C8B-B14F-4D97-AF65-F5344CB8AC3E}">
         <p14:creationId xmlns:p14="http://schemas.microsoft.com/office/powerpoint/2010/main" val="1379134277"/>
-      </p:ext>
-    </p:extLst>
-  </p:cSld>
-  <p:clrMapOvr>
-    <a:masterClrMapping/>
-  </p:clrMapOvr>
-  <p:timing>
-    <p:tnLst>
-      <p:par>
-        <p:cTn id="1" dur="indefinite" restart="never" nodeType="tmRoot"/>
-      </p:par>
-    </p:tnLst>
-  </p:timing>
-</p:sld>
-</file>
-
-<file path=ppt/slides/slide7.xml><?xml version="1.0" encoding="utf-8"?>
-<p:sld xmlns:a="http://schemas.openxmlformats.org/drawingml/2006/main" xmlns:r="http://schemas.openxmlformats.org/officeDocument/2006/relationships" xmlns:p="http://schemas.openxmlformats.org/presentationml/2006/main">
-  <p:cSld>
-    <p:spTree>
-      <p:nvGrpSpPr>
-        <p:cNvPr id="1" name=""/>
-        <p:cNvGrpSpPr/>
-        <p:nvPr/>
-      </p:nvGrpSpPr>
-      <p:grpSpPr>
-        <a:xfrm>
-          <a:off x="0" y="0"/>
-          <a:ext cx="0" cy="0"/>
-          <a:chOff x="0" y="0"/>
-          <a:chExt cx="0" cy="0"/>
-        </a:xfrm>
-      </p:grpSpPr>
-      <p:sp>
-        <p:nvSpPr>
-          <p:cNvPr id="2" name="Título 1"/>
-          <p:cNvSpPr>
-            <a:spLocks noGrp="1"/>
-          </p:cNvSpPr>
-          <p:nvPr>
-            <p:ph type="title"/>
-          </p:nvPr>
-        </p:nvSpPr>
-        <p:spPr/>
-        <p:txBody>
-          <a:bodyPr/>
-          <a:lstStyle/>
-          <a:p>
-            <a:r>
-              <a:rPr lang="es-AR" dirty="0" err="1" smtClean="0"/>
-              <a:t>StreamReader</a:t>
-            </a:r>
-            <a:endParaRPr lang="es-AR" dirty="0"/>
-          </a:p>
-        </p:txBody>
-      </p:sp>
-      <p:sp>
-        <p:nvSpPr>
-          <p:cNvPr id="3" name="Marcador de contenido 2"/>
-          <p:cNvSpPr>
-            <a:spLocks noGrp="1"/>
-          </p:cNvSpPr>
-          <p:nvPr>
-            <p:ph idx="1"/>
-          </p:nvPr>
-        </p:nvSpPr>
-        <p:spPr/>
-        <p:txBody>
-          <a:bodyPr>
-            <a:normAutofit fontScale="92500" lnSpcReduction="10000"/>
-          </a:bodyPr>
-          <a:lstStyle/>
-          <a:p>
-            <a:pPr>
-              <a:defRPr/>
-            </a:pPr>
-            <a:r>
-              <a:rPr lang="es-ES" sz="2800" dirty="0" err="1">
-                <a:effectLst>
-                  <a:outerShdw blurRad="38100" dist="38100" dir="2700000" algn="tl">
-                    <a:srgbClr val="000000">
-                      <a:alpha val="43137"/>
-                    </a:srgbClr>
-                  </a:outerShdw>
-                </a:effectLst>
-                <a:latin typeface="Franklin Gothic Medium" panose="020B0603020102020204" pitchFamily="34" charset="0"/>
-              </a:rPr>
-              <a:t>StreamReader</a:t>
-            </a:r>
-            <a:r>
-              <a:rPr lang="es-ES" sz="2800" dirty="0">
-                <a:effectLst>
-                  <a:outerShdw blurRad="38100" dist="38100" dir="2700000" algn="tl">
-                    <a:srgbClr val="000000">
-                      <a:alpha val="43137"/>
-                    </a:srgbClr>
-                  </a:outerShdw>
-                </a:effectLst>
-                <a:latin typeface="Franklin Gothic Medium" panose="020B0603020102020204" pitchFamily="34" charset="0"/>
-              </a:rPr>
-              <a:t> (</a:t>
-            </a:r>
-            <a:r>
-              <a:rPr lang="es-ES" sz="2800" dirty="0" err="1">
-                <a:effectLst>
-                  <a:outerShdw blurRad="38100" dist="38100" dir="2700000" algn="tl">
-                    <a:srgbClr val="000000">
-                      <a:alpha val="43137"/>
-                    </a:srgbClr>
-                  </a:outerShdw>
-                </a:effectLst>
-                <a:latin typeface="Franklin Gothic Medium" panose="020B0603020102020204" pitchFamily="34" charset="0"/>
-              </a:rPr>
-              <a:t>string</a:t>
-            </a:r>
-            <a:r>
-              <a:rPr lang="es-ES" sz="2800" dirty="0">
-                <a:effectLst>
-                  <a:outerShdw blurRad="38100" dist="38100" dir="2700000" algn="tl">
-                    <a:srgbClr val="000000">
-                      <a:alpha val="43137"/>
-                    </a:srgbClr>
-                  </a:outerShdw>
-                </a:effectLst>
-                <a:latin typeface="Franklin Gothic Medium" panose="020B0603020102020204" pitchFamily="34" charset="0"/>
-              </a:rPr>
-              <a:t> </a:t>
-            </a:r>
-            <a:r>
-              <a:rPr lang="es-ES" sz="2800" dirty="0" err="1">
-                <a:effectLst>
-                  <a:outerShdw blurRad="38100" dist="38100" dir="2700000" algn="tl">
-                    <a:srgbClr val="000000">
-                      <a:alpha val="43137"/>
-                    </a:srgbClr>
-                  </a:outerShdw>
-                </a:effectLst>
-                <a:latin typeface="Franklin Gothic Medium" panose="020B0603020102020204" pitchFamily="34" charset="0"/>
-              </a:rPr>
-              <a:t>path</a:t>
-            </a:r>
-            <a:r>
-              <a:rPr lang="es-ES" sz="2800" dirty="0">
-                <a:effectLst>
-                  <a:outerShdw blurRad="38100" dist="38100" dir="2700000" algn="tl">
-                    <a:srgbClr val="000000">
-                      <a:alpha val="43137"/>
-                    </a:srgbClr>
-                  </a:outerShdw>
-                </a:effectLst>
-                <a:latin typeface="Franklin Gothic Medium" panose="020B0603020102020204" pitchFamily="34" charset="0"/>
-              </a:rPr>
-              <a:t>)</a:t>
-            </a:r>
-          </a:p>
-          <a:p>
-            <a:pPr lvl="1">
-              <a:defRPr/>
-            </a:pPr>
-            <a:r>
-              <a:rPr lang="es-ES" sz="2400" dirty="0">
-                <a:effectLst>
-                  <a:outerShdw blurRad="38100" dist="38100" dir="2700000" algn="tl">
-                    <a:srgbClr val="000000">
-                      <a:alpha val="43137"/>
-                    </a:srgbClr>
-                  </a:outerShdw>
-                </a:effectLst>
-                <a:latin typeface="Franklin Gothic Medium" panose="020B0603020102020204" pitchFamily="34" charset="0"/>
-              </a:rPr>
-              <a:t>Inicializa una nueva instancia de la clase </a:t>
-            </a:r>
-            <a:r>
-              <a:rPr lang="es-ES" sz="2400" dirty="0" err="1">
-                <a:effectLst>
-                  <a:outerShdw blurRad="38100" dist="38100" dir="2700000" algn="tl">
-                    <a:srgbClr val="000000">
-                      <a:alpha val="43137"/>
-                    </a:srgbClr>
-                  </a:outerShdw>
-                </a:effectLst>
-                <a:latin typeface="Franklin Gothic Medium" panose="020B0603020102020204" pitchFamily="34" charset="0"/>
-              </a:rPr>
-              <a:t>StreamReader</a:t>
-            </a:r>
-            <a:r>
-              <a:rPr lang="es-ES" sz="2400" dirty="0">
-                <a:effectLst>
-                  <a:outerShdw blurRad="38100" dist="38100" dir="2700000" algn="tl">
-                    <a:srgbClr val="000000">
-                      <a:alpha val="43137"/>
-                    </a:srgbClr>
-                  </a:outerShdw>
-                </a:effectLst>
-                <a:latin typeface="Franklin Gothic Medium" panose="020B0603020102020204" pitchFamily="34" charset="0"/>
-              </a:rPr>
-              <a:t>. El </a:t>
-            </a:r>
-            <a:r>
-              <a:rPr lang="es-ES" sz="2400" dirty="0" err="1">
-                <a:effectLst>
-                  <a:outerShdw blurRad="38100" dist="38100" dir="2700000" algn="tl">
-                    <a:srgbClr val="000000">
-                      <a:alpha val="43137"/>
-                    </a:srgbClr>
-                  </a:outerShdw>
-                </a:effectLst>
-                <a:latin typeface="Franklin Gothic Medium" panose="020B0603020102020204" pitchFamily="34" charset="0"/>
-              </a:rPr>
-              <a:t>path</a:t>
-            </a:r>
-            <a:r>
-              <a:rPr lang="es-ES" sz="2400" dirty="0">
-                <a:effectLst>
-                  <a:outerShdw blurRad="38100" dist="38100" dir="2700000" algn="tl">
-                    <a:srgbClr val="000000">
-                      <a:alpha val="43137"/>
-                    </a:srgbClr>
-                  </a:outerShdw>
-                </a:effectLst>
-                <a:latin typeface="Franklin Gothic Medium" panose="020B0603020102020204" pitchFamily="34" charset="0"/>
-              </a:rPr>
-              <a:t> especifica de donde se leerán los datos.</a:t>
-            </a:r>
-          </a:p>
-          <a:p>
-            <a:pPr lvl="1">
-              <a:defRPr/>
-            </a:pPr>
-            <a:endParaRPr lang="es-ES" sz="2200" dirty="0">
-              <a:effectLst>
-                <a:outerShdw blurRad="38100" dist="38100" dir="2700000" algn="tl">
-                  <a:srgbClr val="000000">
-                    <a:alpha val="43137"/>
-                  </a:srgbClr>
-                </a:outerShdw>
-              </a:effectLst>
-              <a:latin typeface="Franklin Gothic Medium" panose="020B0603020102020204" pitchFamily="34" charset="0"/>
-            </a:endParaRPr>
-          </a:p>
-          <a:p>
-            <a:pPr>
-              <a:defRPr/>
-            </a:pPr>
-            <a:r>
-              <a:rPr lang="es-ES" sz="2800" dirty="0" err="1">
-                <a:effectLst>
-                  <a:outerShdw blurRad="38100" dist="38100" dir="2700000" algn="tl">
-                    <a:srgbClr val="000000">
-                      <a:alpha val="43137"/>
-                    </a:srgbClr>
-                  </a:outerShdw>
-                </a:effectLst>
-                <a:latin typeface="Franklin Gothic Medium" panose="020B0603020102020204" pitchFamily="34" charset="0"/>
-              </a:rPr>
-              <a:t>StreamReader</a:t>
-            </a:r>
-            <a:r>
-              <a:rPr lang="es-ES" sz="2800" dirty="0">
-                <a:effectLst>
-                  <a:outerShdw blurRad="38100" dist="38100" dir="2700000" algn="tl">
-                    <a:srgbClr val="000000">
-                      <a:alpha val="43137"/>
-                    </a:srgbClr>
-                  </a:outerShdw>
-                </a:effectLst>
-                <a:latin typeface="Franklin Gothic Medium" panose="020B0603020102020204" pitchFamily="34" charset="0"/>
-              </a:rPr>
-              <a:t> (</a:t>
-            </a:r>
-            <a:r>
-              <a:rPr lang="es-ES" sz="2800" dirty="0" err="1">
-                <a:effectLst>
-                  <a:outerShdw blurRad="38100" dist="38100" dir="2700000" algn="tl">
-                    <a:srgbClr val="000000">
-                      <a:alpha val="43137"/>
-                    </a:srgbClr>
-                  </a:outerShdw>
-                </a:effectLst>
-                <a:latin typeface="Franklin Gothic Medium" panose="020B0603020102020204" pitchFamily="34" charset="0"/>
-              </a:rPr>
-              <a:t>string</a:t>
-            </a:r>
-            <a:r>
-              <a:rPr lang="es-ES" sz="2800" dirty="0">
-                <a:effectLst>
-                  <a:outerShdw blurRad="38100" dist="38100" dir="2700000" algn="tl">
-                    <a:srgbClr val="000000">
-                      <a:alpha val="43137"/>
-                    </a:srgbClr>
-                  </a:outerShdw>
-                </a:effectLst>
-                <a:latin typeface="Franklin Gothic Medium" panose="020B0603020102020204" pitchFamily="34" charset="0"/>
-              </a:rPr>
-              <a:t> </a:t>
-            </a:r>
-            <a:r>
-              <a:rPr lang="es-ES" sz="2800" dirty="0" err="1">
-                <a:effectLst>
-                  <a:outerShdw blurRad="38100" dist="38100" dir="2700000" algn="tl">
-                    <a:srgbClr val="000000">
-                      <a:alpha val="43137"/>
-                    </a:srgbClr>
-                  </a:outerShdw>
-                </a:effectLst>
-                <a:latin typeface="Franklin Gothic Medium" panose="020B0603020102020204" pitchFamily="34" charset="0"/>
-              </a:rPr>
-              <a:t>path</a:t>
-            </a:r>
-            <a:r>
-              <a:rPr lang="es-ES" sz="2800" dirty="0">
-                <a:effectLst>
-                  <a:outerShdw blurRad="38100" dist="38100" dir="2700000" algn="tl">
-                    <a:srgbClr val="000000">
-                      <a:alpha val="43137"/>
-                    </a:srgbClr>
-                  </a:outerShdw>
-                </a:effectLst>
-                <a:latin typeface="Franklin Gothic Medium" panose="020B0603020102020204" pitchFamily="34" charset="0"/>
-              </a:rPr>
-              <a:t>, </a:t>
-            </a:r>
-            <a:r>
-              <a:rPr lang="es-ES" sz="2800" dirty="0" err="1">
-                <a:effectLst>
-                  <a:outerShdw blurRad="38100" dist="38100" dir="2700000" algn="tl">
-                    <a:srgbClr val="000000">
-                      <a:alpha val="43137"/>
-                    </a:srgbClr>
-                  </a:outerShdw>
-                </a:effectLst>
-                <a:latin typeface="Franklin Gothic Medium" panose="020B0603020102020204" pitchFamily="34" charset="0"/>
-              </a:rPr>
-              <a:t>Encoding</a:t>
-            </a:r>
-            <a:r>
-              <a:rPr lang="es-ES" sz="2800" dirty="0">
-                <a:effectLst>
-                  <a:outerShdw blurRad="38100" dist="38100" dir="2700000" algn="tl">
-                    <a:srgbClr val="000000">
-                      <a:alpha val="43137"/>
-                    </a:srgbClr>
-                  </a:outerShdw>
-                </a:effectLst>
-                <a:latin typeface="Franklin Gothic Medium" panose="020B0603020102020204" pitchFamily="34" charset="0"/>
-              </a:rPr>
-              <a:t> e)</a:t>
-            </a:r>
-          </a:p>
-          <a:p>
-            <a:pPr lvl="1">
-              <a:defRPr/>
-            </a:pPr>
-            <a:r>
-              <a:rPr lang="es-ES" sz="2400" dirty="0">
-                <a:effectLst>
-                  <a:outerShdw blurRad="38100" dist="38100" dir="2700000" algn="tl">
-                    <a:srgbClr val="000000">
-                      <a:alpha val="43137"/>
-                    </a:srgbClr>
-                  </a:outerShdw>
-                </a:effectLst>
-                <a:latin typeface="Franklin Gothic Medium" panose="020B0603020102020204" pitchFamily="34" charset="0"/>
-              </a:rPr>
-              <a:t>Ídem anterior, dónde se le especifica el tipo de codificación que se utilizará para leer el archivo.</a:t>
-            </a:r>
-          </a:p>
-          <a:p>
-            <a:pPr lvl="1">
-              <a:defRPr/>
-            </a:pPr>
-            <a:endParaRPr lang="es-ES" sz="2200" dirty="0">
-              <a:effectLst>
-                <a:outerShdw blurRad="38100" dist="38100" dir="2700000" algn="tl">
-                  <a:srgbClr val="000000">
-                    <a:alpha val="43137"/>
-                  </a:srgbClr>
-                </a:outerShdw>
-              </a:effectLst>
-              <a:latin typeface="Franklin Gothic Medium" panose="020B0603020102020204" pitchFamily="34" charset="0"/>
-            </a:endParaRPr>
-          </a:p>
-          <a:p>
-            <a:pPr>
-              <a:defRPr/>
-            </a:pPr>
-            <a:r>
-              <a:rPr lang="es-ES" sz="2800" dirty="0" err="1">
-                <a:effectLst>
-                  <a:outerShdw blurRad="38100" dist="38100" dir="2700000" algn="tl">
-                    <a:srgbClr val="000000">
-                      <a:alpha val="43137"/>
-                    </a:srgbClr>
-                  </a:outerShdw>
-                </a:effectLst>
-                <a:latin typeface="Franklin Gothic Medium" panose="020B0603020102020204" pitchFamily="34" charset="0"/>
-              </a:rPr>
-              <a:t>Close</a:t>
-            </a:r>
-            <a:r>
-              <a:rPr lang="es-ES" sz="2800" dirty="0">
-                <a:effectLst>
-                  <a:outerShdw blurRad="38100" dist="38100" dir="2700000" algn="tl">
-                    <a:srgbClr val="000000">
-                      <a:alpha val="43137"/>
-                    </a:srgbClr>
-                  </a:outerShdw>
-                </a:effectLst>
-                <a:latin typeface="Franklin Gothic Medium" panose="020B0603020102020204" pitchFamily="34" charset="0"/>
-              </a:rPr>
-              <a:t>()</a:t>
-            </a:r>
-          </a:p>
-          <a:p>
-            <a:pPr lvl="1">
-              <a:defRPr/>
-            </a:pPr>
-            <a:r>
-              <a:rPr lang="es-ES" sz="2400" dirty="0">
-                <a:effectLst>
-                  <a:outerShdw blurRad="38100" dist="38100" dir="2700000" algn="tl">
-                    <a:srgbClr val="000000">
-                      <a:alpha val="43137"/>
-                    </a:srgbClr>
-                  </a:outerShdw>
-                </a:effectLst>
-                <a:latin typeface="Franklin Gothic Medium" panose="020B0603020102020204" pitchFamily="34" charset="0"/>
-              </a:rPr>
-              <a:t>Cierra el objeto </a:t>
-            </a:r>
-            <a:r>
-              <a:rPr lang="es-ES" sz="2400" dirty="0" err="1">
-                <a:effectLst>
-                  <a:outerShdw blurRad="38100" dist="38100" dir="2700000" algn="tl">
-                    <a:srgbClr val="000000">
-                      <a:alpha val="43137"/>
-                    </a:srgbClr>
-                  </a:outerShdw>
-                </a:effectLst>
-                <a:latin typeface="Franklin Gothic Medium" panose="020B0603020102020204" pitchFamily="34" charset="0"/>
-              </a:rPr>
-              <a:t>StreamReader</a:t>
-            </a:r>
-            <a:r>
-              <a:rPr lang="es-ES" sz="2400" dirty="0" smtClean="0">
-                <a:effectLst>
-                  <a:outerShdw blurRad="38100" dist="38100" dir="2700000" algn="tl">
-                    <a:srgbClr val="000000">
-                      <a:alpha val="43137"/>
-                    </a:srgbClr>
-                  </a:outerShdw>
-                </a:effectLst>
-                <a:latin typeface="Franklin Gothic Medium" panose="020B0603020102020204" pitchFamily="34" charset="0"/>
-              </a:rPr>
-              <a:t>.</a:t>
-            </a:r>
-            <a:endParaRPr lang="es-ES" sz="2400" dirty="0">
-              <a:effectLst>
-                <a:outerShdw blurRad="38100" dist="38100" dir="2700000" algn="tl">
-                  <a:srgbClr val="000000">
-                    <a:alpha val="43137"/>
-                  </a:srgbClr>
-                </a:outerShdw>
-              </a:effectLst>
-              <a:latin typeface="Franklin Gothic Medium" panose="020B0603020102020204" pitchFamily="34" charset="0"/>
-            </a:endParaRPr>
-          </a:p>
-        </p:txBody>
-      </p:sp>
-    </p:spTree>
-    <p:extLst>
-      <p:ext uri="{BB962C8B-B14F-4D97-AF65-F5344CB8AC3E}">
-        <p14:creationId xmlns:p14="http://schemas.microsoft.com/office/powerpoint/2010/main" val="361974104"/>
       </p:ext>
     </p:extLst>
   </p:cSld>
@@ -13636,7 +13979,7 @@
         <p:spPr/>
         <p:txBody>
           <a:bodyPr>
-            <a:normAutofit lnSpcReduction="10000"/>
+            <a:normAutofit fontScale="92500" lnSpcReduction="10000"/>
           </a:bodyPr>
           <a:lstStyle/>
           <a:p>
@@ -13654,7 +13997,7 @@
                 </a:effectLst>
                 <a:latin typeface="Franklin Gothic Medium" panose="020B0603020102020204" pitchFamily="34" charset="0"/>
               </a:rPr>
-              <a:t>Read</a:t>
+              <a:t>StreamReader</a:t>
             </a:r>
             <a:r>
               <a:rPr lang="es-ES" sz="2800" dirty="0">
@@ -13667,7 +14010,59 @@
                 </a:effectLst>
                 <a:latin typeface="Franklin Gothic Medium" panose="020B0603020102020204" pitchFamily="34" charset="0"/>
               </a:rPr>
-              <a:t>()</a:t>
+              <a:t> (</a:t>
+            </a:r>
+            <a:r>
+              <a:rPr lang="es-ES" sz="2800" dirty="0" err="1">
+                <a:effectLst>
+                  <a:outerShdw blurRad="38100" dist="38100" dir="2700000" algn="tl">
+                    <a:srgbClr val="000000">
+                      <a:alpha val="43137"/>
+                    </a:srgbClr>
+                  </a:outerShdw>
+                </a:effectLst>
+                <a:latin typeface="Franklin Gothic Medium" panose="020B0603020102020204" pitchFamily="34" charset="0"/>
+              </a:rPr>
+              <a:t>string</a:t>
+            </a:r>
+            <a:r>
+              <a:rPr lang="es-ES" sz="2800" dirty="0">
+                <a:effectLst>
+                  <a:outerShdw blurRad="38100" dist="38100" dir="2700000" algn="tl">
+                    <a:srgbClr val="000000">
+                      <a:alpha val="43137"/>
+                    </a:srgbClr>
+                  </a:outerShdw>
+                </a:effectLst>
+                <a:latin typeface="Franklin Gothic Medium" panose="020B0603020102020204" pitchFamily="34" charset="0"/>
+              </a:rPr>
+              <a:t> </a:t>
+            </a:r>
+            <a:r>
+              <a:rPr lang="es-ES" sz="2800" dirty="0" err="1">
+                <a:effectLst>
+                  <a:outerShdw blurRad="38100" dist="38100" dir="2700000" algn="tl">
+                    <a:srgbClr val="000000">
+                      <a:alpha val="43137"/>
+                    </a:srgbClr>
+                  </a:outerShdw>
+                </a:effectLst>
+                <a:latin typeface="Franklin Gothic Medium" panose="020B0603020102020204" pitchFamily="34" charset="0"/>
+              </a:rPr>
+              <a:t>path</a:t>
+            </a:r>
+            <a:r>
+              <a:rPr lang="es-ES" sz="2800" dirty="0">
+                <a:effectLst>
+                  <a:outerShdw blurRad="38100" dist="38100" dir="2700000" algn="tl">
+                    <a:srgbClr val="000000">
+                      <a:alpha val="43137"/>
+                    </a:srgbClr>
+                  </a:outerShdw>
+                </a:effectLst>
+                <a:latin typeface="Franklin Gothic Medium" panose="020B0603020102020204" pitchFamily="34" charset="0"/>
+              </a:rPr>
+              <a:t>)</a:t>
             </a:r>
           </a:p>
           <a:p>
@@ -13685,7 +14080,7 @@
                 </a:effectLst>
                 <a:latin typeface="Franklin Gothic Medium" panose="020B0603020102020204" pitchFamily="34" charset="0"/>
               </a:rPr>
-              <a:t>Lee un carácter del </a:t>
+              <a:t>Inicializa una nueva instancia de la clase </a:t>
             </a:r>
             <a:r>
               <a:rPr lang="es-ES" sz="2400" dirty="0" err="1">
@@ -13698,7 +14093,7 @@
                 </a:effectLst>
                 <a:latin typeface="Franklin Gothic Medium" panose="020B0603020102020204" pitchFamily="34" charset="0"/>
               </a:rPr>
-              <a:t>stream</a:t>
+              <a:t>StreamReader</a:t>
             </a:r>
             <a:r>
               <a:rPr lang="es-ES" sz="2400" dirty="0">
@@ -13711,59 +14106,21 @@
                 </a:effectLst>
                 <a:latin typeface="Franklin Gothic Medium" panose="020B0603020102020204" pitchFamily="34" charset="0"/>
               </a:rPr>
-              <a:t> y avanza carácter a carácter. Retorna un entero.</a:t>
-            </a:r>
-          </a:p>
-          <a:p>
-            <a:pPr>
-              <a:defRPr/>
-            </a:pPr>
-            <a:endParaRPr lang="es-ES" sz="2200" dirty="0">
-              <a:effectLst>
-                <a:outerShdw blurRad="38100" dist="38100" dir="2700000" algn="tl">
-                  <a:srgbClr val="000000">
-                    <a:alpha val="43137"/>
-                  </a:srgbClr>
-                </a:outerShdw>
-              </a:effectLst>
-              <a:latin typeface="Franklin Gothic Medium" panose="020B0603020102020204" pitchFamily="34" charset="0"/>
-            </a:endParaRPr>
-          </a:p>
-          <a:p>
-            <a:pPr>
-              <a:defRPr/>
-            </a:pPr>
-            <a:r>
-              <a:rPr lang="es-ES" sz="2800" dirty="0" err="1">
-                <a:effectLst>
-                  <a:outerShdw blurRad="38100" dist="38100" dir="2700000" algn="tl">
-                    <a:srgbClr val="000000">
-                      <a:alpha val="43137"/>
-                    </a:srgbClr>
-                  </a:outerShdw>
-                </a:effectLst>
-                <a:latin typeface="Franklin Gothic Medium" panose="020B0603020102020204" pitchFamily="34" charset="0"/>
-              </a:rPr>
-              <a:t>ReadLine</a:t>
-            </a:r>
-            <a:r>
-              <a:rPr lang="es-ES" sz="2800" dirty="0">
-                <a:effectLst>
-                  <a:outerShdw blurRad="38100" dist="38100" dir="2700000" algn="tl">
-                    <a:srgbClr val="000000">
-                      <a:alpha val="43137"/>
-                    </a:srgbClr>
-                  </a:outerShdw>
-                </a:effectLst>
-                <a:latin typeface="Franklin Gothic Medium" panose="020B0603020102020204" pitchFamily="34" charset="0"/>
-              </a:rPr>
-              <a:t>()</a:t>
-            </a:r>
-          </a:p>
-          <a:p>
-            <a:pPr lvl="1">
-              <a:defRPr/>
-            </a:pPr>
+              <a:t>. El </a:t>
+            </a:r>
+            <a:r>
+              <a:rPr lang="es-ES" sz="2400" dirty="0" err="1">
+                <a:effectLst>
+                  <a:outerShdw blurRad="38100" dist="38100" dir="2700000" algn="tl">
+                    <a:srgbClr val="000000">
+                      <a:alpha val="43137"/>
+                    </a:srgbClr>
+                  </a:outerShdw>
+                </a:effectLst>
+                <a:latin typeface="Franklin Gothic Medium" panose="020B0603020102020204" pitchFamily="34" charset="0"/>
+              </a:rPr>
+              <a:t>path</a:t>
+            </a:r>
             <a:r>
               <a:rPr lang="es-ES" sz="2400" dirty="0">
                 <a:effectLst>
@@ -13775,59 +14132,7 @@
                 </a:effectLst>
                 <a:latin typeface="Franklin Gothic Medium" panose="020B0603020102020204" pitchFamily="34" charset="0"/>
               </a:rPr>
-              <a:t>Lee una línea de caracteres del </a:t>
-            </a:r>
-            <a:r>
-              <a:rPr lang="es-ES" sz="2400" dirty="0" err="1">
-                <a:effectLst>
-                  <a:outerShdw blurRad="38100" dist="38100" dir="2700000" algn="tl">
-                    <a:srgbClr val="000000">
-                      <a:alpha val="43137"/>
-                    </a:srgbClr>
-                  </a:outerShdw>
-                </a:effectLst>
-                <a:latin typeface="Franklin Gothic Medium" panose="020B0603020102020204" pitchFamily="34" charset="0"/>
-              </a:rPr>
-              <a:t>stream</a:t>
-            </a:r>
-            <a:r>
-              <a:rPr lang="es-ES" sz="2400" dirty="0">
-                <a:effectLst>
-                  <a:outerShdw blurRad="38100" dist="38100" dir="2700000" algn="tl">
-                    <a:srgbClr val="000000">
-                      <a:alpha val="43137"/>
-                    </a:srgbClr>
-                  </a:outerShdw>
-                </a:effectLst>
-                <a:latin typeface="Franklin Gothic Medium" panose="020B0603020102020204" pitchFamily="34" charset="0"/>
-              </a:rPr>
-              <a:t> y lo retorna como un </a:t>
-            </a:r>
-            <a:r>
-              <a:rPr lang="es-ES" sz="2400" dirty="0" err="1">
-                <a:effectLst>
-                  <a:outerShdw blurRad="38100" dist="38100" dir="2700000" algn="tl">
-                    <a:srgbClr val="000000">
-                      <a:alpha val="43137"/>
-                    </a:srgbClr>
-                  </a:outerShdw>
-                </a:effectLst>
-                <a:latin typeface="Franklin Gothic Medium" panose="020B0603020102020204" pitchFamily="34" charset="0"/>
-              </a:rPr>
-              <a:t>string</a:t>
-            </a:r>
-            <a:r>
-              <a:rPr lang="es-ES" sz="2400" dirty="0">
-                <a:effectLst>
-                  <a:outerShdw blurRad="38100" dist="38100" dir="2700000" algn="tl">
-                    <a:srgbClr val="000000">
-                      <a:alpha val="43137"/>
-                    </a:srgbClr>
-                  </a:outerShdw>
-                </a:effectLst>
-                <a:latin typeface="Franklin Gothic Medium" panose="020B0603020102020204" pitchFamily="34" charset="0"/>
-              </a:rPr>
-              <a:t>.</a:t>
+              <a:t> especifica de donde se leerán los datos.</a:t>
             </a:r>
           </a:p>
           <a:p>
@@ -13860,7 +14165,7 @@
                 </a:effectLst>
                 <a:latin typeface="Franklin Gothic Medium" panose="020B0603020102020204" pitchFamily="34" charset="0"/>
               </a:rPr>
-              <a:t>ReadToEnd</a:t>
+              <a:t>StreamReader</a:t>
             </a:r>
             <a:r>
               <a:rPr lang="es-ES" sz="2800" dirty="0">
@@ -13873,7 +14178,85 @@
                 </a:effectLst>
                 <a:latin typeface="Franklin Gothic Medium" panose="020B0603020102020204" pitchFamily="34" charset="0"/>
               </a:rPr>
-              <a:t>()</a:t>
+              <a:t> (</a:t>
+            </a:r>
+            <a:r>
+              <a:rPr lang="es-ES" sz="2800" dirty="0" err="1">
+                <a:effectLst>
+                  <a:outerShdw blurRad="38100" dist="38100" dir="2700000" algn="tl">
+                    <a:srgbClr val="000000">
+                      <a:alpha val="43137"/>
+                    </a:srgbClr>
+                  </a:outerShdw>
+                </a:effectLst>
+                <a:latin typeface="Franklin Gothic Medium" panose="020B0603020102020204" pitchFamily="34" charset="0"/>
+              </a:rPr>
+              <a:t>string</a:t>
+            </a:r>
+            <a:r>
+              <a:rPr lang="es-ES" sz="2800" dirty="0">
+                <a:effectLst>
+                  <a:outerShdw blurRad="38100" dist="38100" dir="2700000" algn="tl">
+                    <a:srgbClr val="000000">
+                      <a:alpha val="43137"/>
+                    </a:srgbClr>
+                  </a:outerShdw>
+                </a:effectLst>
+                <a:latin typeface="Franklin Gothic Medium" panose="020B0603020102020204" pitchFamily="34" charset="0"/>
+              </a:rPr>
+              <a:t> </a:t>
+            </a:r>
+            <a:r>
+              <a:rPr lang="es-ES" sz="2800" dirty="0" err="1">
+                <a:effectLst>
+                  <a:outerShdw blurRad="38100" dist="38100" dir="2700000" algn="tl">
+                    <a:srgbClr val="000000">
+                      <a:alpha val="43137"/>
+                    </a:srgbClr>
+                  </a:outerShdw>
+                </a:effectLst>
+                <a:latin typeface="Franklin Gothic Medium" panose="020B0603020102020204" pitchFamily="34" charset="0"/>
+              </a:rPr>
+              <a:t>path</a:t>
+            </a:r>
+            <a:r>
+              <a:rPr lang="es-ES" sz="2800" dirty="0">
+                <a:effectLst>
+                  <a:outerShdw blurRad="38100" dist="38100" dir="2700000" algn="tl">
+                    <a:srgbClr val="000000">
+                      <a:alpha val="43137"/>
+                    </a:srgbClr>
+                  </a:outerShdw>
+                </a:effectLst>
+                <a:latin typeface="Franklin Gothic Medium" panose="020B0603020102020204" pitchFamily="34" charset="0"/>
+              </a:rPr>
+              <a:t>, </a:t>
+            </a:r>
+            <a:r>
+              <a:rPr lang="es-ES" sz="2800" dirty="0" err="1">
+                <a:effectLst>
+                  <a:outerShdw blurRad="38100" dist="38100" dir="2700000" algn="tl">
+                    <a:srgbClr val="000000">
+                      <a:alpha val="43137"/>
+                    </a:srgbClr>
+                  </a:outerShdw>
+                </a:effectLst>
+                <a:latin typeface="Franklin Gothic Medium" panose="020B0603020102020204" pitchFamily="34" charset="0"/>
+              </a:rPr>
+              <a:t>Encoding</a:t>
+            </a:r>
+            <a:r>
+              <a:rPr lang="es-ES" sz="2800" dirty="0">
+                <a:effectLst>
+                  <a:outerShdw blurRad="38100" dist="38100" dir="2700000" algn="tl">
+                    <a:srgbClr val="000000">
+                      <a:alpha val="43137"/>
+                    </a:srgbClr>
+                  </a:outerShdw>
+                </a:effectLst>
+                <a:latin typeface="Franklin Gothic Medium" panose="020B0603020102020204" pitchFamily="34" charset="0"/>
+              </a:rPr>
+              <a:t> e)</a:t>
             </a:r>
           </a:p>
           <a:p>
@@ -13891,48 +14274,14 @@
                 </a:effectLst>
                 <a:latin typeface="Franklin Gothic Medium" panose="020B0603020102020204" pitchFamily="34" charset="0"/>
               </a:rPr>
-              <a:t>Lee todo el </a:t>
-            </a:r>
-            <a:r>
-              <a:rPr lang="es-ES" sz="2400" dirty="0" err="1">
-                <a:effectLst>
-                  <a:outerShdw blurRad="38100" dist="38100" dir="2700000" algn="tl">
-                    <a:srgbClr val="000000">
-                      <a:alpha val="43137"/>
-                    </a:srgbClr>
-                  </a:outerShdw>
-                </a:effectLst>
-                <a:latin typeface="Franklin Gothic Medium" panose="020B0603020102020204" pitchFamily="34" charset="0"/>
-              </a:rPr>
-              <a:t>stream</a:t>
-            </a:r>
-            <a:r>
-              <a:rPr lang="es-ES" sz="2400" dirty="0">
-                <a:effectLst>
-                  <a:outerShdw blurRad="38100" dist="38100" dir="2700000" algn="tl">
-                    <a:srgbClr val="000000">
-                      <a:alpha val="43137"/>
-                    </a:srgbClr>
-                  </a:outerShdw>
-                </a:effectLst>
-                <a:latin typeface="Franklin Gothic Medium" panose="020B0603020102020204" pitchFamily="34" charset="0"/>
-              </a:rPr>
-              <a:t> y lo retorna como una cadena de caracteres</a:t>
-            </a:r>
-            <a:r>
-              <a:rPr lang="es-ES" sz="2400" dirty="0" smtClean="0">
-                <a:effectLst>
-                  <a:outerShdw blurRad="38100" dist="38100" dir="2700000" algn="tl">
-                    <a:srgbClr val="000000">
-                      <a:alpha val="43137"/>
-                    </a:srgbClr>
-                  </a:outerShdw>
-                </a:effectLst>
-                <a:latin typeface="Franklin Gothic Medium" panose="020B0603020102020204" pitchFamily="34" charset="0"/>
-              </a:rPr>
-              <a:t>.</a:t>
-            </a:r>
-            <a:endParaRPr lang="es-ES" sz="2400" dirty="0">
+              <a:t>Ídem anterior, dónde se le especifica el tipo de codificación que se utilizará para leer el archivo.</a:t>
+            </a:r>
+          </a:p>
+          <a:p>
+            <a:pPr lvl="1">
+              <a:defRPr/>
+            </a:pPr>
+            <a:endParaRPr lang="es-ES" sz="2200" dirty="0">
               <a:effectLst>
                 <a:outerShdw blurRad="38100" dist="38100" dir="2700000" algn="tl">
                   <a:srgbClr val="000000">
@@ -13943,12 +14292,87 @@
               <a:latin typeface="Franklin Gothic Medium" panose="020B0603020102020204" pitchFamily="34" charset="0"/>
             </a:endParaRPr>
           </a:p>
+          <a:p>
+            <a:pPr>
+              <a:defRPr/>
+            </a:pPr>
+            <a:r>
+              <a:rPr lang="es-ES" sz="2800" dirty="0" err="1">
+                <a:effectLst>
+                  <a:outerShdw blurRad="38100" dist="38100" dir="2700000" algn="tl">
+                    <a:srgbClr val="000000">
+                      <a:alpha val="43137"/>
+                    </a:srgbClr>
+                  </a:outerShdw>
+                </a:effectLst>
+                <a:latin typeface="Franklin Gothic Medium" panose="020B0603020102020204" pitchFamily="34" charset="0"/>
+              </a:rPr>
+              <a:t>Close</a:t>
+            </a:r>
+            <a:r>
+              <a:rPr lang="es-ES" sz="2800" dirty="0">
+                <a:effectLst>
+                  <a:outerShdw blurRad="38100" dist="38100" dir="2700000" algn="tl">
+                    <a:srgbClr val="000000">
+                      <a:alpha val="43137"/>
+                    </a:srgbClr>
+                  </a:outerShdw>
+                </a:effectLst>
+                <a:latin typeface="Franklin Gothic Medium" panose="020B0603020102020204" pitchFamily="34" charset="0"/>
+              </a:rPr>
+              <a:t>()</a:t>
+            </a:r>
+          </a:p>
+          <a:p>
+            <a:pPr lvl="1">
+              <a:defRPr/>
+            </a:pPr>
+            <a:r>
+              <a:rPr lang="es-ES" sz="2400" dirty="0">
+                <a:effectLst>
+                  <a:outerShdw blurRad="38100" dist="38100" dir="2700000" algn="tl">
+                    <a:srgbClr val="000000">
+                      <a:alpha val="43137"/>
+                    </a:srgbClr>
+                  </a:outerShdw>
+                </a:effectLst>
+                <a:latin typeface="Franklin Gothic Medium" panose="020B0603020102020204" pitchFamily="34" charset="0"/>
+              </a:rPr>
+              <a:t>Cierra el objeto </a:t>
+            </a:r>
+            <a:r>
+              <a:rPr lang="es-ES" sz="2400" dirty="0" err="1">
+                <a:effectLst>
+                  <a:outerShdw blurRad="38100" dist="38100" dir="2700000" algn="tl">
+                    <a:srgbClr val="000000">
+                      <a:alpha val="43137"/>
+                    </a:srgbClr>
+                  </a:outerShdw>
+                </a:effectLst>
+                <a:latin typeface="Franklin Gothic Medium" panose="020B0603020102020204" pitchFamily="34" charset="0"/>
+              </a:rPr>
+              <a:t>StreamReader</a:t>
+            </a:r>
+            <a:r>
+              <a:rPr lang="es-ES" sz="2400" dirty="0">
+                <a:effectLst>
+                  <a:outerShdw blurRad="38100" dist="38100" dir="2700000" algn="tl">
+                    <a:srgbClr val="000000">
+                      <a:alpha val="43137"/>
+                    </a:srgbClr>
+                  </a:outerShdw>
+                </a:effectLst>
+                <a:latin typeface="Franklin Gothic Medium" panose="020B0603020102020204" pitchFamily="34" charset="0"/>
+              </a:rPr>
+              <a:t>.</a:t>
+            </a:r>
+          </a:p>
         </p:txBody>
       </p:sp>
     </p:spTree>
     <p:extLst>
       <p:ext uri="{BB962C8B-B14F-4D97-AF65-F5344CB8AC3E}">
-        <p14:creationId xmlns:p14="http://schemas.microsoft.com/office/powerpoint/2010/main" val="2809737650"/>
+        <p14:creationId xmlns:p14="http://schemas.microsoft.com/office/powerpoint/2010/main" val="361974104"/>
       </p:ext>
     </p:extLst>
   </p:cSld>
@@ -13991,7 +14415,7 @@
           <a:lstStyle/>
           <a:p>
             <a:r>
-              <a:rPr lang="es-AR" dirty="0" err="1" smtClean="0"/>
+              <a:rPr lang="es-AR" dirty="0" err="1"/>
               <a:t>StreamReader</a:t>
             </a:r>
             <a:endParaRPr lang="es-AR" dirty="0"/>
@@ -14000,782 +14424,313 @@
       </p:sp>
       <p:sp>
         <p:nvSpPr>
-          <p:cNvPr id="4" name="Google Shape;408;p22"/>
-          <p:cNvSpPr txBox="1">
-            <a:spLocks/>
+          <p:cNvPr id="3" name="Marcador de contenido 2"/>
+          <p:cNvSpPr>
+            <a:spLocks noGrp="1"/>
           </p:cNvSpPr>
-          <p:nvPr/>
-        </p:nvSpPr>
-        <p:spPr>
-          <a:xfrm>
-            <a:off x="680321" y="2273832"/>
-            <a:ext cx="9613861" cy="3276962"/>
-          </a:xfrm>
-          <a:prstGeom prst="rect">
-            <a:avLst/>
-          </a:prstGeom>
-          <a:solidFill>
-            <a:srgbClr val="FFFFFF"/>
-          </a:solidFill>
-          <a:ln>
-            <a:noFill/>
-          </a:ln>
-        </p:spPr>
+          <p:nvPr>
+            <p:ph idx="1"/>
+          </p:nvPr>
+        </p:nvSpPr>
+        <p:spPr/>
         <p:txBody>
-          <a:bodyPr spcFirstLastPara="1" wrap="square" lIns="91425" tIns="45700" rIns="91425" bIns="45700" anchor="t" anchorCtr="0">
-            <a:noAutofit/>
+          <a:bodyPr>
+            <a:normAutofit lnSpcReduction="10000"/>
           </a:bodyPr>
-          <a:lstStyle>
-            <a:defPPr marR="0" lvl="0" algn="l" rtl="0">
-              <a:lnSpc>
-                <a:spcPct val="100000"/>
-              </a:lnSpc>
-              <a:spcBef>
-                <a:spcPts val="0"/>
-              </a:spcBef>
-              <a:spcAft>
-                <a:spcPts val="0"/>
-              </a:spcAft>
-            </a:defPPr>
-            <a:lvl1pPr marL="457200" marR="0" lvl="0" indent="-381000" algn="l" rtl="0">
-              <a:lnSpc>
-                <a:spcPct val="90000"/>
-              </a:lnSpc>
-              <a:spcBef>
-                <a:spcPts val="1000"/>
-              </a:spcBef>
-              <a:spcAft>
-                <a:spcPts val="0"/>
-              </a:spcAft>
-              <a:buClr>
-                <a:schemeClr val="lt1"/>
-              </a:buClr>
-              <a:buSzPts val="2400"/>
-              <a:buFont typeface="Arial"/>
-              <a:buChar char="•"/>
-              <a:defRPr sz="2400" b="0" i="0" u="none" strike="noStrike" cap="none">
-                <a:solidFill>
-                  <a:schemeClr val="lt1"/>
-                </a:solidFill>
-                <a:latin typeface="Trebuchet MS"/>
-                <a:ea typeface="Trebuchet MS"/>
-                <a:cs typeface="Trebuchet MS"/>
-                <a:sym typeface="Trebuchet MS"/>
-              </a:defRPr>
-            </a:lvl1pPr>
-            <a:lvl2pPr marL="914400" marR="0" lvl="1" indent="-355600" algn="l" rtl="0">
-              <a:lnSpc>
-                <a:spcPct val="90000"/>
-              </a:lnSpc>
-              <a:spcBef>
-                <a:spcPts val="500"/>
-              </a:spcBef>
-              <a:spcAft>
-                <a:spcPts val="0"/>
-              </a:spcAft>
-              <a:buClr>
-                <a:schemeClr val="lt1"/>
-              </a:buClr>
-              <a:buSzPts val="2000"/>
-              <a:buFont typeface="Arial"/>
-              <a:buChar char="•"/>
-              <a:defRPr sz="2000" b="0" i="0" u="none" strike="noStrike" cap="none">
-                <a:solidFill>
-                  <a:schemeClr val="lt1"/>
-                </a:solidFill>
-                <a:latin typeface="Trebuchet MS"/>
-                <a:ea typeface="Trebuchet MS"/>
-                <a:cs typeface="Trebuchet MS"/>
-                <a:sym typeface="Trebuchet MS"/>
-              </a:defRPr>
-            </a:lvl2pPr>
-            <a:lvl3pPr marL="1371600" marR="0" lvl="2" indent="-342900" algn="l" rtl="0">
-              <a:lnSpc>
-                <a:spcPct val="90000"/>
-              </a:lnSpc>
-              <a:spcBef>
-                <a:spcPts val="500"/>
-              </a:spcBef>
-              <a:spcAft>
-                <a:spcPts val="0"/>
-              </a:spcAft>
-              <a:buClr>
-                <a:schemeClr val="lt1"/>
-              </a:buClr>
-              <a:buSzPts val="1800"/>
-              <a:buFont typeface="Arial"/>
-              <a:buChar char="•"/>
-              <a:defRPr sz="1800" b="0" i="0" u="none" strike="noStrike" cap="none">
-                <a:solidFill>
-                  <a:schemeClr val="lt1"/>
-                </a:solidFill>
-                <a:latin typeface="Trebuchet MS"/>
-                <a:ea typeface="Trebuchet MS"/>
-                <a:cs typeface="Trebuchet MS"/>
-                <a:sym typeface="Trebuchet MS"/>
-              </a:defRPr>
-            </a:lvl3pPr>
-            <a:lvl4pPr marL="1828800" marR="0" lvl="3" indent="-330200" algn="l" rtl="0">
-              <a:lnSpc>
-                <a:spcPct val="90000"/>
-              </a:lnSpc>
-              <a:spcBef>
-                <a:spcPts val="500"/>
-              </a:spcBef>
-              <a:spcAft>
-                <a:spcPts val="0"/>
-              </a:spcAft>
-              <a:buClr>
-                <a:schemeClr val="lt1"/>
-              </a:buClr>
-              <a:buSzPts val="1600"/>
-              <a:buFont typeface="Arial"/>
-              <a:buChar char="•"/>
-              <a:defRPr sz="1600" b="0" i="0" u="none" strike="noStrike" cap="none">
-                <a:solidFill>
-                  <a:schemeClr val="lt1"/>
-                </a:solidFill>
-                <a:latin typeface="Trebuchet MS"/>
-                <a:ea typeface="Trebuchet MS"/>
-                <a:cs typeface="Trebuchet MS"/>
-                <a:sym typeface="Trebuchet MS"/>
-              </a:defRPr>
-            </a:lvl4pPr>
-            <a:lvl5pPr marL="2286000" marR="0" lvl="4" indent="-330200" algn="l" rtl="0">
-              <a:lnSpc>
-                <a:spcPct val="90000"/>
-              </a:lnSpc>
-              <a:spcBef>
-                <a:spcPts val="500"/>
-              </a:spcBef>
-              <a:spcAft>
-                <a:spcPts val="0"/>
-              </a:spcAft>
-              <a:buClr>
-                <a:schemeClr val="lt1"/>
-              </a:buClr>
-              <a:buSzPts val="1600"/>
-              <a:buFont typeface="Arial"/>
-              <a:buChar char="•"/>
-              <a:defRPr sz="1600" b="0" i="0" u="none" strike="noStrike" cap="none">
-                <a:solidFill>
-                  <a:schemeClr val="lt1"/>
-                </a:solidFill>
-                <a:latin typeface="Trebuchet MS"/>
-                <a:ea typeface="Trebuchet MS"/>
-                <a:cs typeface="Trebuchet MS"/>
-                <a:sym typeface="Trebuchet MS"/>
-              </a:defRPr>
-            </a:lvl5pPr>
-            <a:lvl6pPr marL="2743200" marR="0" lvl="5" indent="-317500" algn="l" rtl="0">
-              <a:lnSpc>
-                <a:spcPct val="90000"/>
-              </a:lnSpc>
-              <a:spcBef>
-                <a:spcPts val="500"/>
-              </a:spcBef>
-              <a:spcAft>
-                <a:spcPts val="0"/>
-              </a:spcAft>
-              <a:buClr>
-                <a:schemeClr val="lt1"/>
-              </a:buClr>
-              <a:buSzPts val="1400"/>
-              <a:buFont typeface="Arial"/>
-              <a:buChar char="•"/>
-              <a:defRPr sz="1400" b="0" i="0" u="none" strike="noStrike" cap="none">
-                <a:solidFill>
-                  <a:schemeClr val="lt1"/>
-                </a:solidFill>
-                <a:latin typeface="Trebuchet MS"/>
-                <a:ea typeface="Trebuchet MS"/>
-                <a:cs typeface="Trebuchet MS"/>
-                <a:sym typeface="Trebuchet MS"/>
-              </a:defRPr>
-            </a:lvl6pPr>
-            <a:lvl7pPr marL="3200400" marR="0" lvl="6" indent="-317500" algn="l" rtl="0">
-              <a:lnSpc>
-                <a:spcPct val="90000"/>
-              </a:lnSpc>
-              <a:spcBef>
-                <a:spcPts val="500"/>
-              </a:spcBef>
-              <a:spcAft>
-                <a:spcPts val="0"/>
-              </a:spcAft>
-              <a:buClr>
-                <a:schemeClr val="lt1"/>
-              </a:buClr>
-              <a:buSzPts val="1400"/>
-              <a:buFont typeface="Arial"/>
-              <a:buChar char="•"/>
-              <a:defRPr sz="1400" b="0" i="0" u="none" strike="noStrike" cap="none">
-                <a:solidFill>
-                  <a:schemeClr val="lt1"/>
-                </a:solidFill>
-                <a:latin typeface="Trebuchet MS"/>
-                <a:ea typeface="Trebuchet MS"/>
-                <a:cs typeface="Trebuchet MS"/>
-                <a:sym typeface="Trebuchet MS"/>
-              </a:defRPr>
-            </a:lvl7pPr>
-            <a:lvl8pPr marL="3657600" marR="0" lvl="7" indent="-317500" algn="l" rtl="0">
-              <a:lnSpc>
-                <a:spcPct val="90000"/>
-              </a:lnSpc>
-              <a:spcBef>
-                <a:spcPts val="500"/>
-              </a:spcBef>
-              <a:spcAft>
-                <a:spcPts val="0"/>
-              </a:spcAft>
-              <a:buClr>
-                <a:schemeClr val="lt1"/>
-              </a:buClr>
-              <a:buSzPts val="1400"/>
-              <a:buFont typeface="Arial"/>
-              <a:buChar char="•"/>
-              <a:defRPr sz="1400" b="0" i="0" u="none" strike="noStrike" cap="none">
-                <a:solidFill>
-                  <a:schemeClr val="lt1"/>
-                </a:solidFill>
-                <a:latin typeface="Trebuchet MS"/>
-                <a:ea typeface="Trebuchet MS"/>
-                <a:cs typeface="Trebuchet MS"/>
-                <a:sym typeface="Trebuchet MS"/>
-              </a:defRPr>
-            </a:lvl8pPr>
-            <a:lvl9pPr marL="4114800" marR="0" lvl="8" indent="-317500" algn="l" rtl="0">
-              <a:lnSpc>
-                <a:spcPct val="90000"/>
-              </a:lnSpc>
-              <a:spcBef>
-                <a:spcPts val="500"/>
-              </a:spcBef>
-              <a:spcAft>
-                <a:spcPts val="0"/>
-              </a:spcAft>
-              <a:buClr>
-                <a:schemeClr val="lt1"/>
-              </a:buClr>
-              <a:buSzPts val="1400"/>
-              <a:buFont typeface="Arial"/>
-              <a:buChar char="•"/>
-              <a:defRPr sz="1400" b="0" i="0" u="none" strike="noStrike" cap="none">
-                <a:solidFill>
-                  <a:schemeClr val="lt1"/>
-                </a:solidFill>
-                <a:latin typeface="Trebuchet MS"/>
-                <a:ea typeface="Trebuchet MS"/>
-                <a:cs typeface="Trebuchet MS"/>
-                <a:sym typeface="Trebuchet MS"/>
-              </a:defRPr>
-            </a:lvl9pPr>
-          </a:lstStyle>
-          <a:p>
-            <a:pPr marL="76200" indent="0">
-              <a:spcBef>
-                <a:spcPts val="100"/>
-              </a:spcBef>
-              <a:buNone/>
+          <a:lstStyle/>
+          <a:p>
+            <a:pPr>
+              <a:defRPr/>
             </a:pPr>
             <a:r>
-              <a:rPr lang="es-AR" sz="2000" dirty="0" err="1">
-                <a:solidFill>
-                  <a:srgbClr val="0000FF"/>
-                </a:solidFill>
-                <a:latin typeface="Consolas" panose="020B0609020204030204" pitchFamily="49" charset="0"/>
-              </a:rPr>
-              <a:t>using</a:t>
-            </a:r>
-            <a:r>
-              <a:rPr lang="es-AR" sz="2000" dirty="0">
-                <a:solidFill>
-                  <a:srgbClr val="000000"/>
-                </a:solidFill>
-                <a:latin typeface="Consolas" panose="020B0609020204030204" pitchFamily="49" charset="0"/>
-              </a:rPr>
-              <a:t> System.IO</a:t>
-            </a:r>
-            <a:r>
-              <a:rPr lang="es-AR" sz="2000" dirty="0" smtClean="0">
-                <a:solidFill>
-                  <a:srgbClr val="000000"/>
-                </a:solidFill>
-                <a:latin typeface="Consolas" panose="020B0609020204030204" pitchFamily="49" charset="0"/>
-              </a:rPr>
-              <a:t>;</a:t>
-            </a:r>
-          </a:p>
-          <a:p>
-            <a:pPr marL="76200" indent="0">
-              <a:spcBef>
-                <a:spcPts val="100"/>
-              </a:spcBef>
-              <a:buNone/>
+              <a:rPr lang="es-ES" sz="2800" dirty="0" err="1">
+                <a:effectLst>
+                  <a:outerShdw blurRad="38100" dist="38100" dir="2700000" algn="tl">
+                    <a:srgbClr val="000000">
+                      <a:alpha val="43137"/>
+                    </a:srgbClr>
+                  </a:outerShdw>
+                </a:effectLst>
+                <a:latin typeface="Franklin Gothic Medium" panose="020B0603020102020204" pitchFamily="34" charset="0"/>
+              </a:rPr>
+              <a:t>Read</a:t>
+            </a:r>
+            <a:r>
+              <a:rPr lang="es-ES" sz="2800" dirty="0">
+                <a:effectLst>
+                  <a:outerShdw blurRad="38100" dist="38100" dir="2700000" algn="tl">
+                    <a:srgbClr val="000000">
+                      <a:alpha val="43137"/>
+                    </a:srgbClr>
+                  </a:outerShdw>
+                </a:effectLst>
+                <a:latin typeface="Franklin Gothic Medium" panose="020B0603020102020204" pitchFamily="34" charset="0"/>
+              </a:rPr>
+              <a:t>()</a:t>
+            </a:r>
+          </a:p>
+          <a:p>
+            <a:pPr lvl="1">
+              <a:defRPr/>
             </a:pPr>
             <a:r>
-              <a:rPr lang="es-AR" sz="2000" dirty="0">
-                <a:solidFill>
-                  <a:srgbClr val="008000"/>
-                </a:solidFill>
-                <a:latin typeface="Consolas" panose="020B0609020204030204" pitchFamily="49" charset="0"/>
-              </a:rPr>
-              <a:t>// </a:t>
-            </a:r>
-            <a:r>
-              <a:rPr lang="es-AR" sz="2000" dirty="0" smtClean="0">
-                <a:solidFill>
-                  <a:srgbClr val="008000"/>
-                </a:solidFill>
-                <a:latin typeface="Consolas" panose="020B0609020204030204" pitchFamily="49" charset="0"/>
-              </a:rPr>
-              <a:t>...</a:t>
-            </a:r>
-          </a:p>
-          <a:p>
-            <a:pPr marL="76200" indent="0">
-              <a:spcBef>
-                <a:spcPts val="100"/>
-              </a:spcBef>
-              <a:buNone/>
+              <a:rPr lang="es-ES" sz="2400" dirty="0">
+                <a:effectLst>
+                  <a:outerShdw blurRad="38100" dist="38100" dir="2700000" algn="tl">
+                    <a:srgbClr val="000000">
+                      <a:alpha val="43137"/>
+                    </a:srgbClr>
+                  </a:outerShdw>
+                </a:effectLst>
+                <a:latin typeface="Franklin Gothic Medium" panose="020B0603020102020204" pitchFamily="34" charset="0"/>
+              </a:rPr>
+              <a:t>Lee un carácter del </a:t>
+            </a:r>
+            <a:r>
+              <a:rPr lang="es-ES" sz="2400" dirty="0" err="1">
+                <a:effectLst>
+                  <a:outerShdw blurRad="38100" dist="38100" dir="2700000" algn="tl">
+                    <a:srgbClr val="000000">
+                      <a:alpha val="43137"/>
+                    </a:srgbClr>
+                  </a:outerShdw>
+                </a:effectLst>
+                <a:latin typeface="Franklin Gothic Medium" panose="020B0603020102020204" pitchFamily="34" charset="0"/>
+              </a:rPr>
+              <a:t>stream</a:t>
+            </a:r>
+            <a:r>
+              <a:rPr lang="es-ES" sz="2400" dirty="0">
+                <a:effectLst>
+                  <a:outerShdw blurRad="38100" dist="38100" dir="2700000" algn="tl">
+                    <a:srgbClr val="000000">
+                      <a:alpha val="43137"/>
+                    </a:srgbClr>
+                  </a:outerShdw>
+                </a:effectLst>
+                <a:latin typeface="Franklin Gothic Medium" panose="020B0603020102020204" pitchFamily="34" charset="0"/>
+              </a:rPr>
+              <a:t> y avanza carácter a carácter. Retorna un entero.</a:t>
+            </a:r>
+          </a:p>
+          <a:p>
+            <a:pPr>
+              <a:defRPr/>
             </a:pPr>
-            <a:r>
-              <a:rPr lang="en-US" sz="2000" dirty="0" smtClean="0">
-                <a:solidFill>
-                  <a:srgbClr val="008000"/>
-                </a:solidFill>
-                <a:latin typeface="Consolas" panose="020B0609020204030204" pitchFamily="49" charset="0"/>
-              </a:rPr>
-              <a:t>// </a:t>
-            </a:r>
-            <a:r>
-              <a:rPr lang="en-US" sz="2000" dirty="0" err="1" smtClean="0">
-                <a:solidFill>
-                  <a:srgbClr val="008000"/>
-                </a:solidFill>
-                <a:latin typeface="Consolas" panose="020B0609020204030204" pitchFamily="49" charset="0"/>
-              </a:rPr>
-              <a:t>Abro</a:t>
-            </a:r>
-            <a:r>
-              <a:rPr lang="en-US" sz="2000" dirty="0" smtClean="0">
-                <a:solidFill>
-                  <a:srgbClr val="008000"/>
-                </a:solidFill>
-                <a:latin typeface="Consolas" panose="020B0609020204030204" pitchFamily="49" charset="0"/>
-              </a:rPr>
-              <a:t> el </a:t>
-            </a:r>
-            <a:r>
-              <a:rPr lang="en-US" sz="2000" dirty="0" err="1" smtClean="0">
-                <a:solidFill>
-                  <a:srgbClr val="008000"/>
-                </a:solidFill>
-                <a:latin typeface="Consolas" panose="020B0609020204030204" pitchFamily="49" charset="0"/>
-              </a:rPr>
-              <a:t>archivo</a:t>
-            </a:r>
-            <a:r>
-              <a:rPr lang="en-US" sz="2000" dirty="0" smtClean="0">
-                <a:solidFill>
-                  <a:srgbClr val="008000"/>
-                </a:solidFill>
-                <a:latin typeface="Consolas" panose="020B0609020204030204" pitchFamily="49" charset="0"/>
-              </a:rPr>
-              <a:t> </a:t>
-            </a:r>
-            <a:r>
-              <a:rPr lang="en-US" sz="2000" dirty="0" err="1" smtClean="0">
-                <a:solidFill>
-                  <a:srgbClr val="008000"/>
-                </a:solidFill>
-                <a:latin typeface="Consolas" panose="020B0609020204030204" pitchFamily="49" charset="0"/>
-              </a:rPr>
-              <a:t>ubicado</a:t>
-            </a:r>
-            <a:r>
-              <a:rPr lang="en-US" sz="2000" dirty="0" smtClean="0">
-                <a:solidFill>
-                  <a:srgbClr val="008000"/>
-                </a:solidFill>
-                <a:latin typeface="Consolas" panose="020B0609020204030204" pitchFamily="49" charset="0"/>
-              </a:rPr>
-              <a:t> en </a:t>
-            </a:r>
-            <a:r>
-              <a:rPr lang="en-US" sz="2000" dirty="0" err="1" smtClean="0">
-                <a:solidFill>
-                  <a:srgbClr val="008000"/>
-                </a:solidFill>
-                <a:latin typeface="Consolas" panose="020B0609020204030204" pitchFamily="49" charset="0"/>
-              </a:rPr>
-              <a:t>una</a:t>
-            </a:r>
-            <a:r>
-              <a:rPr lang="en-US" sz="2000" dirty="0" smtClean="0">
-                <a:solidFill>
-                  <a:srgbClr val="008000"/>
-                </a:solidFill>
-                <a:latin typeface="Consolas" panose="020B0609020204030204" pitchFamily="49" charset="0"/>
-              </a:rPr>
-              <a:t> </a:t>
-            </a:r>
-            <a:r>
-              <a:rPr lang="en-US" sz="2000" dirty="0" err="1" smtClean="0">
-                <a:solidFill>
-                  <a:srgbClr val="008000"/>
-                </a:solidFill>
-                <a:latin typeface="Consolas" panose="020B0609020204030204" pitchFamily="49" charset="0"/>
-              </a:rPr>
-              <a:t>dirección</a:t>
-            </a:r>
-            <a:r>
-              <a:rPr lang="en-US" sz="2000" dirty="0" smtClean="0">
-                <a:solidFill>
-                  <a:srgbClr val="008000"/>
-                </a:solidFill>
-                <a:latin typeface="Consolas" panose="020B0609020204030204" pitchFamily="49" charset="0"/>
-              </a:rPr>
-              <a:t> de la </a:t>
-            </a:r>
-            <a:r>
-              <a:rPr lang="en-US" sz="2000" dirty="0" err="1" smtClean="0">
-                <a:solidFill>
-                  <a:srgbClr val="008000"/>
-                </a:solidFill>
-                <a:latin typeface="Consolas" panose="020B0609020204030204" pitchFamily="49" charset="0"/>
-              </a:rPr>
-              <a:t>máquina</a:t>
-            </a:r>
-            <a:endParaRPr lang="en-US" sz="2000" dirty="0">
-              <a:solidFill>
-                <a:srgbClr val="000000"/>
-              </a:solidFill>
-              <a:latin typeface="Consolas" panose="020B0609020204030204" pitchFamily="49" charset="0"/>
+            <a:endParaRPr lang="es-ES" sz="2200" dirty="0">
+              <a:effectLst>
+                <a:outerShdw blurRad="38100" dist="38100" dir="2700000" algn="tl">
+                  <a:srgbClr val="000000">
+                    <a:alpha val="43137"/>
+                  </a:srgbClr>
+                </a:outerShdw>
+              </a:effectLst>
+              <a:latin typeface="Franklin Gothic Medium" panose="020B0603020102020204" pitchFamily="34" charset="0"/>
             </a:endParaRPr>
           </a:p>
           <a:p>
-            <a:pPr marL="76200" indent="0">
-              <a:spcBef>
-                <a:spcPts val="100"/>
-              </a:spcBef>
-              <a:buNone/>
+            <a:pPr>
+              <a:defRPr/>
             </a:pPr>
             <a:r>
-              <a:rPr lang="en-US" sz="2000" dirty="0" err="1" smtClean="0">
-                <a:solidFill>
-                  <a:srgbClr val="000000"/>
-                </a:solidFill>
-                <a:latin typeface="Consolas" panose="020B0609020204030204" pitchFamily="49" charset="0"/>
-              </a:rPr>
-              <a:t>StreamReader</a:t>
-            </a:r>
-            <a:r>
-              <a:rPr lang="en-US" sz="2000" dirty="0" smtClean="0">
-                <a:solidFill>
-                  <a:srgbClr val="000000"/>
-                </a:solidFill>
-                <a:latin typeface="Consolas" panose="020B0609020204030204" pitchFamily="49" charset="0"/>
-              </a:rPr>
-              <a:t> </a:t>
-            </a:r>
-            <a:r>
-              <a:rPr lang="en-US" sz="2000" dirty="0" err="1">
-                <a:solidFill>
-                  <a:srgbClr val="000000"/>
-                </a:solidFill>
-                <a:latin typeface="Consolas" panose="020B0609020204030204" pitchFamily="49" charset="0"/>
-              </a:rPr>
-              <a:t>sw</a:t>
-            </a:r>
-            <a:r>
-              <a:rPr lang="en-US" sz="2000" dirty="0">
-                <a:solidFill>
-                  <a:srgbClr val="000000"/>
-                </a:solidFill>
-                <a:latin typeface="Consolas" panose="020B0609020204030204" pitchFamily="49" charset="0"/>
-              </a:rPr>
-              <a:t> = </a:t>
-            </a:r>
-            <a:r>
-              <a:rPr lang="en-US" sz="2000" dirty="0">
-                <a:solidFill>
-                  <a:srgbClr val="0000FF"/>
-                </a:solidFill>
-                <a:latin typeface="Consolas" panose="020B0609020204030204" pitchFamily="49" charset="0"/>
-              </a:rPr>
-              <a:t>new</a:t>
-            </a:r>
-            <a:r>
-              <a:rPr lang="en-US" sz="2000" dirty="0">
-                <a:solidFill>
-                  <a:srgbClr val="000000"/>
-                </a:solidFill>
-                <a:latin typeface="Consolas" panose="020B0609020204030204" pitchFamily="49" charset="0"/>
-              </a:rPr>
-              <a:t> </a:t>
-            </a:r>
-            <a:r>
-              <a:rPr lang="en-US" sz="2000" dirty="0" err="1" smtClean="0">
-                <a:solidFill>
-                  <a:srgbClr val="000000"/>
-                </a:solidFill>
-                <a:latin typeface="Consolas" panose="020B0609020204030204" pitchFamily="49" charset="0"/>
-              </a:rPr>
-              <a:t>StreamReader</a:t>
-            </a:r>
-            <a:r>
-              <a:rPr lang="en-US" sz="2000" dirty="0" smtClean="0">
-                <a:solidFill>
-                  <a:srgbClr val="000000"/>
-                </a:solidFill>
-                <a:latin typeface="Consolas" panose="020B0609020204030204" pitchFamily="49" charset="0"/>
-              </a:rPr>
-              <a:t>(</a:t>
-            </a:r>
-            <a:r>
-              <a:rPr lang="en-US" sz="2000" dirty="0" smtClean="0">
-                <a:solidFill>
-                  <a:srgbClr val="A31515"/>
-                </a:solidFill>
-                <a:latin typeface="Consolas" panose="020B0609020204030204" pitchFamily="49" charset="0"/>
-              </a:rPr>
-              <a:t>"</a:t>
-            </a:r>
-            <a:r>
-              <a:rPr lang="en-US" sz="2000" dirty="0">
-                <a:solidFill>
-                  <a:srgbClr val="A31515"/>
-                </a:solidFill>
-                <a:latin typeface="Consolas" panose="020B0609020204030204" pitchFamily="49" charset="0"/>
-              </a:rPr>
-              <a:t>C</a:t>
-            </a:r>
-            <a:r>
-              <a:rPr lang="en-US" sz="2000" dirty="0" smtClean="0">
-                <a:solidFill>
-                  <a:srgbClr val="A31515"/>
-                </a:solidFill>
-                <a:latin typeface="Consolas" panose="020B0609020204030204" pitchFamily="49" charset="0"/>
-              </a:rPr>
-              <a:t>:\\prueba.txt</a:t>
-            </a:r>
-            <a:r>
-              <a:rPr lang="en-US" sz="2000" dirty="0">
-                <a:solidFill>
-                  <a:srgbClr val="A31515"/>
-                </a:solidFill>
-                <a:latin typeface="Consolas" panose="020B0609020204030204" pitchFamily="49" charset="0"/>
-              </a:rPr>
-              <a:t>"</a:t>
-            </a:r>
-            <a:r>
-              <a:rPr lang="en-US" sz="2000" dirty="0">
-                <a:solidFill>
-                  <a:srgbClr val="000000"/>
-                </a:solidFill>
-                <a:latin typeface="Consolas" panose="020B0609020204030204" pitchFamily="49" charset="0"/>
-              </a:rPr>
-              <a:t>);</a:t>
-            </a:r>
-          </a:p>
-          <a:p>
-            <a:pPr marL="76200" indent="0">
-              <a:spcBef>
-                <a:spcPts val="100"/>
-              </a:spcBef>
-              <a:buNone/>
+              <a:rPr lang="es-ES" sz="2800" dirty="0" err="1">
+                <a:effectLst>
+                  <a:outerShdw blurRad="38100" dist="38100" dir="2700000" algn="tl">
+                    <a:srgbClr val="000000">
+                      <a:alpha val="43137"/>
+                    </a:srgbClr>
+                  </a:outerShdw>
+                </a:effectLst>
+                <a:latin typeface="Franklin Gothic Medium" panose="020B0603020102020204" pitchFamily="34" charset="0"/>
+              </a:rPr>
+              <a:t>ReadLine</a:t>
+            </a:r>
+            <a:r>
+              <a:rPr lang="es-ES" sz="2800" dirty="0">
+                <a:effectLst>
+                  <a:outerShdw blurRad="38100" dist="38100" dir="2700000" algn="tl">
+                    <a:srgbClr val="000000">
+                      <a:alpha val="43137"/>
+                    </a:srgbClr>
+                  </a:outerShdw>
+                </a:effectLst>
+                <a:latin typeface="Franklin Gothic Medium" panose="020B0603020102020204" pitchFamily="34" charset="0"/>
+              </a:rPr>
+              <a:t>()</a:t>
+            </a:r>
+          </a:p>
+          <a:p>
+            <a:pPr lvl="1">
+              <a:defRPr/>
             </a:pPr>
-            <a:endParaRPr lang="es-AR" sz="2000" dirty="0">
-              <a:solidFill>
-                <a:srgbClr val="000000"/>
-              </a:solidFill>
-              <a:latin typeface="Consolas" panose="020B0609020204030204" pitchFamily="49" charset="0"/>
+            <a:r>
+              <a:rPr lang="es-ES" sz="2400" dirty="0">
+                <a:effectLst>
+                  <a:outerShdw blurRad="38100" dist="38100" dir="2700000" algn="tl">
+                    <a:srgbClr val="000000">
+                      <a:alpha val="43137"/>
+                    </a:srgbClr>
+                  </a:outerShdw>
+                </a:effectLst>
+                <a:latin typeface="Franklin Gothic Medium" panose="020B0603020102020204" pitchFamily="34" charset="0"/>
+              </a:rPr>
+              <a:t>Lee una línea de caracteres del </a:t>
+            </a:r>
+            <a:r>
+              <a:rPr lang="es-ES" sz="2400" dirty="0" err="1">
+                <a:effectLst>
+                  <a:outerShdw blurRad="38100" dist="38100" dir="2700000" algn="tl">
+                    <a:srgbClr val="000000">
+                      <a:alpha val="43137"/>
+                    </a:srgbClr>
+                  </a:outerShdw>
+                </a:effectLst>
+                <a:latin typeface="Franklin Gothic Medium" panose="020B0603020102020204" pitchFamily="34" charset="0"/>
+              </a:rPr>
+              <a:t>stream</a:t>
+            </a:r>
+            <a:r>
+              <a:rPr lang="es-ES" sz="2400" dirty="0">
+                <a:effectLst>
+                  <a:outerShdw blurRad="38100" dist="38100" dir="2700000" algn="tl">
+                    <a:srgbClr val="000000">
+                      <a:alpha val="43137"/>
+                    </a:srgbClr>
+                  </a:outerShdw>
+                </a:effectLst>
+                <a:latin typeface="Franklin Gothic Medium" panose="020B0603020102020204" pitchFamily="34" charset="0"/>
+              </a:rPr>
+              <a:t> y lo retorna como un </a:t>
+            </a:r>
+            <a:r>
+              <a:rPr lang="es-ES" sz="2400" dirty="0" err="1">
+                <a:effectLst>
+                  <a:outerShdw blurRad="38100" dist="38100" dir="2700000" algn="tl">
+                    <a:srgbClr val="000000">
+                      <a:alpha val="43137"/>
+                    </a:srgbClr>
+                  </a:outerShdw>
+                </a:effectLst>
+                <a:latin typeface="Franklin Gothic Medium" panose="020B0603020102020204" pitchFamily="34" charset="0"/>
+              </a:rPr>
+              <a:t>string</a:t>
+            </a:r>
+            <a:r>
+              <a:rPr lang="es-ES" sz="2400" dirty="0">
+                <a:effectLst>
+                  <a:outerShdw blurRad="38100" dist="38100" dir="2700000" algn="tl">
+                    <a:srgbClr val="000000">
+                      <a:alpha val="43137"/>
+                    </a:srgbClr>
+                  </a:outerShdw>
+                </a:effectLst>
+                <a:latin typeface="Franklin Gothic Medium" panose="020B0603020102020204" pitchFamily="34" charset="0"/>
+              </a:rPr>
+              <a:t>.</a:t>
+            </a:r>
+          </a:p>
+          <a:p>
+            <a:pPr lvl="1">
+              <a:defRPr/>
+            </a:pPr>
+            <a:endParaRPr lang="es-ES" sz="2200" dirty="0">
+              <a:effectLst>
+                <a:outerShdw blurRad="38100" dist="38100" dir="2700000" algn="tl">
+                  <a:srgbClr val="000000">
+                    <a:alpha val="43137"/>
+                  </a:srgbClr>
+                </a:outerShdw>
+              </a:effectLst>
+              <a:latin typeface="Franklin Gothic Medium" panose="020B0603020102020204" pitchFamily="34" charset="0"/>
             </a:endParaRPr>
           </a:p>
           <a:p>
-            <a:pPr marL="76200" indent="0">
-              <a:spcBef>
-                <a:spcPts val="100"/>
-              </a:spcBef>
-              <a:buNone/>
+            <a:pPr>
+              <a:defRPr/>
             </a:pPr>
             <a:r>
-              <a:rPr lang="en-US" sz="2000" dirty="0" smtClean="0">
-                <a:solidFill>
-                  <a:srgbClr val="008000"/>
-                </a:solidFill>
-                <a:latin typeface="Consolas" panose="020B0609020204030204" pitchFamily="49" charset="0"/>
-              </a:rPr>
-              <a:t>// Leo </a:t>
-            </a:r>
-            <a:r>
-              <a:rPr lang="en-US" sz="2000" dirty="0" err="1" smtClean="0">
-                <a:solidFill>
-                  <a:srgbClr val="008000"/>
-                </a:solidFill>
-                <a:latin typeface="Consolas" panose="020B0609020204030204" pitchFamily="49" charset="0"/>
-              </a:rPr>
-              <a:t>una</a:t>
-            </a:r>
-            <a:r>
-              <a:rPr lang="en-US" sz="2000" dirty="0" smtClean="0">
-                <a:solidFill>
-                  <a:srgbClr val="008000"/>
-                </a:solidFill>
-                <a:latin typeface="Consolas" panose="020B0609020204030204" pitchFamily="49" charset="0"/>
-              </a:rPr>
-              <a:t> </a:t>
-            </a:r>
-            <a:r>
-              <a:rPr lang="en-US" sz="2000" dirty="0" err="1" smtClean="0">
-                <a:solidFill>
-                  <a:srgbClr val="008000"/>
-                </a:solidFill>
-                <a:latin typeface="Consolas" panose="020B0609020204030204" pitchFamily="49" charset="0"/>
-              </a:rPr>
-              <a:t>línea</a:t>
-            </a:r>
-            <a:r>
-              <a:rPr lang="en-US" sz="2000" dirty="0" smtClean="0">
-                <a:solidFill>
-                  <a:srgbClr val="008000"/>
-                </a:solidFill>
-                <a:latin typeface="Consolas" panose="020B0609020204030204" pitchFamily="49" charset="0"/>
-              </a:rPr>
-              <a:t> de </a:t>
-            </a:r>
-            <a:r>
-              <a:rPr lang="en-US" sz="2000" dirty="0" err="1" smtClean="0">
-                <a:solidFill>
-                  <a:srgbClr val="008000"/>
-                </a:solidFill>
-                <a:latin typeface="Consolas" panose="020B0609020204030204" pitchFamily="49" charset="0"/>
-              </a:rPr>
-              <a:t>texto</a:t>
-            </a:r>
-            <a:endParaRPr lang="en-US" sz="2000" dirty="0">
-              <a:solidFill>
-                <a:srgbClr val="000000"/>
-              </a:solidFill>
-              <a:latin typeface="Consolas" panose="020B0609020204030204" pitchFamily="49" charset="0"/>
-            </a:endParaRPr>
-          </a:p>
-          <a:p>
-            <a:pPr marL="76200" indent="0">
-              <a:spcBef>
-                <a:spcPts val="100"/>
-              </a:spcBef>
-              <a:buNone/>
+              <a:rPr lang="es-ES" sz="2800" dirty="0" err="1">
+                <a:effectLst>
+                  <a:outerShdw blurRad="38100" dist="38100" dir="2700000" algn="tl">
+                    <a:srgbClr val="000000">
+                      <a:alpha val="43137"/>
+                    </a:srgbClr>
+                  </a:outerShdw>
+                </a:effectLst>
+                <a:latin typeface="Franklin Gothic Medium" panose="020B0603020102020204" pitchFamily="34" charset="0"/>
+              </a:rPr>
+              <a:t>ReadToEnd</a:t>
+            </a:r>
+            <a:r>
+              <a:rPr lang="es-ES" sz="2800" dirty="0">
+                <a:effectLst>
+                  <a:outerShdw blurRad="38100" dist="38100" dir="2700000" algn="tl">
+                    <a:srgbClr val="000000">
+                      <a:alpha val="43137"/>
+                    </a:srgbClr>
+                  </a:outerShdw>
+                </a:effectLst>
+                <a:latin typeface="Franklin Gothic Medium" panose="020B0603020102020204" pitchFamily="34" charset="0"/>
+              </a:rPr>
+              <a:t>()</a:t>
+            </a:r>
+          </a:p>
+          <a:p>
+            <a:pPr lvl="1">
+              <a:defRPr/>
             </a:pPr>
             <a:r>
-              <a:rPr lang="es-AR" sz="2000" dirty="0" err="1">
-                <a:solidFill>
-                  <a:srgbClr val="000000"/>
-                </a:solidFill>
-                <a:latin typeface="Consolas" panose="020B0609020204030204" pitchFamily="49" charset="0"/>
-              </a:rPr>
-              <a:t>sr.ReadLine</a:t>
-            </a:r>
-            <a:r>
-              <a:rPr lang="es-AR" sz="2000" dirty="0">
-                <a:solidFill>
-                  <a:srgbClr val="000000"/>
-                </a:solidFill>
-                <a:latin typeface="Consolas" panose="020B0609020204030204" pitchFamily="49" charset="0"/>
-              </a:rPr>
-              <a:t>();</a:t>
-            </a:r>
-          </a:p>
-          <a:p>
-            <a:pPr marL="76200" indent="0">
-              <a:spcBef>
-                <a:spcPts val="100"/>
-              </a:spcBef>
-              <a:buNone/>
-            </a:pPr>
-            <a:endParaRPr lang="es-AR" sz="2000" dirty="0">
-              <a:solidFill>
-                <a:srgbClr val="000000"/>
-              </a:solidFill>
-              <a:latin typeface="Consolas" panose="020B0609020204030204" pitchFamily="49" charset="0"/>
-            </a:endParaRPr>
-          </a:p>
-          <a:p>
-            <a:pPr marL="76200" indent="0">
-              <a:spcBef>
-                <a:spcPts val="100"/>
-              </a:spcBef>
-              <a:buNone/>
-            </a:pPr>
-            <a:r>
-              <a:rPr lang="es-AR" sz="2000" dirty="0" smtClean="0">
-                <a:solidFill>
-                  <a:srgbClr val="008000"/>
-                </a:solidFill>
-                <a:latin typeface="Consolas" panose="020B0609020204030204" pitchFamily="49" charset="0"/>
-              </a:rPr>
-              <a:t>// Cierro el archivo</a:t>
-            </a:r>
-            <a:endParaRPr lang="es-AR" sz="2000" dirty="0">
-              <a:solidFill>
-                <a:srgbClr val="000000"/>
-              </a:solidFill>
-              <a:latin typeface="Consolas" panose="020B0609020204030204" pitchFamily="49" charset="0"/>
-            </a:endParaRPr>
-          </a:p>
-          <a:p>
-            <a:pPr marL="76200" indent="0">
-              <a:spcBef>
-                <a:spcPts val="100"/>
-              </a:spcBef>
-              <a:buNone/>
-            </a:pPr>
-            <a:r>
-              <a:rPr lang="es-AR" sz="2000" dirty="0" err="1">
-                <a:solidFill>
-                  <a:srgbClr val="000000"/>
-                </a:solidFill>
-                <a:latin typeface="Consolas" panose="020B0609020204030204" pitchFamily="49" charset="0"/>
-              </a:rPr>
-              <a:t>sw.Close</a:t>
-            </a:r>
-            <a:r>
-              <a:rPr lang="es-AR" sz="2000" dirty="0">
-                <a:solidFill>
-                  <a:srgbClr val="000000"/>
-                </a:solidFill>
-                <a:latin typeface="Consolas" panose="020B0609020204030204" pitchFamily="49" charset="0"/>
-              </a:rPr>
-              <a:t>();</a:t>
-            </a:r>
-            <a:endParaRPr lang="es-AR" sz="2000" dirty="0" smtClean="0">
-              <a:solidFill>
-                <a:srgbClr val="008000"/>
-              </a:solidFill>
-              <a:latin typeface="Consolas" panose="020B0609020204030204" pitchFamily="49" charset="0"/>
-            </a:endParaRPr>
+              <a:rPr lang="es-ES" sz="2400" dirty="0">
+                <a:effectLst>
+                  <a:outerShdw blurRad="38100" dist="38100" dir="2700000" algn="tl">
+                    <a:srgbClr val="000000">
+                      <a:alpha val="43137"/>
+                    </a:srgbClr>
+                  </a:outerShdw>
+                </a:effectLst>
+                <a:latin typeface="Franklin Gothic Medium" panose="020B0603020102020204" pitchFamily="34" charset="0"/>
+              </a:rPr>
+              <a:t>Lee todo el </a:t>
+            </a:r>
+            <a:r>
+              <a:rPr lang="es-ES" sz="2400" dirty="0" err="1">
+                <a:effectLst>
+                  <a:outerShdw blurRad="38100" dist="38100" dir="2700000" algn="tl">
+                    <a:srgbClr val="000000">
+                      <a:alpha val="43137"/>
+                    </a:srgbClr>
+                  </a:outerShdw>
+                </a:effectLst>
+                <a:latin typeface="Franklin Gothic Medium" panose="020B0603020102020204" pitchFamily="34" charset="0"/>
+              </a:rPr>
+              <a:t>stream</a:t>
+            </a:r>
+            <a:r>
+              <a:rPr lang="es-ES" sz="2400" dirty="0">
+                <a:effectLst>
+                  <a:outerShdw blurRad="38100" dist="38100" dir="2700000" algn="tl">
+                    <a:srgbClr val="000000">
+                      <a:alpha val="43137"/>
+                    </a:srgbClr>
+                  </a:outerShdw>
+                </a:effectLst>
+                <a:latin typeface="Franklin Gothic Medium" panose="020B0603020102020204" pitchFamily="34" charset="0"/>
+              </a:rPr>
+              <a:t> y lo retorna como una cadena de caracteres.</a:t>
+            </a:r>
           </a:p>
         </p:txBody>
       </p:sp>
     </p:spTree>
     <p:extLst>
       <p:ext uri="{BB962C8B-B14F-4D97-AF65-F5344CB8AC3E}">
-        <p14:creationId xmlns:p14="http://schemas.microsoft.com/office/powerpoint/2010/main" val="2450648405"/>
+        <p14:creationId xmlns:p14="http://schemas.microsoft.com/office/powerpoint/2010/main" val="2809737650"/>
       </p:ext>
     </p:extLst>
   </p:cSld>
   <p:clrMapOvr>
     <a:masterClrMapping/>
   </p:clrMapOvr>
-  <p:timing>
-    <p:tnLst>
-      <p:par>
-        <p:cTn id="1" dur="indefinite" restart="never" nodeType="tmRoot"/>
-      </p:par>
-    </p:tnLst>
-  </p:timing>
 </p:sld>
 </file>
 
